--- a/presentacion.pptx
+++ b/presentacion.pptx
@@ -274,7 +274,7 @@
           <a:p>
             <a:fld id="{1150553F-504F-4CF4-ADA3-3DF9C5672FFC}" type="datetimeFigureOut">
               <a:rPr lang="es-ES" smtClean="0"/>
-              <a:t>23/11/2017</a:t>
+              <a:t>24/11/2017</a:t>
             </a:fld>
             <a:endParaRPr lang="es-ES"/>
           </a:p>
@@ -472,7 +472,7 @@
           <a:p>
             <a:fld id="{1150553F-504F-4CF4-ADA3-3DF9C5672FFC}" type="datetimeFigureOut">
               <a:rPr lang="es-ES" smtClean="0"/>
-              <a:t>23/11/2017</a:t>
+              <a:t>24/11/2017</a:t>
             </a:fld>
             <a:endParaRPr lang="es-ES"/>
           </a:p>
@@ -680,7 +680,7 @@
           <a:p>
             <a:fld id="{1150553F-504F-4CF4-ADA3-3DF9C5672FFC}" type="datetimeFigureOut">
               <a:rPr lang="es-ES" smtClean="0"/>
-              <a:t>23/11/2017</a:t>
+              <a:t>24/11/2017</a:t>
             </a:fld>
             <a:endParaRPr lang="es-ES"/>
           </a:p>
@@ -878,7 +878,7 @@
           <a:p>
             <a:fld id="{1150553F-504F-4CF4-ADA3-3DF9C5672FFC}" type="datetimeFigureOut">
               <a:rPr lang="es-ES" smtClean="0"/>
-              <a:t>23/11/2017</a:t>
+              <a:t>24/11/2017</a:t>
             </a:fld>
             <a:endParaRPr lang="es-ES"/>
           </a:p>
@@ -1153,7 +1153,7 @@
           <a:p>
             <a:fld id="{1150553F-504F-4CF4-ADA3-3DF9C5672FFC}" type="datetimeFigureOut">
               <a:rPr lang="es-ES" smtClean="0"/>
-              <a:t>23/11/2017</a:t>
+              <a:t>24/11/2017</a:t>
             </a:fld>
             <a:endParaRPr lang="es-ES"/>
           </a:p>
@@ -1418,7 +1418,7 @@
           <a:p>
             <a:fld id="{1150553F-504F-4CF4-ADA3-3DF9C5672FFC}" type="datetimeFigureOut">
               <a:rPr lang="es-ES" smtClean="0"/>
-              <a:t>23/11/2017</a:t>
+              <a:t>24/11/2017</a:t>
             </a:fld>
             <a:endParaRPr lang="es-ES"/>
           </a:p>
@@ -1830,7 +1830,7 @@
           <a:p>
             <a:fld id="{1150553F-504F-4CF4-ADA3-3DF9C5672FFC}" type="datetimeFigureOut">
               <a:rPr lang="es-ES" smtClean="0"/>
-              <a:t>23/11/2017</a:t>
+              <a:t>24/11/2017</a:t>
             </a:fld>
             <a:endParaRPr lang="es-ES"/>
           </a:p>
@@ -1971,7 +1971,7 @@
           <a:p>
             <a:fld id="{1150553F-504F-4CF4-ADA3-3DF9C5672FFC}" type="datetimeFigureOut">
               <a:rPr lang="es-ES" smtClean="0"/>
-              <a:t>23/11/2017</a:t>
+              <a:t>24/11/2017</a:t>
             </a:fld>
             <a:endParaRPr lang="es-ES"/>
           </a:p>
@@ -2084,7 +2084,7 @@
           <a:p>
             <a:fld id="{1150553F-504F-4CF4-ADA3-3DF9C5672FFC}" type="datetimeFigureOut">
               <a:rPr lang="es-ES" smtClean="0"/>
-              <a:t>23/11/2017</a:t>
+              <a:t>24/11/2017</a:t>
             </a:fld>
             <a:endParaRPr lang="es-ES"/>
           </a:p>
@@ -2395,7 +2395,7 @@
           <a:p>
             <a:fld id="{1150553F-504F-4CF4-ADA3-3DF9C5672FFC}" type="datetimeFigureOut">
               <a:rPr lang="es-ES" smtClean="0"/>
-              <a:t>23/11/2017</a:t>
+              <a:t>24/11/2017</a:t>
             </a:fld>
             <a:endParaRPr lang="es-ES"/>
           </a:p>
@@ -2683,7 +2683,7 @@
           <a:p>
             <a:fld id="{1150553F-504F-4CF4-ADA3-3DF9C5672FFC}" type="datetimeFigureOut">
               <a:rPr lang="es-ES" smtClean="0"/>
-              <a:t>23/11/2017</a:t>
+              <a:t>24/11/2017</a:t>
             </a:fld>
             <a:endParaRPr lang="es-ES"/>
           </a:p>
@@ -2924,7 +2924,7 @@
           <a:p>
             <a:fld id="{1150553F-504F-4CF4-ADA3-3DF9C5672FFC}" type="datetimeFigureOut">
               <a:rPr lang="es-ES" smtClean="0"/>
-              <a:t>23/11/2017</a:t>
+              <a:t>24/11/2017</a:t>
             </a:fld>
             <a:endParaRPr lang="es-ES"/>
           </a:p>
@@ -3367,7 +3367,7 @@
           <p:nvPr/>
         </p:nvPicPr>
         <p:blipFill rotWithShape="1">
-          <a:blip r:embed="rId2">
+          <a:blip r:embed="rId4">
             <a:extLst>
               <a:ext uri="{28A0092B-C50C-407E-A947-70E740481C1C}">
                 <a14:useLocalDpi xmlns:a14="http://schemas.microsoft.com/office/drawing/2010/main" val="0"/>
@@ -3478,6 +3478,44 @@
           </a:p>
         </p:txBody>
       </p:sp>
+      <p:pic>
+        <p:nvPicPr>
+          <p:cNvPr id="5" name="Sonido grabado">
+            <a:hlinkClick r:id="" action="ppaction://media"/>
+            <a:extLst>
+              <a:ext uri="{FF2B5EF4-FFF2-40B4-BE49-F238E27FC236}">
+                <a16:creationId xmlns:a16="http://schemas.microsoft.com/office/drawing/2014/main" id="{44763664-7B36-47B4-A259-C54785EFF896}"/>
+              </a:ext>
+            </a:extLst>
+          </p:cNvPr>
+          <p:cNvPicPr>
+            <a:picLocks noChangeAspect="1"/>
+          </p:cNvPicPr>
+          <p:nvPr>
+            <a:audioFile r:link="rId2"/>
+            <p:extLst>
+              <p:ext uri="{DAA4B4D4-6D71-4841-9C94-3DE7FCFB9230}">
+                <p14:media xmlns:p14="http://schemas.microsoft.com/office/powerpoint/2010/main" r:embed="rId1"/>
+              </p:ext>
+            </p:extLst>
+          </p:nvPr>
+        </p:nvPicPr>
+        <p:blipFill>
+          <a:blip r:embed="rId5"/>
+          <a:stretch>
+            <a:fillRect/>
+          </a:stretch>
+        </p:blipFill>
+        <p:spPr>
+          <a:xfrm>
+            <a:off x="9090991" y="2241555"/>
+            <a:ext cx="609600" cy="609600"/>
+          </a:xfrm>
+          <a:prstGeom prst="rect">
+            <a:avLst/>
+          </a:prstGeom>
+        </p:spPr>
+      </p:pic>
     </p:spTree>
     <p:extLst>
       <p:ext uri="{BB962C8B-B14F-4D97-AF65-F5344CB8AC3E}">
@@ -3488,6 +3526,93 @@
   <p:clrMapOvr>
     <a:overrideClrMapping bg1="dk1" tx1="lt1" bg2="dk2" tx2="lt2" accent1="accent1" accent2="accent2" accent3="accent3" accent4="accent4" accent5="accent5" accent6="accent6" hlink="hlink" folHlink="folHlink"/>
   </p:clrMapOvr>
+  <p:timing>
+    <p:tnLst>
+      <p:par>
+        <p:cTn id="1" dur="indefinite" restart="never" nodeType="tmRoot">
+          <p:childTnLst>
+            <p:seq concurrent="1" nextAc="seek">
+              <p:cTn id="2" dur="indefinite" nodeType="mainSeq">
+                <p:childTnLst>
+                  <p:par>
+                    <p:cTn id="3" fill="hold">
+                      <p:stCondLst>
+                        <p:cond delay="indefinite"/>
+                        <p:cond evt="onBegin" delay="0">
+                          <p:tn val="2"/>
+                        </p:cond>
+                      </p:stCondLst>
+                      <p:childTnLst>
+                        <p:par>
+                          <p:cTn id="4" fill="hold">
+                            <p:stCondLst>
+                              <p:cond delay="0"/>
+                            </p:stCondLst>
+                            <p:childTnLst>
+                              <p:par>
+                                <p:cTn id="5" presetID="1" presetClass="mediacall" presetSubtype="0" fill="hold" nodeType="afterEffect">
+                                  <p:stCondLst>
+                                    <p:cond delay="0"/>
+                                  </p:stCondLst>
+                                  <p:childTnLst>
+                                    <p:cmd type="call" cmd="playFrom(0.0)">
+                                      <p:cBhvr>
+                                        <p:cTn id="6" dur="1" fill="hold"/>
+                                        <p:tgtEl>
+                                          <p:spTgt spid="5"/>
+                                        </p:tgtEl>
+                                      </p:cBhvr>
+                                    </p:cmd>
+                                  </p:childTnLst>
+                                </p:cTn>
+                              </p:par>
+                            </p:childTnLst>
+                          </p:cTn>
+                        </p:par>
+                      </p:childTnLst>
+                    </p:cTn>
+                  </p:par>
+                </p:childTnLst>
+              </p:cTn>
+              <p:prevCondLst>
+                <p:cond evt="onPrev" delay="0">
+                  <p:tgtEl>
+                    <p:sldTgt/>
+                  </p:tgtEl>
+                </p:cond>
+              </p:prevCondLst>
+              <p:nextCondLst>
+                <p:cond evt="onNext" delay="0">
+                  <p:tgtEl>
+                    <p:sldTgt/>
+                  </p:tgtEl>
+                </p:cond>
+              </p:nextCondLst>
+            </p:seq>
+            <p:audio>
+              <p:cMediaNode vol="80000" numSld="999" showWhenStopped="0">
+                <p:cTn id="7" repeatCount="indefinite" fill="hold" display="0">
+                  <p:stCondLst>
+                    <p:cond delay="indefinite"/>
+                  </p:stCondLst>
+                  <p:endCondLst>
+                    <p:cond evt="onStopAudio" delay="0">
+                      <p:tgtEl>
+                        <p:sldTgt/>
+                      </p:tgtEl>
+                    </p:cond>
+                  </p:endCondLst>
+                </p:cTn>
+                <p:tgtEl>
+                  <p:spTgt spid="5"/>
+                </p:tgtEl>
+              </p:cMediaNode>
+            </p:audio>
+          </p:childTnLst>
+        </p:cTn>
+      </p:par>
+    </p:tnLst>
+  </p:timing>
 </p:sld>
 </file>
 

--- a/presentacion.pptx
+++ b/presentacion.pptx
@@ -3538,9 +3538,6 @@
                     <p:cTn id="3" fill="hold">
                       <p:stCondLst>
                         <p:cond delay="indefinite"/>
-                        <p:cond evt="onBegin" delay="0">
-                          <p:tn val="2"/>
-                        </p:cond>
                       </p:stCondLst>
                       <p:childTnLst>
                         <p:par>
@@ -3550,14 +3547,14 @@
                             </p:stCondLst>
                             <p:childTnLst>
                               <p:par>
-                                <p:cTn id="5" presetID="1" presetClass="mediacall" presetSubtype="0" fill="hold" nodeType="afterEffect">
+                                <p:cTn id="5" presetID="1" presetClass="mediacall" presetSubtype="0" fill="hold" nodeType="clickEffect">
                                   <p:stCondLst>
                                     <p:cond delay="0"/>
                                   </p:stCondLst>
                                   <p:childTnLst>
                                     <p:cmd type="call" cmd="playFrom(0.0)">
                                       <p:cBhvr>
-                                        <p:cTn id="6" dur="1" fill="hold"/>
+                                        <p:cTn id="6" dur="21233" fill="hold"/>
                                         <p:tgtEl>
                                           <p:spTgt spid="5"/>
                                         </p:tgtEl>
@@ -3590,8 +3587,8 @@
               </p:nextCondLst>
             </p:seq>
             <p:audio>
-              <p:cMediaNode vol="80000" numSld="999" showWhenStopped="0">
-                <p:cTn id="7" repeatCount="indefinite" fill="hold" display="0">
+              <p:cMediaNode vol="80000">
+                <p:cTn id="7" fill="hold" display="0">
                   <p:stCondLst>
                     <p:cond delay="indefinite"/>
                   </p:stCondLst>

--- a/presentacion.pptx
+++ b/presentacion.pptx
@@ -274,7 +274,7 @@
           <a:p>
             <a:fld id="{1150553F-504F-4CF4-ADA3-3DF9C5672FFC}" type="datetimeFigureOut">
               <a:rPr lang="es-ES" smtClean="0"/>
-              <a:t>24/11/2017</a:t>
+              <a:t>26/11/2017</a:t>
             </a:fld>
             <a:endParaRPr lang="es-ES"/>
           </a:p>
@@ -472,7 +472,7 @@
           <a:p>
             <a:fld id="{1150553F-504F-4CF4-ADA3-3DF9C5672FFC}" type="datetimeFigureOut">
               <a:rPr lang="es-ES" smtClean="0"/>
-              <a:t>24/11/2017</a:t>
+              <a:t>26/11/2017</a:t>
             </a:fld>
             <a:endParaRPr lang="es-ES"/>
           </a:p>
@@ -680,7 +680,7 @@
           <a:p>
             <a:fld id="{1150553F-504F-4CF4-ADA3-3DF9C5672FFC}" type="datetimeFigureOut">
               <a:rPr lang="es-ES" smtClean="0"/>
-              <a:t>24/11/2017</a:t>
+              <a:t>26/11/2017</a:t>
             </a:fld>
             <a:endParaRPr lang="es-ES"/>
           </a:p>
@@ -878,7 +878,7 @@
           <a:p>
             <a:fld id="{1150553F-504F-4CF4-ADA3-3DF9C5672FFC}" type="datetimeFigureOut">
               <a:rPr lang="es-ES" smtClean="0"/>
-              <a:t>24/11/2017</a:t>
+              <a:t>26/11/2017</a:t>
             </a:fld>
             <a:endParaRPr lang="es-ES"/>
           </a:p>
@@ -1153,7 +1153,7 @@
           <a:p>
             <a:fld id="{1150553F-504F-4CF4-ADA3-3DF9C5672FFC}" type="datetimeFigureOut">
               <a:rPr lang="es-ES" smtClean="0"/>
-              <a:t>24/11/2017</a:t>
+              <a:t>26/11/2017</a:t>
             </a:fld>
             <a:endParaRPr lang="es-ES"/>
           </a:p>
@@ -1418,7 +1418,7 @@
           <a:p>
             <a:fld id="{1150553F-504F-4CF4-ADA3-3DF9C5672FFC}" type="datetimeFigureOut">
               <a:rPr lang="es-ES" smtClean="0"/>
-              <a:t>24/11/2017</a:t>
+              <a:t>26/11/2017</a:t>
             </a:fld>
             <a:endParaRPr lang="es-ES"/>
           </a:p>
@@ -1830,7 +1830,7 @@
           <a:p>
             <a:fld id="{1150553F-504F-4CF4-ADA3-3DF9C5672FFC}" type="datetimeFigureOut">
               <a:rPr lang="es-ES" smtClean="0"/>
-              <a:t>24/11/2017</a:t>
+              <a:t>26/11/2017</a:t>
             </a:fld>
             <a:endParaRPr lang="es-ES"/>
           </a:p>
@@ -1971,7 +1971,7 @@
           <a:p>
             <a:fld id="{1150553F-504F-4CF4-ADA3-3DF9C5672FFC}" type="datetimeFigureOut">
               <a:rPr lang="es-ES" smtClean="0"/>
-              <a:t>24/11/2017</a:t>
+              <a:t>26/11/2017</a:t>
             </a:fld>
             <a:endParaRPr lang="es-ES"/>
           </a:p>
@@ -2084,7 +2084,7 @@
           <a:p>
             <a:fld id="{1150553F-504F-4CF4-ADA3-3DF9C5672FFC}" type="datetimeFigureOut">
               <a:rPr lang="es-ES" smtClean="0"/>
-              <a:t>24/11/2017</a:t>
+              <a:t>26/11/2017</a:t>
             </a:fld>
             <a:endParaRPr lang="es-ES"/>
           </a:p>
@@ -2395,7 +2395,7 @@
           <a:p>
             <a:fld id="{1150553F-504F-4CF4-ADA3-3DF9C5672FFC}" type="datetimeFigureOut">
               <a:rPr lang="es-ES" smtClean="0"/>
-              <a:t>24/11/2017</a:t>
+              <a:t>26/11/2017</a:t>
             </a:fld>
             <a:endParaRPr lang="es-ES"/>
           </a:p>
@@ -2683,7 +2683,7 @@
           <a:p>
             <a:fld id="{1150553F-504F-4CF4-ADA3-3DF9C5672FFC}" type="datetimeFigureOut">
               <a:rPr lang="es-ES" smtClean="0"/>
-              <a:t>24/11/2017</a:t>
+              <a:t>26/11/2017</a:t>
             </a:fld>
             <a:endParaRPr lang="es-ES"/>
           </a:p>
@@ -2924,7 +2924,7 @@
           <a:p>
             <a:fld id="{1150553F-504F-4CF4-ADA3-3DF9C5672FFC}" type="datetimeFigureOut">
               <a:rPr lang="es-ES" smtClean="0"/>
-              <a:t>24/11/2017</a:t>
+              <a:t>26/11/2017</a:t>
             </a:fld>
             <a:endParaRPr lang="es-ES"/>
           </a:p>
@@ -3367,7 +3367,7 @@
           <p:nvPr/>
         </p:nvPicPr>
         <p:blipFill rotWithShape="1">
-          <a:blip r:embed="rId4">
+          <a:blip r:embed="rId2">
             <a:extLst>
               <a:ext uri="{28A0092B-C50C-407E-A947-70E740481C1C}">
                 <a14:useLocalDpi xmlns:a14="http://schemas.microsoft.com/office/drawing/2010/main" val="0"/>
@@ -3478,44 +3478,6 @@
           </a:p>
         </p:txBody>
       </p:sp>
-      <p:pic>
-        <p:nvPicPr>
-          <p:cNvPr id="5" name="Sonido grabado">
-            <a:hlinkClick r:id="" action="ppaction://media"/>
-            <a:extLst>
-              <a:ext uri="{FF2B5EF4-FFF2-40B4-BE49-F238E27FC236}">
-                <a16:creationId xmlns:a16="http://schemas.microsoft.com/office/drawing/2014/main" id="{44763664-7B36-47B4-A259-C54785EFF896}"/>
-              </a:ext>
-            </a:extLst>
-          </p:cNvPr>
-          <p:cNvPicPr>
-            <a:picLocks noChangeAspect="1"/>
-          </p:cNvPicPr>
-          <p:nvPr>
-            <a:audioFile r:link="rId2"/>
-            <p:extLst>
-              <p:ext uri="{DAA4B4D4-6D71-4841-9C94-3DE7FCFB9230}">
-                <p14:media xmlns:p14="http://schemas.microsoft.com/office/powerpoint/2010/main" r:embed="rId1"/>
-              </p:ext>
-            </p:extLst>
-          </p:nvPr>
-        </p:nvPicPr>
-        <p:blipFill>
-          <a:blip r:embed="rId5"/>
-          <a:stretch>
-            <a:fillRect/>
-          </a:stretch>
-        </p:blipFill>
-        <p:spPr>
-          <a:xfrm>
-            <a:off x="9090991" y="2241555"/>
-            <a:ext cx="609600" cy="609600"/>
-          </a:xfrm>
-          <a:prstGeom prst="rect">
-            <a:avLst/>
-          </a:prstGeom>
-        </p:spPr>
-      </p:pic>
     </p:spTree>
     <p:extLst>
       <p:ext uri="{BB962C8B-B14F-4D97-AF65-F5344CB8AC3E}">
@@ -3526,90 +3488,6 @@
   <p:clrMapOvr>
     <a:overrideClrMapping bg1="dk1" tx1="lt1" bg2="dk2" tx2="lt2" accent1="accent1" accent2="accent2" accent3="accent3" accent4="accent4" accent5="accent5" accent6="accent6" hlink="hlink" folHlink="folHlink"/>
   </p:clrMapOvr>
-  <p:timing>
-    <p:tnLst>
-      <p:par>
-        <p:cTn id="1" dur="indefinite" restart="never" nodeType="tmRoot">
-          <p:childTnLst>
-            <p:seq concurrent="1" nextAc="seek">
-              <p:cTn id="2" dur="indefinite" nodeType="mainSeq">
-                <p:childTnLst>
-                  <p:par>
-                    <p:cTn id="3" fill="hold">
-                      <p:stCondLst>
-                        <p:cond delay="indefinite"/>
-                      </p:stCondLst>
-                      <p:childTnLst>
-                        <p:par>
-                          <p:cTn id="4" fill="hold">
-                            <p:stCondLst>
-                              <p:cond delay="0"/>
-                            </p:stCondLst>
-                            <p:childTnLst>
-                              <p:par>
-                                <p:cTn id="5" presetID="1" presetClass="mediacall" presetSubtype="0" fill="hold" nodeType="clickEffect">
-                                  <p:stCondLst>
-                                    <p:cond delay="0"/>
-                                  </p:stCondLst>
-                                  <p:childTnLst>
-                                    <p:cmd type="call" cmd="playFrom(0.0)">
-                                      <p:cBhvr>
-                                        <p:cTn id="6" dur="21233" fill="hold"/>
-                                        <p:tgtEl>
-                                          <p:spTgt spid="5"/>
-                                        </p:tgtEl>
-                                      </p:cBhvr>
-                                    </p:cmd>
-                                  </p:childTnLst>
-                                </p:cTn>
-                              </p:par>
-                            </p:childTnLst>
-                          </p:cTn>
-                        </p:par>
-                      </p:childTnLst>
-                    </p:cTn>
-                  </p:par>
-                </p:childTnLst>
-              </p:cTn>
-              <p:prevCondLst>
-                <p:cond evt="onPrev" delay="0">
-                  <p:tgtEl>
-                    <p:sldTgt/>
-                  </p:tgtEl>
-                </p:cond>
-              </p:prevCondLst>
-              <p:nextCondLst>
-                <p:cond evt="onNext" delay="0">
-                  <p:tgtEl>
-                    <p:sldTgt/>
-                  </p:tgtEl>
-                </p:cond>
-              </p:nextCondLst>
-            </p:seq>
-            <p:audio>
-              <p:cMediaNode vol="80000">
-                <p:cTn id="7" fill="hold" display="0">
-                  <p:stCondLst>
-                    <p:cond delay="indefinite"/>
-                  </p:stCondLst>
-                  <p:endCondLst>
-                    <p:cond evt="onStopAudio" delay="0">
-                      <p:tgtEl>
-                        <p:sldTgt/>
-                      </p:tgtEl>
-                    </p:cond>
-                  </p:endCondLst>
-                </p:cTn>
-                <p:tgtEl>
-                  <p:spTgt spid="5"/>
-                </p:tgtEl>
-              </p:cMediaNode>
-            </p:audio>
-          </p:childTnLst>
-        </p:cTn>
-      </p:par>
-    </p:tnLst>
-  </p:timing>
 </p:sld>
 </file>
 

--- a/presentacion.pptx
+++ b/presentacion.pptx
@@ -5,18 +5,26 @@
     <p:sldMasterId id="2147483648" r:id="rId1"/>
   </p:sldMasterIdLst>
   <p:sldIdLst>
-    <p:sldId id="256" r:id="rId2"/>
-    <p:sldId id="257" r:id="rId3"/>
-    <p:sldId id="258" r:id="rId4"/>
-    <p:sldId id="259" r:id="rId5"/>
-    <p:sldId id="260" r:id="rId6"/>
-    <p:sldId id="263" r:id="rId7"/>
-    <p:sldId id="262" r:id="rId8"/>
-    <p:sldId id="264" r:id="rId9"/>
-    <p:sldId id="265" r:id="rId10"/>
-    <p:sldId id="266" r:id="rId11"/>
-    <p:sldId id="267" r:id="rId12"/>
-    <p:sldId id="268" r:id="rId13"/>
+    <p:sldId id="269" r:id="rId2"/>
+    <p:sldId id="256" r:id="rId3"/>
+    <p:sldId id="257" r:id="rId4"/>
+    <p:sldId id="258" r:id="rId5"/>
+    <p:sldId id="270" r:id="rId6"/>
+    <p:sldId id="271" r:id="rId7"/>
+    <p:sldId id="272" r:id="rId8"/>
+    <p:sldId id="259" r:id="rId9"/>
+    <p:sldId id="260" r:id="rId10"/>
+    <p:sldId id="263" r:id="rId11"/>
+    <p:sldId id="262" r:id="rId12"/>
+    <p:sldId id="264" r:id="rId13"/>
+    <p:sldId id="265" r:id="rId14"/>
+    <p:sldId id="273" r:id="rId15"/>
+    <p:sldId id="274" r:id="rId16"/>
+    <p:sldId id="275" r:id="rId17"/>
+    <p:sldId id="276" r:id="rId18"/>
+    <p:sldId id="266" r:id="rId19"/>
+    <p:sldId id="267" r:id="rId20"/>
+    <p:sldId id="268" r:id="rId21"/>
   </p:sldIdLst>
   <p:sldSz cx="12192000" cy="6858000"/>
   <p:notesSz cx="6858000" cy="9144000"/>
@@ -3330,378 +3338,6 @@
     <p:bg>
       <p:bgPr>
         <a:solidFill>
-          <a:schemeClr val="bg1">
-            <a:lumMod val="95000"/>
-            <a:lumOff val="5000"/>
-          </a:schemeClr>
-        </a:solidFill>
-        <a:effectLst/>
-      </p:bgPr>
-    </p:bg>
-    <p:spTree>
-      <p:nvGrpSpPr>
-        <p:cNvPr id="1" name=""/>
-        <p:cNvGrpSpPr/>
-        <p:nvPr/>
-      </p:nvGrpSpPr>
-      <p:grpSpPr>
-        <a:xfrm>
-          <a:off x="0" y="0"/>
-          <a:ext cx="0" cy="0"/>
-          <a:chOff x="0" y="0"/>
-          <a:chExt cx="0" cy="0"/>
-        </a:xfrm>
-      </p:grpSpPr>
-      <p:pic>
-        <p:nvPicPr>
-          <p:cNvPr id="9" name="Imagen 8" descr="Imagen que contiene motocicleta&#10;&#10;Descripción generada con confianza muy alta">
-            <a:extLst>
-              <a:ext uri="{FF2B5EF4-FFF2-40B4-BE49-F238E27FC236}">
-                <a16:creationId xmlns:a16="http://schemas.microsoft.com/office/drawing/2014/main" id="{72B0DEC3-420D-4D58-B276-444773D2F561}"/>
-              </a:ext>
-            </a:extLst>
-          </p:cNvPr>
-          <p:cNvPicPr>
-            <a:picLocks noChangeAspect="1"/>
-          </p:cNvPicPr>
-          <p:nvPr/>
-        </p:nvPicPr>
-        <p:blipFill rotWithShape="1">
-          <a:blip r:embed="rId2">
-            <a:extLst>
-              <a:ext uri="{28A0092B-C50C-407E-A947-70E740481C1C}">
-                <a14:useLocalDpi xmlns:a14="http://schemas.microsoft.com/office/drawing/2010/main" val="0"/>
-              </a:ext>
-            </a:extLst>
-          </a:blip>
-          <a:srcRect t="18059" b="4221"/>
-          <a:stretch/>
-        </p:blipFill>
-        <p:spPr>
-          <a:xfrm>
-            <a:off x="20" y="10"/>
-            <a:ext cx="12191980" cy="4571990"/>
-          </a:xfrm>
-          <a:prstGeom prst="rect">
-            <a:avLst/>
-          </a:prstGeom>
-        </p:spPr>
-      </p:pic>
-      <p:cxnSp>
-        <p:nvCxnSpPr>
-          <p:cNvPr id="17" name="Straight Connector 16">
-            <a:extLst>
-              <a:ext uri="{FF2B5EF4-FFF2-40B4-BE49-F238E27FC236}">
-                <a16:creationId xmlns:a16="http://schemas.microsoft.com/office/drawing/2014/main" id="{E126E481-B945-4179-BD79-05E96E9B29E1}"/>
-              </a:ext>
-            </a:extLst>
-          </p:cNvPr>
-          <p:cNvCxnSpPr>
-            <a:cxnSpLocks noGrp="1" noRot="1" noChangeAspect="1" noMove="1" noResize="1" noEditPoints="1" noAdjustHandles="1" noChangeArrowheads="1" noChangeShapeType="1"/>
-          </p:cNvCxnSpPr>
-          <p:nvPr>
-            <p:extLst>
-              <p:ext uri="{386F3935-93C4-4BCD-93E2-E3B085C9AB24}">
-                <p16:designElem xmlns:p16="http://schemas.microsoft.com/office/powerpoint/2015/main" val="1"/>
-              </p:ext>
-            </p:extLst>
-          </p:nvPr>
-        </p:nvCxnSpPr>
-        <p:spPr>
-          <a:xfrm flipV="1">
-            <a:off x="8386843" y="5264106"/>
-            <a:ext cx="0" cy="914400"/>
-          </a:xfrm>
-          <a:prstGeom prst="line">
-            <a:avLst/>
-          </a:prstGeom>
-          <a:ln w="19050">
-            <a:solidFill>
-              <a:srgbClr val="FFFFFF">
-                <a:alpha val="80000"/>
-              </a:srgbClr>
-            </a:solidFill>
-          </a:ln>
-        </p:spPr>
-        <p:style>
-          <a:lnRef idx="1">
-            <a:schemeClr val="accent1"/>
-          </a:lnRef>
-          <a:fillRef idx="0">
-            <a:schemeClr val="accent1"/>
-          </a:fillRef>
-          <a:effectRef idx="0">
-            <a:schemeClr val="accent1"/>
-          </a:effectRef>
-          <a:fontRef idx="minor">
-            <a:schemeClr val="tx1"/>
-          </a:fontRef>
-        </p:style>
-      </p:cxnSp>
-      <p:sp>
-        <p:nvSpPr>
-          <p:cNvPr id="2" name="Título 1">
-            <a:extLst>
-              <a:ext uri="{FF2B5EF4-FFF2-40B4-BE49-F238E27FC236}">
-                <a16:creationId xmlns:a16="http://schemas.microsoft.com/office/drawing/2014/main" id="{52A11A14-38A8-4ECF-96DD-0A5F634C101F}"/>
-              </a:ext>
-            </a:extLst>
-          </p:cNvPr>
-          <p:cNvSpPr>
-            <a:spLocks noGrp="1"/>
-          </p:cNvSpPr>
-          <p:nvPr>
-            <p:ph type="ctrTitle"/>
-          </p:nvPr>
-        </p:nvSpPr>
-        <p:spPr>
-          <a:xfrm>
-            <a:off x="433136" y="5091762"/>
-            <a:ext cx="7834193" cy="1264588"/>
-          </a:xfrm>
-        </p:spPr>
-        <p:txBody>
-          <a:bodyPr anchor="ctr">
-            <a:normAutofit/>
-          </a:bodyPr>
-          <a:lstStyle/>
-          <a:p>
-            <a:pPr algn="r"/>
-            <a:r>
-              <a:rPr lang="es-ES" sz="5100">
-                <a:latin typeface="Verdana" panose="020B0604030504040204" pitchFamily="34" charset="0"/>
-                <a:ea typeface="Verdana" panose="020B0604030504040204" pitchFamily="34" charset="0"/>
-                <a:cs typeface="Verdana" panose="020B0604030504040204" pitchFamily="34" charset="0"/>
-              </a:rPr>
-              <a:t>HARDWARE ROBÓTICO</a:t>
-            </a:r>
-          </a:p>
-        </p:txBody>
-      </p:sp>
-    </p:spTree>
-    <p:extLst>
-      <p:ext uri="{BB962C8B-B14F-4D97-AF65-F5344CB8AC3E}">
-        <p14:creationId xmlns:p14="http://schemas.microsoft.com/office/powerpoint/2010/main" val="77803160"/>
-      </p:ext>
-    </p:extLst>
-  </p:cSld>
-  <p:clrMapOvr>
-    <a:overrideClrMapping bg1="dk1" tx1="lt1" bg2="dk2" tx2="lt2" accent1="accent1" accent2="accent2" accent3="accent3" accent4="accent4" accent5="accent5" accent6="accent6" hlink="hlink" folHlink="folHlink"/>
-  </p:clrMapOvr>
-</p:sld>
-</file>
-
-<file path=ppt/slides/slide10.xml><?xml version="1.0" encoding="utf-8"?>
-<p:sld xmlns:a="http://schemas.openxmlformats.org/drawingml/2006/main" xmlns:r="http://schemas.openxmlformats.org/officeDocument/2006/relationships" xmlns:p="http://schemas.openxmlformats.org/presentationml/2006/main">
-  <p:cSld>
-    <p:bg>
-      <p:bgPr>
-        <a:solidFill>
-          <a:schemeClr val="bg1"/>
-        </a:solidFill>
-        <a:effectLst/>
-      </p:bgPr>
-    </p:bg>
-    <p:spTree>
-      <p:nvGrpSpPr>
-        <p:cNvPr id="1" name=""/>
-        <p:cNvGrpSpPr/>
-        <p:nvPr/>
-      </p:nvGrpSpPr>
-      <p:grpSpPr>
-        <a:xfrm>
-          <a:off x="0" y="0"/>
-          <a:ext cx="0" cy="0"/>
-          <a:chOff x="0" y="0"/>
-          <a:chExt cx="0" cy="0"/>
-        </a:xfrm>
-      </p:grpSpPr>
-      <p:sp>
-        <p:nvSpPr>
-          <p:cNvPr id="71" name="Rectangle 70">
-            <a:extLst>
-              <a:ext uri="{FF2B5EF4-FFF2-40B4-BE49-F238E27FC236}">
-                <a16:creationId xmlns:a16="http://schemas.microsoft.com/office/drawing/2014/main" id="{047C8CCB-F95D-4249-92DD-651249D3535A}"/>
-              </a:ext>
-            </a:extLst>
-          </p:cNvPr>
-          <p:cNvSpPr>
-            <a:spLocks noGrp="1" noRot="1" noChangeAspect="1" noMove="1" noResize="1" noEditPoints="1" noAdjustHandles="1" noChangeArrowheads="1" noChangeShapeType="1" noTextEdit="1"/>
-          </p:cNvSpPr>
-          <p:nvPr>
-            <p:extLst>
-              <p:ext uri="{386F3935-93C4-4BCD-93E2-E3B085C9AB24}">
-                <p16:designElem xmlns:p16="http://schemas.microsoft.com/office/powerpoint/2015/main" val="1"/>
-              </p:ext>
-            </p:extLst>
-          </p:nvPr>
-        </p:nvSpPr>
-        <p:spPr>
-          <a:xfrm>
-            <a:off x="0" y="0"/>
-            <a:ext cx="2013557" cy="6858000"/>
-          </a:xfrm>
-          <a:prstGeom prst="rect">
-            <a:avLst/>
-          </a:prstGeom>
-          <a:solidFill>
-            <a:schemeClr val="tx1">
-              <a:lumMod val="50000"/>
-              <a:lumOff val="50000"/>
-            </a:schemeClr>
-          </a:solidFill>
-          <a:ln>
-            <a:noFill/>
-          </a:ln>
-        </p:spPr>
-        <p:style>
-          <a:lnRef idx="2">
-            <a:schemeClr val="accent1">
-              <a:shade val="50000"/>
-            </a:schemeClr>
-          </a:lnRef>
-          <a:fillRef idx="1">
-            <a:schemeClr val="accent1"/>
-          </a:fillRef>
-          <a:effectRef idx="0">
-            <a:schemeClr val="accent1"/>
-          </a:effectRef>
-          <a:fontRef idx="minor">
-            <a:schemeClr val="lt1"/>
-          </a:fontRef>
-        </p:style>
-        <p:txBody>
-          <a:bodyPr rtlCol="0" anchor="ctr"/>
-          <a:lstStyle/>
-          <a:p>
-            <a:pPr algn="ctr"/>
-            <a:endParaRPr lang="en-US"/>
-          </a:p>
-        </p:txBody>
-      </p:sp>
-      <p:pic>
-        <p:nvPicPr>
-          <p:cNvPr id="3074" name="Picture 2" descr="Resultado de imagen de ARQUITECTURA EN ROBOTS">
-            <a:extLst>
-              <a:ext uri="{FF2B5EF4-FFF2-40B4-BE49-F238E27FC236}">
-                <a16:creationId xmlns:a16="http://schemas.microsoft.com/office/drawing/2014/main" id="{18F9EE4F-445A-451F-A856-23BA9FD90459}"/>
-              </a:ext>
-            </a:extLst>
-          </p:cNvPr>
-          <p:cNvPicPr>
-            <a:picLocks noChangeAspect="1" noChangeArrowheads="1"/>
-          </p:cNvPicPr>
-          <p:nvPr/>
-        </p:nvPicPr>
-        <p:blipFill>
-          <a:blip r:embed="rId2">
-            <a:extLst>
-              <a:ext uri="{28A0092B-C50C-407E-A947-70E740481C1C}">
-                <a14:useLocalDpi xmlns:a14="http://schemas.microsoft.com/office/drawing/2010/main" val="0"/>
-              </a:ext>
-            </a:extLst>
-          </a:blip>
-          <a:srcRect/>
-          <a:stretch>
-            <a:fillRect/>
-          </a:stretch>
-        </p:blipFill>
-        <p:spPr bwMode="auto">
-          <a:xfrm>
-            <a:off x="5167206" y="961812"/>
-            <a:ext cx="4930987" cy="4930987"/>
-          </a:xfrm>
-          <a:prstGeom prst="rect">
-            <a:avLst/>
-          </a:prstGeom>
-          <a:noFill/>
-          <a:extLst>
-            <a:ext uri="{909E8E84-426E-40DD-AFC4-6F175D3DCCD1}">
-              <a14:hiddenFill xmlns:a14="http://schemas.microsoft.com/office/drawing/2010/main">
-                <a:solidFill>
-                  <a:srgbClr val="FFFFFF"/>
-                </a:solidFill>
-              </a14:hiddenFill>
-            </a:ext>
-          </a:extLst>
-        </p:spPr>
-      </p:pic>
-      <p:sp>
-        <p:nvSpPr>
-          <p:cNvPr id="2" name="Título 1">
-            <a:extLst>
-              <a:ext uri="{FF2B5EF4-FFF2-40B4-BE49-F238E27FC236}">
-                <a16:creationId xmlns:a16="http://schemas.microsoft.com/office/drawing/2014/main" id="{F8615DBD-1AAE-48B9-AB4C-A60335779EE9}"/>
-              </a:ext>
-            </a:extLst>
-          </p:cNvPr>
-          <p:cNvSpPr>
-            <a:spLocks noGrp="1"/>
-          </p:cNvSpPr>
-          <p:nvPr>
-            <p:ph type="title"/>
-          </p:nvPr>
-        </p:nvSpPr>
-        <p:spPr>
-          <a:xfrm>
-            <a:off x="640080" y="2074363"/>
-            <a:ext cx="2752354" cy="2709275"/>
-          </a:xfrm>
-          <a:prstGeom prst="ellipse">
-            <a:avLst/>
-          </a:prstGeom>
-          <a:solidFill>
-            <a:schemeClr val="tx1">
-              <a:lumMod val="85000"/>
-              <a:lumOff val="15000"/>
-            </a:schemeClr>
-          </a:solidFill>
-          <a:ln w="174625" cmpd="thinThick">
-            <a:solidFill>
-              <a:schemeClr val="tx1">
-                <a:lumMod val="85000"/>
-                <a:lumOff val="15000"/>
-              </a:schemeClr>
-            </a:solidFill>
-          </a:ln>
-        </p:spPr>
-        <p:txBody>
-          <a:bodyPr anchor="ctr">
-            <a:normAutofit/>
-          </a:bodyPr>
-          <a:lstStyle/>
-          <a:p>
-            <a:pPr algn="ctr"/>
-            <a:r>
-              <a:rPr lang="es-ES" sz="2000" dirty="0">
-                <a:solidFill>
-                  <a:schemeClr val="bg1"/>
-                </a:solidFill>
-              </a:rPr>
-              <a:t>ARQUITECTURA DE HADWARE ROBÓTICO</a:t>
-            </a:r>
-          </a:p>
-        </p:txBody>
-      </p:sp>
-    </p:spTree>
-    <p:extLst>
-      <p:ext uri="{BB962C8B-B14F-4D97-AF65-F5344CB8AC3E}">
-        <p14:creationId xmlns:p14="http://schemas.microsoft.com/office/powerpoint/2010/main" val="3208848096"/>
-      </p:ext>
-    </p:extLst>
-  </p:cSld>
-  <p:clrMapOvr>
-    <a:masterClrMapping/>
-  </p:clrMapOvr>
-</p:sld>
-</file>
-
-<file path=ppt/slides/slide11.xml><?xml version="1.0" encoding="utf-8"?>
-<p:sld xmlns:a="http://schemas.openxmlformats.org/drawingml/2006/main" xmlns:r="http://schemas.openxmlformats.org/officeDocument/2006/relationships" xmlns:p="http://schemas.openxmlformats.org/presentationml/2006/main">
-  <p:cSld>
-    <p:bg>
-      <p:bgPr>
-        <a:solidFill>
           <a:schemeClr val="bg1"/>
         </a:solidFill>
         <a:effectLst/>
@@ -3723,10 +3359,10 @@
       </p:grpSpPr>
       <p:pic>
         <p:nvPicPr>
-          <p:cNvPr id="4" name="Imagen 3">
-            <a:extLst>
-              <a:ext uri="{FF2B5EF4-FFF2-40B4-BE49-F238E27FC236}">
-                <a16:creationId xmlns:a16="http://schemas.microsoft.com/office/drawing/2014/main" id="{05E0A8DA-9CDD-4732-9B36-BEA073C55F1B}"/>
+          <p:cNvPr id="8" name="Marcador de contenido 4">
+            <a:extLst>
+              <a:ext uri="{FF2B5EF4-FFF2-40B4-BE49-F238E27FC236}">
+                <a16:creationId xmlns:a16="http://schemas.microsoft.com/office/drawing/2014/main" id="{8BD92760-2EE9-4429-8E51-F466F981F2D9}"/>
               </a:ext>
             </a:extLst>
           </p:cNvPr>
@@ -3735,7 +3371,7 @@
           </p:cNvPicPr>
           <p:nvPr/>
         </p:nvPicPr>
-        <p:blipFill>
+        <p:blipFill rotWithShape="1">
           <a:blip r:embed="rId2">
             <a:extLst>
               <a:ext uri="{28A0092B-C50C-407E-A947-70E740481C1C}">
@@ -3743,14 +3379,13 @@
               </a:ext>
             </a:extLst>
           </a:blip>
-          <a:stretch>
-            <a:fillRect/>
-          </a:stretch>
+          <a:srcRect l="8202" r="18020"/>
+          <a:stretch/>
         </p:blipFill>
         <p:spPr>
           <a:xfrm>
-            <a:off x="5750935" y="1205947"/>
-            <a:ext cx="4972193" cy="4068157"/>
+            <a:off x="-1" y="10"/>
+            <a:ext cx="12192000" cy="6857990"/>
           </a:xfrm>
           <a:prstGeom prst="rect">
             <a:avLst/>
@@ -3759,197 +3394,7 @@
       </p:pic>
       <p:sp>
         <p:nvSpPr>
-          <p:cNvPr id="9" name="Down Arrow 7">
-            <a:extLst>
-              <a:ext uri="{FF2B5EF4-FFF2-40B4-BE49-F238E27FC236}">
-                <a16:creationId xmlns:a16="http://schemas.microsoft.com/office/drawing/2014/main" id="{D4771268-CB57-404A-9271-370EB28F6090}"/>
-              </a:ext>
-            </a:extLst>
-          </p:cNvPr>
-          <p:cNvSpPr>
-            <a:spLocks noGrp="1" noRot="1" noChangeAspect="1" noMove="1" noResize="1" noEditPoints="1" noAdjustHandles="1" noChangeArrowheads="1" noChangeShapeType="1" noTextEdit="1"/>
-          </p:cNvSpPr>
-          <p:nvPr>
-            <p:extLst>
-              <p:ext uri="{386F3935-93C4-4BCD-93E2-E3B085C9AB24}">
-                <p16:designElem xmlns:p16="http://schemas.microsoft.com/office/powerpoint/2015/main" val="1"/>
-              </p:ext>
-            </p:extLst>
-          </p:nvPr>
-        </p:nvSpPr>
-        <p:spPr>
-          <a:xfrm rot="16200000">
-            <a:off x="800100" y="1491343"/>
-            <a:ext cx="3333749" cy="3499103"/>
-          </a:xfrm>
-          <a:prstGeom prst="downArrow">
-            <a:avLst>
-              <a:gd name="adj1" fmla="val 100000"/>
-              <a:gd name="adj2" fmla="val 15788"/>
-            </a:avLst>
-          </a:prstGeom>
-          <a:solidFill>
-            <a:schemeClr val="tx1">
-              <a:lumMod val="85000"/>
-              <a:lumOff val="15000"/>
-            </a:schemeClr>
-          </a:solidFill>
-          <a:ln w="53975">
-            <a:noFill/>
-          </a:ln>
-        </p:spPr>
-        <p:style>
-          <a:lnRef idx="2">
-            <a:schemeClr val="accent1">
-              <a:shade val="50000"/>
-            </a:schemeClr>
-          </a:lnRef>
-          <a:fillRef idx="1">
-            <a:schemeClr val="accent1"/>
-          </a:fillRef>
-          <a:effectRef idx="0">
-            <a:schemeClr val="accent1"/>
-          </a:effectRef>
-          <a:fontRef idx="minor">
-            <a:schemeClr val="lt1"/>
-          </a:fontRef>
-        </p:style>
-        <p:txBody>
-          <a:bodyPr rtlCol="0" anchor="ctr"/>
-          <a:lstStyle/>
-          <a:p>
-            <a:pPr algn="ctr"/>
-            <a:endParaRPr lang="en-US"/>
-          </a:p>
-        </p:txBody>
-      </p:sp>
-      <p:sp>
-        <p:nvSpPr>
-          <p:cNvPr id="2" name="Título 1">
-            <a:extLst>
-              <a:ext uri="{FF2B5EF4-FFF2-40B4-BE49-F238E27FC236}">
-                <a16:creationId xmlns:a16="http://schemas.microsoft.com/office/drawing/2014/main" id="{109CCB25-B1EE-42B8-AD1B-5A5AE2415DF0}"/>
-              </a:ext>
-            </a:extLst>
-          </p:cNvPr>
-          <p:cNvSpPr>
-            <a:spLocks noGrp="1"/>
-          </p:cNvSpPr>
-          <p:nvPr>
-            <p:ph type="title"/>
-          </p:nvPr>
-        </p:nvSpPr>
-        <p:spPr>
-          <a:xfrm>
-            <a:off x="1028700" y="1967266"/>
-            <a:ext cx="2628900" cy="2547257"/>
-          </a:xfrm>
-          <a:noFill/>
-        </p:spPr>
-        <p:txBody>
-          <a:bodyPr anchor="ctr">
-            <a:normAutofit/>
-          </a:bodyPr>
-          <a:lstStyle/>
-          <a:p>
-            <a:pPr algn="ctr"/>
-            <a:r>
-              <a:rPr lang="es-ES" sz="2800" dirty="0">
-                <a:solidFill>
-                  <a:schemeClr val="bg1"/>
-                </a:solidFill>
-              </a:rPr>
-              <a:t>ARQUITECTURA EN TRES CAPAS</a:t>
-            </a:r>
-          </a:p>
-        </p:txBody>
-      </p:sp>
-    </p:spTree>
-    <p:extLst>
-      <p:ext uri="{BB962C8B-B14F-4D97-AF65-F5344CB8AC3E}">
-        <p14:creationId xmlns:p14="http://schemas.microsoft.com/office/powerpoint/2010/main" val="2091675274"/>
-      </p:ext>
-    </p:extLst>
-  </p:cSld>
-  <p:clrMapOvr>
-    <a:masterClrMapping/>
-  </p:clrMapOvr>
-</p:sld>
-</file>
-
-<file path=ppt/slides/slide12.xml><?xml version="1.0" encoding="utf-8"?>
-<p:sld xmlns:a="http://schemas.openxmlformats.org/drawingml/2006/main" xmlns:r="http://schemas.openxmlformats.org/officeDocument/2006/relationships" xmlns:p="http://schemas.openxmlformats.org/presentationml/2006/main">
-  <p:cSld>
-    <p:bg>
-      <p:bgPr>
-        <a:solidFill>
-          <a:schemeClr val="bg1"/>
-        </a:solidFill>
-        <a:effectLst/>
-      </p:bgPr>
-    </p:bg>
-    <p:spTree>
-      <p:nvGrpSpPr>
-        <p:cNvPr id="1" name=""/>
-        <p:cNvGrpSpPr/>
-        <p:nvPr/>
-      </p:nvGrpSpPr>
-      <p:grpSpPr>
-        <a:xfrm>
-          <a:off x="0" y="0"/>
-          <a:ext cx="0" cy="0"/>
-          <a:chOff x="0" y="0"/>
-          <a:chExt cx="0" cy="0"/>
-        </a:xfrm>
-      </p:grpSpPr>
-      <p:pic>
-        <p:nvPicPr>
-          <p:cNvPr id="4098" name="Picture 2" descr="Resultado de imagen de LENGUAJES DE PROGRAMACION">
-            <a:extLst>
-              <a:ext uri="{FF2B5EF4-FFF2-40B4-BE49-F238E27FC236}">
-                <a16:creationId xmlns:a16="http://schemas.microsoft.com/office/drawing/2014/main" id="{F7B26CE2-5AE2-488E-BB8F-BD1FD179435D}"/>
-              </a:ext>
-            </a:extLst>
-          </p:cNvPr>
-          <p:cNvPicPr>
-            <a:picLocks noChangeAspect="1" noChangeArrowheads="1"/>
-          </p:cNvPicPr>
-          <p:nvPr/>
-        </p:nvPicPr>
-        <p:blipFill rotWithShape="1">
-          <a:blip r:embed="rId2">
-            <a:extLst>
-              <a:ext uri="{28A0092B-C50C-407E-A947-70E740481C1C}">
-                <a14:useLocalDpi xmlns:a14="http://schemas.microsoft.com/office/drawing/2010/main" val="0"/>
-              </a:ext>
-            </a:extLst>
-          </a:blip>
-          <a:srcRect t="9288" b="12587"/>
-          <a:stretch/>
-        </p:blipFill>
-        <p:spPr bwMode="auto">
-          <a:xfrm>
-            <a:off x="20" y="10"/>
-            <a:ext cx="12191980" cy="6857990"/>
-          </a:xfrm>
-          <a:prstGeom prst="rect">
-            <a:avLst/>
-          </a:prstGeom>
-          <a:noFill/>
-          <a:extLst>
-            <a:ext uri="{909E8E84-426E-40DD-AFC4-6F175D3DCCD1}">
-              <a14:hiddenFill xmlns:a14="http://schemas.microsoft.com/office/drawing/2010/main">
-                <a:solidFill>
-                  <a:srgbClr val="FFFFFF"/>
-                </a:solidFill>
-              </a14:hiddenFill>
-            </a:ext>
-          </a:extLst>
-        </p:spPr>
-      </p:pic>
-      <p:sp>
-        <p:nvSpPr>
-          <p:cNvPr id="71" name="Freeform 5">
+          <p:cNvPr id="20" name="Freeform 5">
             <a:extLst>
               <a:ext uri="{FF2B5EF4-FFF2-40B4-BE49-F238E27FC236}">
                 <a16:creationId xmlns:a16="http://schemas.microsoft.com/office/drawing/2014/main" id="{87CC2527-562A-4F69-B487-4371E5B243E7}"/>
@@ -4089,7 +3534,7 @@
       </p:sp>
       <p:cxnSp>
         <p:nvCxnSpPr>
-          <p:cNvPr id="73" name="Straight Connector 72">
+          <p:cNvPr id="22" name="Straight Connector 21">
             <a:extLst>
               <a:ext uri="{FF2B5EF4-FFF2-40B4-BE49-F238E27FC236}">
                 <a16:creationId xmlns:a16="http://schemas.microsoft.com/office/drawing/2014/main" id="{BCDAEC91-5BCE-4B55-9CC0-43EF94CB734B}"/>
@@ -4145,7 +3590,7 @@
           <p:cNvPr id="2" name="Título 1">
             <a:extLst>
               <a:ext uri="{FF2B5EF4-FFF2-40B4-BE49-F238E27FC236}">
-                <a16:creationId xmlns:a16="http://schemas.microsoft.com/office/drawing/2014/main" id="{33EC1C03-892C-4B77-8AE7-49AE50C9247B}"/>
+                <a16:creationId xmlns:a16="http://schemas.microsoft.com/office/drawing/2014/main" id="{C2592569-22EF-4CA0-A3F8-05EADA2A8663}"/>
               </a:ext>
             </a:extLst>
           </p:cNvPr>
@@ -4158,28 +3603,64 @@
         </p:nvSpPr>
         <p:spPr>
           <a:xfrm>
-            <a:off x="8022021" y="3231931"/>
+            <a:off x="8022020" y="4670591"/>
             <a:ext cx="3852041" cy="1834056"/>
           </a:xfrm>
         </p:spPr>
         <p:txBody>
           <a:bodyPr vert="horz" lIns="91440" tIns="45720" rIns="91440" bIns="45720" rtlCol="0" anchor="b">
-            <a:normAutofit/>
+            <a:normAutofit fontScale="90000"/>
           </a:bodyPr>
           <a:lstStyle/>
           <a:p>
             <a:pPr algn="ctr"/>
             <a:r>
+              <a:rPr lang="en-US" sz="4000" dirty="0" err="1"/>
+              <a:t>Robótica</a:t>
+            </a:r>
+            <a:br>
               <a:rPr lang="en-US" sz="4000" dirty="0"/>
-              <a:t>LENGUAJES DE PROGRAMACIÓN ROBÓTICA</a:t>
-            </a:r>
+            </a:br>
+            <a:br>
+              <a:rPr lang="en-US" sz="4000" dirty="0"/>
+            </a:br>
+            <a:r>
+              <a:rPr lang="en-US" sz="2000" dirty="0"/>
+              <a:t>Grupo C1.04</a:t>
+            </a:r>
+            <a:br>
+              <a:rPr lang="en-US" sz="2000" dirty="0"/>
+            </a:br>
+            <a:r>
+              <a:rPr lang="en-US" sz="2000" dirty="0"/>
+              <a:t>Pedro Antonio Ramírez de Verger Rodríguez</a:t>
+            </a:r>
+            <a:br>
+              <a:rPr lang="en-US" sz="2000" dirty="0"/>
+            </a:br>
+            <a:r>
+              <a:rPr lang="en-US" sz="2000" dirty="0"/>
+              <a:t>César Sánchez Jerez</a:t>
+            </a:r>
+            <a:br>
+              <a:rPr lang="en-US" sz="2000" dirty="0"/>
+            </a:br>
+            <a:r>
+              <a:rPr lang="en-US" sz="2000" dirty="0"/>
+              <a:t>Sergio Rodríguez </a:t>
+            </a:r>
+            <a:r>
+              <a:rPr lang="en-US" sz="2000" dirty="0" err="1"/>
+              <a:t>Salguero</a:t>
+            </a:r>
+            <a:endParaRPr lang="en-US" sz="4000" dirty="0"/>
           </a:p>
         </p:txBody>
       </p:sp>
     </p:spTree>
     <p:extLst>
       <p:ext uri="{BB962C8B-B14F-4D97-AF65-F5344CB8AC3E}">
-        <p14:creationId xmlns:p14="http://schemas.microsoft.com/office/powerpoint/2010/main" val="1555195338"/>
+        <p14:creationId xmlns:p14="http://schemas.microsoft.com/office/powerpoint/2010/main" val="49709172"/>
       </p:ext>
     </p:extLst>
   </p:cSld>
@@ -4189,7 +3670,7 @@
 </p:sld>
 </file>
 
-<file path=ppt/slides/slide2.xml><?xml version="1.0" encoding="utf-8"?>
+<file path=ppt/slides/slide10.xml><?xml version="1.0" encoding="utf-8"?>
 <p:sld xmlns:a="http://schemas.openxmlformats.org/drawingml/2006/main" xmlns:r="http://schemas.openxmlformats.org/officeDocument/2006/relationships" xmlns:p="http://schemas.openxmlformats.org/presentationml/2006/main">
   <p:cSld>
     <p:bg>
@@ -4214,47 +3695,12 @@
           <a:chExt cx="0" cy="0"/>
         </a:xfrm>
       </p:grpSpPr>
-      <p:pic>
-        <p:nvPicPr>
-          <p:cNvPr id="5" name="Imagen 4">
-            <a:extLst>
-              <a:ext uri="{FF2B5EF4-FFF2-40B4-BE49-F238E27FC236}">
-                <a16:creationId xmlns:a16="http://schemas.microsoft.com/office/drawing/2014/main" id="{EE85B17B-A19E-48E9-8FEF-F377DFCC98F6}"/>
-              </a:ext>
-            </a:extLst>
-          </p:cNvPr>
-          <p:cNvPicPr>
-            <a:picLocks noChangeAspect="1"/>
-          </p:cNvPicPr>
-          <p:nvPr/>
-        </p:nvPicPr>
-        <p:blipFill rotWithShape="1">
-          <a:blip r:embed="rId2">
-            <a:extLst>
-              <a:ext uri="{28A0092B-C50C-407E-A947-70E740481C1C}">
-                <a14:useLocalDpi xmlns:a14="http://schemas.microsoft.com/office/drawing/2010/main" val="0"/>
-              </a:ext>
-            </a:extLst>
-          </a:blip>
-          <a:srcRect t="3676" b="2574"/>
-          <a:stretch/>
-        </p:blipFill>
-        <p:spPr>
-          <a:xfrm>
-            <a:off x="20" y="10"/>
-            <a:ext cx="12191980" cy="6857990"/>
-          </a:xfrm>
-          <a:prstGeom prst="rect">
-            <a:avLst/>
-          </a:prstGeom>
-        </p:spPr>
-      </p:pic>
-      <p:sp>
-        <p:nvSpPr>
-          <p:cNvPr id="17" name="Rectangle 16">
-            <a:extLst>
-              <a:ext uri="{FF2B5EF4-FFF2-40B4-BE49-F238E27FC236}">
-                <a16:creationId xmlns:a16="http://schemas.microsoft.com/office/drawing/2014/main" id="{5FE860FF-6214-458C-B8B6-840D3D4BD8AE}"/>
+      <p:sp>
+        <p:nvSpPr>
+          <p:cNvPr id="9" name="Rectangle 8">
+            <a:extLst>
+              <a:ext uri="{FF2B5EF4-FFF2-40B4-BE49-F238E27FC236}">
+                <a16:creationId xmlns:a16="http://schemas.microsoft.com/office/drawing/2014/main" id="{A4AC5506-6312-4701-8D3C-40187889A947}"/>
               </a:ext>
             </a:extLst>
           </p:cNvPr>
@@ -4271,7 +3717,7 @@
         </p:nvSpPr>
         <p:spPr>
           <a:xfrm>
-            <a:off x="0" y="5320142"/>
+            <a:off x="0" y="651752"/>
             <a:ext cx="12192000" cy="736551"/>
           </a:xfrm>
           <a:prstGeom prst="rect">
@@ -4311,39 +3757,108 @@
           </a:p>
         </p:txBody>
       </p:sp>
+      <p:sp>
+        <p:nvSpPr>
+          <p:cNvPr id="2" name="Título 1">
+            <a:extLst>
+              <a:ext uri="{FF2B5EF4-FFF2-40B4-BE49-F238E27FC236}">
+                <a16:creationId xmlns:a16="http://schemas.microsoft.com/office/drawing/2014/main" id="{4DA700F1-531B-436D-AFD7-3BFD3A7524CF}"/>
+              </a:ext>
+            </a:extLst>
+          </p:cNvPr>
+          <p:cNvSpPr>
+            <a:spLocks noGrp="1"/>
+          </p:cNvSpPr>
+          <p:nvPr>
+            <p:ph type="title"/>
+          </p:nvPr>
+        </p:nvSpPr>
+        <p:spPr>
+          <a:xfrm>
+            <a:off x="556532" y="643467"/>
+            <a:ext cx="11210925" cy="744836"/>
+          </a:xfrm>
+        </p:spPr>
+        <p:txBody>
+          <a:bodyPr vert="horz" lIns="91440" tIns="45720" rIns="91440" bIns="45720" rtlCol="0" anchor="ctr">
+            <a:normAutofit/>
+          </a:bodyPr>
+          <a:lstStyle/>
+          <a:p>
+            <a:pPr algn="ctr"/>
+            <a:r>
+              <a:rPr lang="en-US" sz="3200" kern="1200">
+                <a:solidFill>
+                  <a:schemeClr val="bg1"/>
+                </a:solidFill>
+                <a:latin typeface="+mj-lt"/>
+                <a:ea typeface="+mj-ea"/>
+                <a:cs typeface="+mj-cs"/>
+              </a:rPr>
+              <a:t>DESCOMPOSICIÓN EN CELDAS</a:t>
+            </a:r>
+          </a:p>
+        </p:txBody>
+      </p:sp>
+      <p:pic>
+        <p:nvPicPr>
+          <p:cNvPr id="7" name="Imagen 6" descr="Imagen que contiene shoji&#10;&#10;Descripción generada con confianza muy alta">
+            <a:extLst>
+              <a:ext uri="{FF2B5EF4-FFF2-40B4-BE49-F238E27FC236}">
+                <a16:creationId xmlns:a16="http://schemas.microsoft.com/office/drawing/2014/main" id="{C7BAD728-59B2-4BE3-BD63-52C3794C624F}"/>
+              </a:ext>
+            </a:extLst>
+          </p:cNvPr>
+          <p:cNvPicPr>
+            <a:picLocks noChangeAspect="1"/>
+          </p:cNvPicPr>
+          <p:nvPr/>
+        </p:nvPicPr>
+        <p:blipFill>
+          <a:blip r:embed="rId2">
+            <a:extLst>
+              <a:ext uri="{28A0092B-C50C-407E-A947-70E740481C1C}">
+                <a14:useLocalDpi xmlns:a14="http://schemas.microsoft.com/office/drawing/2010/main" val="0"/>
+              </a:ext>
+            </a:extLst>
+          </a:blip>
+          <a:stretch>
+            <a:fillRect/>
+          </a:stretch>
+        </p:blipFill>
+        <p:spPr>
+          <a:xfrm>
+            <a:off x="2580641" y="1657305"/>
+            <a:ext cx="7030717" cy="4394198"/>
+          </a:xfrm>
+          <a:prstGeom prst="rect">
+            <a:avLst/>
+          </a:prstGeom>
+        </p:spPr>
+      </p:pic>
       <p:cxnSp>
         <p:nvCxnSpPr>
-          <p:cNvPr id="19" name="Straight Connector 18">
-            <a:extLst>
-              <a:ext uri="{FF2B5EF4-FFF2-40B4-BE49-F238E27FC236}">
-                <a16:creationId xmlns:a16="http://schemas.microsoft.com/office/drawing/2014/main" id="{6079A69E-2DBC-4FA4-8495-9B37C56A910E}"/>
-              </a:ext>
-            </a:extLst>
-          </p:cNvPr>
-          <p:cNvCxnSpPr>
-            <a:cxnSpLocks noGrp="1" noRot="1" noChangeAspect="1" noMove="1" noResize="1" noEditPoints="1" noAdjustHandles="1" noChangeArrowheads="1" noChangeShapeType="1"/>
-          </p:cNvCxnSpPr>
-          <p:nvPr>
-            <p:extLst>
-              <p:ext uri="{386F3935-93C4-4BCD-93E2-E3B085C9AB24}">
-                <p16:designElem xmlns:p16="http://schemas.microsoft.com/office/powerpoint/2015/main" val="1"/>
-              </p:ext>
-            </p:extLst>
-          </p:nvPr>
+          <p:cNvPr id="15" name="Conector recto 14">
+            <a:extLst>
+              <a:ext uri="{FF2B5EF4-FFF2-40B4-BE49-F238E27FC236}">
+                <a16:creationId xmlns:a16="http://schemas.microsoft.com/office/drawing/2014/main" id="{982AE847-6028-4BF7-91DE-C5FCA57BDAF5}"/>
+              </a:ext>
+            </a:extLst>
+          </p:cNvPr>
+          <p:cNvCxnSpPr/>
+          <p:nvPr/>
         </p:nvCxnSpPr>
         <p:spPr>
           <a:xfrm>
-            <a:off x="0" y="5241983"/>
-            <a:ext cx="12192000" cy="0"/>
+            <a:off x="3771900" y="3365500"/>
+            <a:ext cx="190500" cy="190500"/>
           </a:xfrm>
           <a:prstGeom prst="line">
             <a:avLst/>
           </a:prstGeom>
-          <a:ln w="41275">
+          <a:ln w="31750">
             <a:solidFill>
-              <a:schemeClr val="bg1">
-                <a:alpha val="90000"/>
-              </a:schemeClr>
+              <a:srgbClr val="FF0000"/>
             </a:solidFill>
           </a:ln>
         </p:spPr>
@@ -4364,37 +3879,29 @@
       </p:cxnSp>
       <p:cxnSp>
         <p:nvCxnSpPr>
-          <p:cNvPr id="21" name="Straight Connector 20">
-            <a:extLst>
-              <a:ext uri="{FF2B5EF4-FFF2-40B4-BE49-F238E27FC236}">
-                <a16:creationId xmlns:a16="http://schemas.microsoft.com/office/drawing/2014/main" id="{0F80B1E9-A8C1-4802-BFFD-7FC81CD2112C}"/>
+          <p:cNvPr id="18" name="Conector recto 17">
+            <a:extLst>
+              <a:ext uri="{FF2B5EF4-FFF2-40B4-BE49-F238E27FC236}">
+                <a16:creationId xmlns:a16="http://schemas.microsoft.com/office/drawing/2014/main" id="{F1015802-1EB9-4C32-A6DD-720CEA598E12}"/>
               </a:ext>
             </a:extLst>
           </p:cNvPr>
           <p:cNvCxnSpPr>
-            <a:cxnSpLocks noGrp="1" noRot="1" noChangeAspect="1" noMove="1" noResize="1" noEditPoints="1" noAdjustHandles="1" noChangeArrowheads="1" noChangeShapeType="1"/>
+            <a:cxnSpLocks/>
           </p:cNvCxnSpPr>
-          <p:nvPr>
-            <p:extLst>
-              <p:ext uri="{386F3935-93C4-4BCD-93E2-E3B085C9AB24}">
-                <p16:designElem xmlns:p16="http://schemas.microsoft.com/office/powerpoint/2015/main" val="1"/>
-              </p:ext>
-            </p:extLst>
-          </p:nvPr>
+          <p:nvPr/>
         </p:nvCxnSpPr>
         <p:spPr>
           <a:xfrm>
-            <a:off x="0" y="6134852"/>
-            <a:ext cx="12192000" cy="0"/>
+            <a:off x="3962400" y="3556000"/>
+            <a:ext cx="361950" cy="0"/>
           </a:xfrm>
           <a:prstGeom prst="line">
             <a:avLst/>
           </a:prstGeom>
-          <a:ln w="41275">
+          <a:ln w="31750">
             <a:solidFill>
-              <a:schemeClr val="bg1">
-                <a:alpha val="90000"/>
-              </a:schemeClr>
+              <a:srgbClr val="FF0000"/>
             </a:solidFill>
           </a:ln>
         </p:spPr>
@@ -4413,50 +3920,483 @@
           </a:fontRef>
         </p:style>
       </p:cxnSp>
-      <p:sp>
-        <p:nvSpPr>
-          <p:cNvPr id="2" name="Título 1">
-            <a:extLst>
-              <a:ext uri="{FF2B5EF4-FFF2-40B4-BE49-F238E27FC236}">
-                <a16:creationId xmlns:a16="http://schemas.microsoft.com/office/drawing/2014/main" id="{878CF466-61E6-4856-82B4-98C3BF53761F}"/>
-              </a:ext>
-            </a:extLst>
-          </p:cNvPr>
-          <p:cNvSpPr>
-            <a:spLocks noGrp="1"/>
-          </p:cNvSpPr>
-          <p:nvPr>
-            <p:ph type="title"/>
-          </p:nvPr>
-        </p:nvSpPr>
-        <p:spPr>
-          <a:xfrm>
-            <a:off x="523875" y="5317240"/>
-            <a:ext cx="11210925" cy="744836"/>
-          </a:xfrm>
-        </p:spPr>
-        <p:txBody>
-          <a:bodyPr vert="horz" lIns="91440" tIns="45720" rIns="91440" bIns="45720" rtlCol="0" anchor="ctr">
-            <a:normAutofit/>
-          </a:bodyPr>
-          <a:lstStyle/>
-          <a:p>
-            <a:pPr algn="ctr"/>
-            <a:r>
-              <a:rPr lang="en-US" sz="3600">
-                <a:solidFill>
-                  <a:schemeClr val="bg1"/>
-                </a:solidFill>
-              </a:rPr>
-              <a:t>SENSORES</a:t>
-            </a:r>
-          </a:p>
-        </p:txBody>
-      </p:sp>
+      <p:cxnSp>
+        <p:nvCxnSpPr>
+          <p:cNvPr id="20" name="Conector recto 19">
+            <a:extLst>
+              <a:ext uri="{FF2B5EF4-FFF2-40B4-BE49-F238E27FC236}">
+                <a16:creationId xmlns:a16="http://schemas.microsoft.com/office/drawing/2014/main" id="{EDBE5986-1B36-47B5-9F93-D7BF7FFC2F13}"/>
+              </a:ext>
+            </a:extLst>
+          </p:cNvPr>
+          <p:cNvCxnSpPr>
+            <a:cxnSpLocks/>
+          </p:cNvCxnSpPr>
+          <p:nvPr/>
+        </p:nvCxnSpPr>
+        <p:spPr>
+          <a:xfrm>
+            <a:off x="4324350" y="3556001"/>
+            <a:ext cx="0" cy="1289049"/>
+          </a:xfrm>
+          <a:prstGeom prst="line">
+            <a:avLst/>
+          </a:prstGeom>
+          <a:ln w="31750">
+            <a:solidFill>
+              <a:srgbClr val="FF0000"/>
+            </a:solidFill>
+          </a:ln>
+        </p:spPr>
+        <p:style>
+          <a:lnRef idx="1">
+            <a:schemeClr val="accent1"/>
+          </a:lnRef>
+          <a:fillRef idx="0">
+            <a:schemeClr val="accent1"/>
+          </a:fillRef>
+          <a:effectRef idx="0">
+            <a:schemeClr val="accent1"/>
+          </a:effectRef>
+          <a:fontRef idx="minor">
+            <a:schemeClr val="tx1"/>
+          </a:fontRef>
+        </p:style>
+      </p:cxnSp>
+      <p:cxnSp>
+        <p:nvCxnSpPr>
+          <p:cNvPr id="23" name="Conector recto 22">
+            <a:extLst>
+              <a:ext uri="{FF2B5EF4-FFF2-40B4-BE49-F238E27FC236}">
+                <a16:creationId xmlns:a16="http://schemas.microsoft.com/office/drawing/2014/main" id="{61AACD8F-19B7-4A52-AFF5-BF84ACC9CE09}"/>
+              </a:ext>
+            </a:extLst>
+          </p:cNvPr>
+          <p:cNvCxnSpPr>
+            <a:cxnSpLocks/>
+          </p:cNvCxnSpPr>
+          <p:nvPr/>
+        </p:nvCxnSpPr>
+        <p:spPr>
+          <a:xfrm>
+            <a:off x="4324350" y="4845050"/>
+            <a:ext cx="361951" cy="0"/>
+          </a:xfrm>
+          <a:prstGeom prst="line">
+            <a:avLst/>
+          </a:prstGeom>
+          <a:ln w="31750">
+            <a:solidFill>
+              <a:srgbClr val="FF0000"/>
+            </a:solidFill>
+          </a:ln>
+        </p:spPr>
+        <p:style>
+          <a:lnRef idx="1">
+            <a:schemeClr val="accent1"/>
+          </a:lnRef>
+          <a:fillRef idx="0">
+            <a:schemeClr val="accent1"/>
+          </a:fillRef>
+          <a:effectRef idx="0">
+            <a:schemeClr val="accent1"/>
+          </a:effectRef>
+          <a:fontRef idx="minor">
+            <a:schemeClr val="tx1"/>
+          </a:fontRef>
+        </p:style>
+      </p:cxnSp>
+      <p:cxnSp>
+        <p:nvCxnSpPr>
+          <p:cNvPr id="25" name="Conector recto 24">
+            <a:extLst>
+              <a:ext uri="{FF2B5EF4-FFF2-40B4-BE49-F238E27FC236}">
+                <a16:creationId xmlns:a16="http://schemas.microsoft.com/office/drawing/2014/main" id="{9DA8746D-7B48-4A36-92C2-C6429E85B761}"/>
+              </a:ext>
+            </a:extLst>
+          </p:cNvPr>
+          <p:cNvCxnSpPr>
+            <a:cxnSpLocks/>
+          </p:cNvCxnSpPr>
+          <p:nvPr/>
+        </p:nvCxnSpPr>
+        <p:spPr>
+          <a:xfrm>
+            <a:off x="4686301" y="4845050"/>
+            <a:ext cx="0" cy="355644"/>
+          </a:xfrm>
+          <a:prstGeom prst="line">
+            <a:avLst/>
+          </a:prstGeom>
+          <a:ln w="31750">
+            <a:solidFill>
+              <a:srgbClr val="FF0000"/>
+            </a:solidFill>
+          </a:ln>
+        </p:spPr>
+        <p:style>
+          <a:lnRef idx="1">
+            <a:schemeClr val="accent1"/>
+          </a:lnRef>
+          <a:fillRef idx="0">
+            <a:schemeClr val="accent1"/>
+          </a:fillRef>
+          <a:effectRef idx="0">
+            <a:schemeClr val="accent1"/>
+          </a:effectRef>
+          <a:fontRef idx="minor">
+            <a:schemeClr val="tx1"/>
+          </a:fontRef>
+        </p:style>
+      </p:cxnSp>
+      <p:cxnSp>
+        <p:nvCxnSpPr>
+          <p:cNvPr id="27" name="Conector recto 26">
+            <a:extLst>
+              <a:ext uri="{FF2B5EF4-FFF2-40B4-BE49-F238E27FC236}">
+                <a16:creationId xmlns:a16="http://schemas.microsoft.com/office/drawing/2014/main" id="{4EC83230-3931-4A94-A3DA-95EB0AD9216B}"/>
+              </a:ext>
+            </a:extLst>
+          </p:cNvPr>
+          <p:cNvCxnSpPr>
+            <a:cxnSpLocks/>
+          </p:cNvCxnSpPr>
+          <p:nvPr/>
+        </p:nvCxnSpPr>
+        <p:spPr>
+          <a:xfrm>
+            <a:off x="4686301" y="5200694"/>
+            <a:ext cx="704849" cy="0"/>
+          </a:xfrm>
+          <a:prstGeom prst="line">
+            <a:avLst/>
+          </a:prstGeom>
+          <a:ln w="31750">
+            <a:solidFill>
+              <a:srgbClr val="FF0000"/>
+            </a:solidFill>
+          </a:ln>
+        </p:spPr>
+        <p:style>
+          <a:lnRef idx="1">
+            <a:schemeClr val="accent1"/>
+          </a:lnRef>
+          <a:fillRef idx="0">
+            <a:schemeClr val="accent1"/>
+          </a:fillRef>
+          <a:effectRef idx="0">
+            <a:schemeClr val="accent1"/>
+          </a:effectRef>
+          <a:fontRef idx="minor">
+            <a:schemeClr val="tx1"/>
+          </a:fontRef>
+        </p:style>
+      </p:cxnSp>
+      <p:cxnSp>
+        <p:nvCxnSpPr>
+          <p:cNvPr id="29" name="Conector recto 28">
+            <a:extLst>
+              <a:ext uri="{FF2B5EF4-FFF2-40B4-BE49-F238E27FC236}">
+                <a16:creationId xmlns:a16="http://schemas.microsoft.com/office/drawing/2014/main" id="{3F561AC9-6AE4-4C98-90ED-AE59D0ACB3C9}"/>
+              </a:ext>
+            </a:extLst>
+          </p:cNvPr>
+          <p:cNvCxnSpPr>
+            <a:cxnSpLocks/>
+          </p:cNvCxnSpPr>
+          <p:nvPr/>
+        </p:nvCxnSpPr>
+        <p:spPr>
+          <a:xfrm>
+            <a:off x="5391150" y="5200694"/>
+            <a:ext cx="0" cy="330155"/>
+          </a:xfrm>
+          <a:prstGeom prst="line">
+            <a:avLst/>
+          </a:prstGeom>
+          <a:ln w="31750">
+            <a:solidFill>
+              <a:srgbClr val="FF0000"/>
+            </a:solidFill>
+          </a:ln>
+        </p:spPr>
+        <p:style>
+          <a:lnRef idx="1">
+            <a:schemeClr val="accent1"/>
+          </a:lnRef>
+          <a:fillRef idx="0">
+            <a:schemeClr val="accent1"/>
+          </a:fillRef>
+          <a:effectRef idx="0">
+            <a:schemeClr val="accent1"/>
+          </a:effectRef>
+          <a:fontRef idx="minor">
+            <a:schemeClr val="tx1"/>
+          </a:fontRef>
+        </p:style>
+      </p:cxnSp>
+      <p:cxnSp>
+        <p:nvCxnSpPr>
+          <p:cNvPr id="31" name="Conector recto 30">
+            <a:extLst>
+              <a:ext uri="{FF2B5EF4-FFF2-40B4-BE49-F238E27FC236}">
+                <a16:creationId xmlns:a16="http://schemas.microsoft.com/office/drawing/2014/main" id="{8C1DBB38-74C1-4800-BBB1-32A714527254}"/>
+              </a:ext>
+            </a:extLst>
+          </p:cNvPr>
+          <p:cNvCxnSpPr>
+            <a:cxnSpLocks/>
+          </p:cNvCxnSpPr>
+          <p:nvPr/>
+        </p:nvCxnSpPr>
+        <p:spPr>
+          <a:xfrm>
+            <a:off x="5391150" y="5505426"/>
+            <a:ext cx="1727200" cy="0"/>
+          </a:xfrm>
+          <a:prstGeom prst="line">
+            <a:avLst/>
+          </a:prstGeom>
+          <a:ln w="31750">
+            <a:solidFill>
+              <a:srgbClr val="FF0000"/>
+            </a:solidFill>
+          </a:ln>
+        </p:spPr>
+        <p:style>
+          <a:lnRef idx="1">
+            <a:schemeClr val="accent1"/>
+          </a:lnRef>
+          <a:fillRef idx="0">
+            <a:schemeClr val="accent1"/>
+          </a:fillRef>
+          <a:effectRef idx="0">
+            <a:schemeClr val="accent1"/>
+          </a:effectRef>
+          <a:fontRef idx="minor">
+            <a:schemeClr val="tx1"/>
+          </a:fontRef>
+        </p:style>
+      </p:cxnSp>
+      <p:cxnSp>
+        <p:nvCxnSpPr>
+          <p:cNvPr id="33" name="Conector recto 32">
+            <a:extLst>
+              <a:ext uri="{FF2B5EF4-FFF2-40B4-BE49-F238E27FC236}">
+                <a16:creationId xmlns:a16="http://schemas.microsoft.com/office/drawing/2014/main" id="{94EE24E6-69F4-4702-B7C3-C08FBE4DF83A}"/>
+              </a:ext>
+            </a:extLst>
+          </p:cNvPr>
+          <p:cNvCxnSpPr>
+            <a:cxnSpLocks/>
+          </p:cNvCxnSpPr>
+          <p:nvPr/>
+        </p:nvCxnSpPr>
+        <p:spPr>
+          <a:xfrm flipV="1">
+            <a:off x="7118350" y="5200694"/>
+            <a:ext cx="381000" cy="304732"/>
+          </a:xfrm>
+          <a:prstGeom prst="line">
+            <a:avLst/>
+          </a:prstGeom>
+          <a:ln w="31750">
+            <a:solidFill>
+              <a:srgbClr val="FF0000"/>
+            </a:solidFill>
+          </a:ln>
+        </p:spPr>
+        <p:style>
+          <a:lnRef idx="1">
+            <a:schemeClr val="accent1"/>
+          </a:lnRef>
+          <a:fillRef idx="0">
+            <a:schemeClr val="accent1"/>
+          </a:fillRef>
+          <a:effectRef idx="0">
+            <a:schemeClr val="accent1"/>
+          </a:effectRef>
+          <a:fontRef idx="minor">
+            <a:schemeClr val="tx1"/>
+          </a:fontRef>
+        </p:style>
+      </p:cxnSp>
+      <p:cxnSp>
+        <p:nvCxnSpPr>
+          <p:cNvPr id="35" name="Conector recto 34">
+            <a:extLst>
+              <a:ext uri="{FF2B5EF4-FFF2-40B4-BE49-F238E27FC236}">
+                <a16:creationId xmlns:a16="http://schemas.microsoft.com/office/drawing/2014/main" id="{850FC8AA-A3BD-4E63-A7DB-8FDC29DA3FE1}"/>
+              </a:ext>
+            </a:extLst>
+          </p:cNvPr>
+          <p:cNvCxnSpPr>
+            <a:cxnSpLocks/>
+          </p:cNvCxnSpPr>
+          <p:nvPr/>
+        </p:nvCxnSpPr>
+        <p:spPr>
+          <a:xfrm>
+            <a:off x="7496810" y="4527550"/>
+            <a:ext cx="8890" cy="673143"/>
+          </a:xfrm>
+          <a:prstGeom prst="line">
+            <a:avLst/>
+          </a:prstGeom>
+          <a:ln w="31750">
+            <a:solidFill>
+              <a:srgbClr val="FF0000"/>
+            </a:solidFill>
+          </a:ln>
+        </p:spPr>
+        <p:style>
+          <a:lnRef idx="1">
+            <a:schemeClr val="accent1"/>
+          </a:lnRef>
+          <a:fillRef idx="0">
+            <a:schemeClr val="accent1"/>
+          </a:fillRef>
+          <a:effectRef idx="0">
+            <a:schemeClr val="accent1"/>
+          </a:effectRef>
+          <a:fontRef idx="minor">
+            <a:schemeClr val="tx1"/>
+          </a:fontRef>
+        </p:style>
+      </p:cxnSp>
+      <p:cxnSp>
+        <p:nvCxnSpPr>
+          <p:cNvPr id="37" name="Conector recto 36">
+            <a:extLst>
+              <a:ext uri="{FF2B5EF4-FFF2-40B4-BE49-F238E27FC236}">
+                <a16:creationId xmlns:a16="http://schemas.microsoft.com/office/drawing/2014/main" id="{DD424BAC-7CCB-4FC5-9E53-8570BF027F9E}"/>
+              </a:ext>
+            </a:extLst>
+          </p:cNvPr>
+          <p:cNvCxnSpPr>
+            <a:cxnSpLocks/>
+          </p:cNvCxnSpPr>
+          <p:nvPr/>
+        </p:nvCxnSpPr>
+        <p:spPr>
+          <a:xfrm flipH="1">
+            <a:off x="7505700" y="4152900"/>
+            <a:ext cx="361951" cy="374650"/>
+          </a:xfrm>
+          <a:prstGeom prst="line">
+            <a:avLst/>
+          </a:prstGeom>
+          <a:ln w="31750">
+            <a:solidFill>
+              <a:srgbClr val="FF0000"/>
+            </a:solidFill>
+          </a:ln>
+        </p:spPr>
+        <p:style>
+          <a:lnRef idx="1">
+            <a:schemeClr val="accent1"/>
+          </a:lnRef>
+          <a:fillRef idx="0">
+            <a:schemeClr val="accent1"/>
+          </a:fillRef>
+          <a:effectRef idx="0">
+            <a:schemeClr val="accent1"/>
+          </a:effectRef>
+          <a:fontRef idx="minor">
+            <a:schemeClr val="tx1"/>
+          </a:fontRef>
+        </p:style>
+      </p:cxnSp>
+      <p:cxnSp>
+        <p:nvCxnSpPr>
+          <p:cNvPr id="39" name="Conector recto 38">
+            <a:extLst>
+              <a:ext uri="{FF2B5EF4-FFF2-40B4-BE49-F238E27FC236}">
+                <a16:creationId xmlns:a16="http://schemas.microsoft.com/office/drawing/2014/main" id="{DE533821-9151-46D1-93EB-C251FA957776}"/>
+              </a:ext>
+            </a:extLst>
+          </p:cNvPr>
+          <p:cNvCxnSpPr>
+            <a:cxnSpLocks/>
+          </p:cNvCxnSpPr>
+          <p:nvPr/>
+        </p:nvCxnSpPr>
+        <p:spPr>
+          <a:xfrm>
+            <a:off x="7876541" y="4152900"/>
+            <a:ext cx="200659" cy="0"/>
+          </a:xfrm>
+          <a:prstGeom prst="line">
+            <a:avLst/>
+          </a:prstGeom>
+          <a:ln w="31750">
+            <a:solidFill>
+              <a:srgbClr val="FF0000"/>
+            </a:solidFill>
+          </a:ln>
+        </p:spPr>
+        <p:style>
+          <a:lnRef idx="1">
+            <a:schemeClr val="accent1"/>
+          </a:lnRef>
+          <a:fillRef idx="0">
+            <a:schemeClr val="accent1"/>
+          </a:fillRef>
+          <a:effectRef idx="0">
+            <a:schemeClr val="accent1"/>
+          </a:effectRef>
+          <a:fontRef idx="minor">
+            <a:schemeClr val="tx1"/>
+          </a:fontRef>
+        </p:style>
+      </p:cxnSp>
+      <p:cxnSp>
+        <p:nvCxnSpPr>
+          <p:cNvPr id="41" name="Conector recto 40">
+            <a:extLst>
+              <a:ext uri="{FF2B5EF4-FFF2-40B4-BE49-F238E27FC236}">
+                <a16:creationId xmlns:a16="http://schemas.microsoft.com/office/drawing/2014/main" id="{F7A24046-F843-4245-89D6-854FDA152D99}"/>
+              </a:ext>
+            </a:extLst>
+          </p:cNvPr>
+          <p:cNvCxnSpPr>
+            <a:cxnSpLocks/>
+          </p:cNvCxnSpPr>
+          <p:nvPr/>
+        </p:nvCxnSpPr>
+        <p:spPr>
+          <a:xfrm>
+            <a:off x="3606800" y="3251200"/>
+            <a:ext cx="165100" cy="114299"/>
+          </a:xfrm>
+          <a:prstGeom prst="line">
+            <a:avLst/>
+          </a:prstGeom>
+          <a:ln w="31750">
+            <a:solidFill>
+              <a:srgbClr val="FF0000"/>
+            </a:solidFill>
+          </a:ln>
+        </p:spPr>
+        <p:style>
+          <a:lnRef idx="1">
+            <a:schemeClr val="accent1"/>
+          </a:lnRef>
+          <a:fillRef idx="0">
+            <a:schemeClr val="accent1"/>
+          </a:fillRef>
+          <a:effectRef idx="0">
+            <a:schemeClr val="accent1"/>
+          </a:effectRef>
+          <a:fontRef idx="minor">
+            <a:schemeClr val="tx1"/>
+          </a:fontRef>
+        </p:style>
+      </p:cxnSp>
     </p:spTree>
     <p:extLst>
       <p:ext uri="{BB962C8B-B14F-4D97-AF65-F5344CB8AC3E}">
-        <p14:creationId xmlns:p14="http://schemas.microsoft.com/office/powerpoint/2010/main" val="4082904582"/>
+        <p14:creationId xmlns:p14="http://schemas.microsoft.com/office/powerpoint/2010/main" val="3541032526"/>
       </p:ext>
     </p:extLst>
   </p:cSld>
@@ -4466,7 +4406,7 @@
 </p:sld>
 </file>
 
-<file path=ppt/slides/slide3.xml><?xml version="1.0" encoding="utf-8"?>
+<file path=ppt/slides/slide11.xml><?xml version="1.0" encoding="utf-8"?>
 <p:sld xmlns:a="http://schemas.openxmlformats.org/drawingml/2006/main" xmlns:r="http://schemas.openxmlformats.org/officeDocument/2006/relationships" xmlns:p="http://schemas.openxmlformats.org/presentationml/2006/main">
   <p:cSld>
     <p:bg>
@@ -4491,1404 +4431,6 @@
           <a:chExt cx="0" cy="0"/>
         </a:xfrm>
       </p:grpSpPr>
-      <p:sp useBgFill="1">
-        <p:nvSpPr>
-          <p:cNvPr id="58" name="Rectangle 57">
-            <a:extLst>
-              <a:ext uri="{FF2B5EF4-FFF2-40B4-BE49-F238E27FC236}">
-                <a16:creationId xmlns:a16="http://schemas.microsoft.com/office/drawing/2014/main" id="{B558F58E-93BA-44A3-BCDA-585AFF2E4F3F}"/>
-              </a:ext>
-            </a:extLst>
-          </p:cNvPr>
-          <p:cNvSpPr>
-            <a:spLocks noGrp="1" noRot="1" noChangeAspect="1" noMove="1" noResize="1" noEditPoints="1" noAdjustHandles="1" noChangeArrowheads="1" noChangeShapeType="1" noTextEdit="1"/>
-          </p:cNvSpPr>
-          <p:nvPr>
-            <p:extLst>
-              <p:ext uri="{386F3935-93C4-4BCD-93E2-E3B085C9AB24}">
-                <p16:designElem xmlns:p16="http://schemas.microsoft.com/office/powerpoint/2015/main" val="1"/>
-              </p:ext>
-            </p:extLst>
-          </p:nvPr>
-        </p:nvSpPr>
-        <p:spPr>
-          <a:xfrm>
-            <a:off x="0" y="0"/>
-            <a:ext cx="12192000" cy="6858000"/>
-          </a:xfrm>
-          <a:prstGeom prst="rect">
-            <a:avLst/>
-          </a:prstGeom>
-          <a:ln>
-            <a:noFill/>
-          </a:ln>
-        </p:spPr>
-        <p:style>
-          <a:lnRef idx="2">
-            <a:schemeClr val="accent1">
-              <a:shade val="50000"/>
-            </a:schemeClr>
-          </a:lnRef>
-          <a:fillRef idx="1">
-            <a:schemeClr val="accent1"/>
-          </a:fillRef>
-          <a:effectRef idx="0">
-            <a:schemeClr val="accent1"/>
-          </a:effectRef>
-          <a:fontRef idx="minor">
-            <a:schemeClr val="lt1"/>
-          </a:fontRef>
-        </p:style>
-        <p:txBody>
-          <a:bodyPr rtlCol="0" anchor="ctr"/>
-          <a:lstStyle/>
-          <a:p>
-            <a:pPr algn="ctr"/>
-            <a:endParaRPr lang="en-US"/>
-          </a:p>
-        </p:txBody>
-      </p:sp>
-      <p:pic>
-        <p:nvPicPr>
-          <p:cNvPr id="9" name="Imagen 8" descr="Imagen que contiene persona&#10;&#10;Descripción generada con confianza alta">
-            <a:extLst>
-              <a:ext uri="{FF2B5EF4-FFF2-40B4-BE49-F238E27FC236}">
-                <a16:creationId xmlns:a16="http://schemas.microsoft.com/office/drawing/2014/main" id="{9A1B4B94-5E7D-4C77-AEC1-06DD1E01115C}"/>
-              </a:ext>
-            </a:extLst>
-          </p:cNvPr>
-          <p:cNvPicPr>
-            <a:picLocks noChangeAspect="1"/>
-          </p:cNvPicPr>
-          <p:nvPr/>
-        </p:nvPicPr>
-        <p:blipFill rotWithShape="1">
-          <a:blip r:embed="rId2">
-            <a:extLst>
-              <a:ext uri="{28A0092B-C50C-407E-A947-70E740481C1C}">
-                <a14:useLocalDpi xmlns:a14="http://schemas.microsoft.com/office/drawing/2010/main" val="0"/>
-              </a:ext>
-            </a:extLst>
-          </a:blip>
-          <a:srcRect l="19431"/>
-          <a:stretch/>
-        </p:blipFill>
-        <p:spPr>
-          <a:xfrm>
-            <a:off x="5913123" y="10"/>
-            <a:ext cx="6278877" cy="6857990"/>
-          </a:xfrm>
-          <a:custGeom>
-            <a:avLst/>
-            <a:gdLst>
-              <a:gd name="connsiteX0" fmla="*/ 45571 w 6278877"/>
-              <a:gd name="connsiteY0" fmla="*/ 0 h 6858000"/>
-              <a:gd name="connsiteX1" fmla="*/ 6278877 w 6278877"/>
-              <a:gd name="connsiteY1" fmla="*/ 0 h 6858000"/>
-              <a:gd name="connsiteX2" fmla="*/ 6278877 w 6278877"/>
-              <a:gd name="connsiteY2" fmla="*/ 6858000 h 6858000"/>
-              <a:gd name="connsiteX3" fmla="*/ 3292307 w 6278877"/>
-              <a:gd name="connsiteY3" fmla="*/ 6858000 h 6858000"/>
-              <a:gd name="connsiteX4" fmla="*/ 3181525 w 6278877"/>
-              <a:gd name="connsiteY4" fmla="*/ 6786980 h 6858000"/>
-              <a:gd name="connsiteX5" fmla="*/ 0 w 6278877"/>
-              <a:gd name="connsiteY5" fmla="*/ 803252 h 6858000"/>
-              <a:gd name="connsiteX6" fmla="*/ 37255 w 6278877"/>
-              <a:gd name="connsiteY6" fmla="*/ 65445 h 6858000"/>
-            </a:gdLst>
-            <a:ahLst/>
-            <a:cxnLst>
-              <a:cxn ang="0">
-                <a:pos x="connsiteX0" y="connsiteY0"/>
-              </a:cxn>
-              <a:cxn ang="0">
-                <a:pos x="connsiteX1" y="connsiteY1"/>
-              </a:cxn>
-              <a:cxn ang="0">
-                <a:pos x="connsiteX2" y="connsiteY2"/>
-              </a:cxn>
-              <a:cxn ang="0">
-                <a:pos x="connsiteX3" y="connsiteY3"/>
-              </a:cxn>
-              <a:cxn ang="0">
-                <a:pos x="connsiteX4" y="connsiteY4"/>
-              </a:cxn>
-              <a:cxn ang="0">
-                <a:pos x="connsiteX5" y="connsiteY5"/>
-              </a:cxn>
-              <a:cxn ang="0">
-                <a:pos x="connsiteX6" y="connsiteY6"/>
-              </a:cxn>
-            </a:cxnLst>
-            <a:rect l="l" t="t" r="r" b="b"/>
-            <a:pathLst>
-              <a:path w="6278877" h="6858000">
-                <a:moveTo>
-                  <a:pt x="45571" y="0"/>
-                </a:moveTo>
-                <a:lnTo>
-                  <a:pt x="6278877" y="0"/>
-                </a:lnTo>
-                <a:lnTo>
-                  <a:pt x="6278877" y="6858000"/>
-                </a:lnTo>
-                <a:lnTo>
-                  <a:pt x="3292307" y="6858000"/>
-                </a:lnTo>
-                <a:lnTo>
-                  <a:pt x="3181525" y="6786980"/>
-                </a:lnTo>
-                <a:cubicBezTo>
-                  <a:pt x="1262020" y="5490189"/>
-                  <a:pt x="0" y="3294101"/>
-                  <a:pt x="0" y="803252"/>
-                </a:cubicBezTo>
-                <a:cubicBezTo>
-                  <a:pt x="0" y="554167"/>
-                  <a:pt x="12619" y="308030"/>
-                  <a:pt x="37255" y="65445"/>
-                </a:cubicBezTo>
-                <a:close/>
-              </a:path>
-            </a:pathLst>
-          </a:custGeom>
-        </p:spPr>
-      </p:pic>
-      <p:cxnSp>
-        <p:nvCxnSpPr>
-          <p:cNvPr id="60" name="Straight Arrow Connector 59">
-            <a:extLst>
-              <a:ext uri="{FF2B5EF4-FFF2-40B4-BE49-F238E27FC236}">
-                <a16:creationId xmlns:a16="http://schemas.microsoft.com/office/drawing/2014/main" id="{BCD0BBC1-A7D4-445D-98AC-95A6A45D8EBB}"/>
-              </a:ext>
-            </a:extLst>
-          </p:cNvPr>
-          <p:cNvCxnSpPr>
-            <a:cxnSpLocks noGrp="1" noRot="1" noChangeAspect="1" noMove="1" noResize="1" noEditPoints="1" noAdjustHandles="1" noChangeArrowheads="1" noChangeShapeType="1"/>
-          </p:cNvCxnSpPr>
-          <p:nvPr>
-            <p:extLst>
-              <p:ext uri="{386F3935-93C4-4BCD-93E2-E3B085C9AB24}">
-                <p16:designElem xmlns:p16="http://schemas.microsoft.com/office/powerpoint/2015/main" val="1"/>
-              </p:ext>
-            </p:extLst>
-          </p:nvPr>
-        </p:nvCxnSpPr>
-        <p:spPr>
-          <a:xfrm>
-            <a:off x="655320" y="2316480"/>
-            <a:ext cx="4937760" cy="0"/>
-          </a:xfrm>
-          <a:prstGeom prst="straightConnector1">
-            <a:avLst/>
-          </a:prstGeom>
-          <a:ln w="19050" cap="sq">
-            <a:solidFill>
-              <a:schemeClr val="tx1"/>
-            </a:solidFill>
-            <a:tailEnd type="none"/>
-          </a:ln>
-        </p:spPr>
-        <p:style>
-          <a:lnRef idx="1">
-            <a:schemeClr val="accent1"/>
-          </a:lnRef>
-          <a:fillRef idx="0">
-            <a:schemeClr val="accent1"/>
-          </a:fillRef>
-          <a:effectRef idx="0">
-            <a:schemeClr val="accent1"/>
-          </a:effectRef>
-          <a:fontRef idx="minor">
-            <a:schemeClr val="tx1"/>
-          </a:fontRef>
-        </p:style>
-      </p:cxnSp>
-      <p:sp>
-        <p:nvSpPr>
-          <p:cNvPr id="2" name="Título 1">
-            <a:extLst>
-              <a:ext uri="{FF2B5EF4-FFF2-40B4-BE49-F238E27FC236}">
-                <a16:creationId xmlns:a16="http://schemas.microsoft.com/office/drawing/2014/main" id="{E78735FC-5437-4B97-B913-271152E9C635}"/>
-              </a:ext>
-            </a:extLst>
-          </p:cNvPr>
-          <p:cNvSpPr>
-            <a:spLocks noGrp="1"/>
-          </p:cNvSpPr>
-          <p:nvPr>
-            <p:ph type="title"/>
-          </p:nvPr>
-        </p:nvSpPr>
-        <p:spPr>
-          <a:xfrm>
-            <a:off x="655320" y="2631125"/>
-            <a:ext cx="4983480" cy="2397443"/>
-          </a:xfrm>
-        </p:spPr>
-        <p:txBody>
-          <a:bodyPr vert="horz" lIns="91440" tIns="45720" rIns="91440" bIns="45720" rtlCol="0" anchor="t">
-            <a:normAutofit/>
-          </a:bodyPr>
-          <a:lstStyle/>
-          <a:p>
-            <a:r>
-              <a:rPr lang="en-US" sz="6000"/>
-              <a:t>EFECTORES</a:t>
-            </a:r>
-          </a:p>
-        </p:txBody>
-      </p:sp>
-    </p:spTree>
-    <p:extLst>
-      <p:ext uri="{BB962C8B-B14F-4D97-AF65-F5344CB8AC3E}">
-        <p14:creationId xmlns:p14="http://schemas.microsoft.com/office/powerpoint/2010/main" val="2467875651"/>
-      </p:ext>
-    </p:extLst>
-  </p:cSld>
-  <p:clrMapOvr>
-    <a:masterClrMapping/>
-  </p:clrMapOvr>
-</p:sld>
-</file>
-
-<file path=ppt/slides/slide4.xml><?xml version="1.0" encoding="utf-8"?>
-<p:sld xmlns:a="http://schemas.openxmlformats.org/drawingml/2006/main" xmlns:r="http://schemas.openxmlformats.org/officeDocument/2006/relationships" xmlns:p="http://schemas.openxmlformats.org/presentationml/2006/main">
-  <p:cSld>
-    <p:bg>
-      <p:bgPr>
-        <a:solidFill>
-          <a:schemeClr val="bg1"/>
-        </a:solidFill>
-        <a:effectLst/>
-      </p:bgPr>
-    </p:bg>
-    <p:spTree>
-      <p:nvGrpSpPr>
-        <p:cNvPr id="1" name=""/>
-        <p:cNvGrpSpPr/>
-        <p:nvPr/>
-      </p:nvGrpSpPr>
-      <p:grpSpPr>
-        <a:xfrm>
-          <a:off x="0" y="0"/>
-          <a:ext cx="0" cy="0"/>
-          <a:chOff x="0" y="0"/>
-          <a:chExt cx="0" cy="0"/>
-        </a:xfrm>
-      </p:grpSpPr>
-      <p:sp>
-        <p:nvSpPr>
-          <p:cNvPr id="12" name="Rectangle 9">
-            <a:extLst>
-              <a:ext uri="{FF2B5EF4-FFF2-40B4-BE49-F238E27FC236}">
-                <a16:creationId xmlns:a16="http://schemas.microsoft.com/office/drawing/2014/main" id="{047C8CCB-F95D-4249-92DD-651249D3535A}"/>
-              </a:ext>
-            </a:extLst>
-          </p:cNvPr>
-          <p:cNvSpPr>
-            <a:spLocks noGrp="1" noRot="1" noChangeAspect="1" noMove="1" noResize="1" noEditPoints="1" noAdjustHandles="1" noChangeArrowheads="1" noChangeShapeType="1" noTextEdit="1"/>
-          </p:cNvSpPr>
-          <p:nvPr>
-            <p:extLst>
-              <p:ext uri="{386F3935-93C4-4BCD-93E2-E3B085C9AB24}">
-                <p16:designElem xmlns:p16="http://schemas.microsoft.com/office/powerpoint/2015/main" val="1"/>
-              </p:ext>
-            </p:extLst>
-          </p:nvPr>
-        </p:nvSpPr>
-        <p:spPr>
-          <a:xfrm>
-            <a:off x="0" y="0"/>
-            <a:ext cx="2013557" cy="6858000"/>
-          </a:xfrm>
-          <a:prstGeom prst="rect">
-            <a:avLst/>
-          </a:prstGeom>
-          <a:solidFill>
-            <a:schemeClr val="tx1">
-              <a:lumMod val="50000"/>
-              <a:lumOff val="50000"/>
-            </a:schemeClr>
-          </a:solidFill>
-          <a:ln>
-            <a:noFill/>
-          </a:ln>
-        </p:spPr>
-        <p:style>
-          <a:lnRef idx="2">
-            <a:schemeClr val="accent1">
-              <a:shade val="50000"/>
-            </a:schemeClr>
-          </a:lnRef>
-          <a:fillRef idx="1">
-            <a:schemeClr val="accent1"/>
-          </a:fillRef>
-          <a:effectRef idx="0">
-            <a:schemeClr val="accent1"/>
-          </a:effectRef>
-          <a:fontRef idx="minor">
-            <a:schemeClr val="lt1"/>
-          </a:fontRef>
-        </p:style>
-        <p:txBody>
-          <a:bodyPr rtlCol="0" anchor="ctr"/>
-          <a:lstStyle/>
-          <a:p>
-            <a:pPr algn="ctr"/>
-            <a:endParaRPr lang="en-US"/>
-          </a:p>
-        </p:txBody>
-      </p:sp>
-      <p:pic>
-        <p:nvPicPr>
-          <p:cNvPr id="5" name="Imagen 4" descr="Imagen que contiene interior, edificio&#10;&#10;Descripción generada con confianza muy alta">
-            <a:extLst>
-              <a:ext uri="{FF2B5EF4-FFF2-40B4-BE49-F238E27FC236}">
-                <a16:creationId xmlns:a16="http://schemas.microsoft.com/office/drawing/2014/main" id="{E55109DE-AD8B-4F4D-A47E-E65765F07141}"/>
-              </a:ext>
-            </a:extLst>
-          </p:cNvPr>
-          <p:cNvPicPr>
-            <a:picLocks noChangeAspect="1"/>
-          </p:cNvPicPr>
-          <p:nvPr/>
-        </p:nvPicPr>
-        <p:blipFill>
-          <a:blip r:embed="rId2">
-            <a:extLst>
-              <a:ext uri="{28A0092B-C50C-407E-A947-70E740481C1C}">
-                <a14:useLocalDpi xmlns:a14="http://schemas.microsoft.com/office/drawing/2010/main" val="0"/>
-              </a:ext>
-            </a:extLst>
-          </a:blip>
-          <a:stretch>
-            <a:fillRect/>
-          </a:stretch>
-        </p:blipFill>
-        <p:spPr>
-          <a:xfrm>
-            <a:off x="4182122" y="961812"/>
-            <a:ext cx="6901155" cy="4930987"/>
-          </a:xfrm>
-          <a:prstGeom prst="rect">
-            <a:avLst/>
-          </a:prstGeom>
-        </p:spPr>
-      </p:pic>
-      <p:sp>
-        <p:nvSpPr>
-          <p:cNvPr id="2" name="Título 1">
-            <a:extLst>
-              <a:ext uri="{FF2B5EF4-FFF2-40B4-BE49-F238E27FC236}">
-                <a16:creationId xmlns:a16="http://schemas.microsoft.com/office/drawing/2014/main" id="{512A2610-FCEE-4560-B987-D373453D54BA}"/>
-              </a:ext>
-            </a:extLst>
-          </p:cNvPr>
-          <p:cNvSpPr>
-            <a:spLocks noGrp="1"/>
-          </p:cNvSpPr>
-          <p:nvPr>
-            <p:ph type="title"/>
-          </p:nvPr>
-        </p:nvSpPr>
-        <p:spPr>
-          <a:xfrm>
-            <a:off x="640080" y="2074363"/>
-            <a:ext cx="2752354" cy="2709275"/>
-          </a:xfrm>
-          <a:prstGeom prst="ellipse">
-            <a:avLst/>
-          </a:prstGeom>
-          <a:solidFill>
-            <a:schemeClr val="tx1">
-              <a:lumMod val="85000"/>
-              <a:lumOff val="15000"/>
-            </a:schemeClr>
-          </a:solidFill>
-          <a:ln w="174625" cmpd="thinThick">
-            <a:solidFill>
-              <a:schemeClr val="tx1">
-                <a:lumMod val="85000"/>
-                <a:lumOff val="15000"/>
-              </a:schemeClr>
-            </a:solidFill>
-          </a:ln>
-        </p:spPr>
-        <p:txBody>
-          <a:bodyPr vert="horz" lIns="91440" tIns="45720" rIns="91440" bIns="45720" rtlCol="0" anchor="ctr">
-            <a:normAutofit/>
-          </a:bodyPr>
-          <a:lstStyle/>
-          <a:p>
-            <a:pPr algn="ctr"/>
-            <a:r>
-              <a:rPr lang="en-US" sz="2400" kern="1200">
-                <a:solidFill>
-                  <a:schemeClr val="bg1"/>
-                </a:solidFill>
-                <a:latin typeface="+mj-lt"/>
-                <a:ea typeface="+mj-ea"/>
-                <a:cs typeface="+mj-cs"/>
-              </a:rPr>
-              <a:t>PLANEAR EL MOVIMIENTO</a:t>
-            </a:r>
-          </a:p>
-        </p:txBody>
-      </p:sp>
-    </p:spTree>
-    <p:extLst>
-      <p:ext uri="{BB962C8B-B14F-4D97-AF65-F5344CB8AC3E}">
-        <p14:creationId xmlns:p14="http://schemas.microsoft.com/office/powerpoint/2010/main" val="620877959"/>
-      </p:ext>
-    </p:extLst>
-  </p:cSld>
-  <p:clrMapOvr>
-    <a:masterClrMapping/>
-  </p:clrMapOvr>
-</p:sld>
-</file>
-
-<file path=ppt/slides/slide5.xml><?xml version="1.0" encoding="utf-8"?>
-<p:sld xmlns:a="http://schemas.openxmlformats.org/drawingml/2006/main" xmlns:r="http://schemas.openxmlformats.org/officeDocument/2006/relationships" xmlns:p="http://schemas.openxmlformats.org/presentationml/2006/main">
-  <p:cSld>
-    <p:bg>
-      <p:bgPr>
-        <a:solidFill>
-          <a:schemeClr val="bg1"/>
-        </a:solidFill>
-        <a:effectLst/>
-      </p:bgPr>
-    </p:bg>
-    <p:spTree>
-      <p:nvGrpSpPr>
-        <p:cNvPr id="1" name=""/>
-        <p:cNvGrpSpPr/>
-        <p:nvPr/>
-      </p:nvGrpSpPr>
-      <p:grpSpPr>
-        <a:xfrm>
-          <a:off x="0" y="0"/>
-          <a:ext cx="0" cy="0"/>
-          <a:chOff x="0" y="0"/>
-          <a:chExt cx="0" cy="0"/>
-        </a:xfrm>
-      </p:grpSpPr>
-      <p:sp>
-        <p:nvSpPr>
-          <p:cNvPr id="10" name="Rectangle 9">
-            <a:extLst>
-              <a:ext uri="{FF2B5EF4-FFF2-40B4-BE49-F238E27FC236}">
-                <a16:creationId xmlns:a16="http://schemas.microsoft.com/office/drawing/2014/main" id="{A4AC5506-6312-4701-8D3C-40187889A947}"/>
-              </a:ext>
-            </a:extLst>
-          </p:cNvPr>
-          <p:cNvSpPr>
-            <a:spLocks noGrp="1" noRot="1" noChangeAspect="1" noMove="1" noResize="1" noEditPoints="1" noAdjustHandles="1" noChangeArrowheads="1" noChangeShapeType="1" noTextEdit="1"/>
-          </p:cNvSpPr>
-          <p:nvPr>
-            <p:extLst>
-              <p:ext uri="{386F3935-93C4-4BCD-93E2-E3B085C9AB24}">
-                <p16:designElem xmlns:p16="http://schemas.microsoft.com/office/powerpoint/2015/main" val="1"/>
-              </p:ext>
-            </p:extLst>
-          </p:nvPr>
-        </p:nvSpPr>
-        <p:spPr>
-          <a:xfrm>
-            <a:off x="0" y="651752"/>
-            <a:ext cx="12192000" cy="736551"/>
-          </a:xfrm>
-          <a:prstGeom prst="rect">
-            <a:avLst/>
-          </a:prstGeom>
-          <a:solidFill>
-            <a:schemeClr val="tx1">
-              <a:alpha val="75000"/>
-            </a:schemeClr>
-          </a:solidFill>
-          <a:ln>
-            <a:noFill/>
-          </a:ln>
-        </p:spPr>
-        <p:style>
-          <a:lnRef idx="2">
-            <a:schemeClr val="accent1">
-              <a:shade val="50000"/>
-            </a:schemeClr>
-          </a:lnRef>
-          <a:fillRef idx="1">
-            <a:schemeClr val="accent1"/>
-          </a:fillRef>
-          <a:effectRef idx="0">
-            <a:schemeClr val="accent1"/>
-          </a:effectRef>
-          <a:fontRef idx="minor">
-            <a:schemeClr val="lt1"/>
-          </a:fontRef>
-        </p:style>
-        <p:txBody>
-          <a:bodyPr rtlCol="0" anchor="ctr"/>
-          <a:lstStyle/>
-          <a:p>
-            <a:pPr algn="ctr"/>
-            <a:endParaRPr lang="en-US"/>
-          </a:p>
-        </p:txBody>
-      </p:sp>
-      <p:pic>
-        <p:nvPicPr>
-          <p:cNvPr id="5" name="Imagen 4">
-            <a:extLst>
-              <a:ext uri="{FF2B5EF4-FFF2-40B4-BE49-F238E27FC236}">
-                <a16:creationId xmlns:a16="http://schemas.microsoft.com/office/drawing/2014/main" id="{1658C8F5-DCA2-4297-8E5E-D7B45E76BA28}"/>
-              </a:ext>
-            </a:extLst>
-          </p:cNvPr>
-          <p:cNvPicPr>
-            <a:picLocks noChangeAspect="1"/>
-          </p:cNvPicPr>
-          <p:nvPr/>
-        </p:nvPicPr>
-        <p:blipFill>
-          <a:blip r:embed="rId2">
-            <a:extLst>
-              <a:ext uri="{28A0092B-C50C-407E-A947-70E740481C1C}">
-                <a14:useLocalDpi xmlns:a14="http://schemas.microsoft.com/office/drawing/2010/main" val="0"/>
-              </a:ext>
-            </a:extLst>
-          </a:blip>
-          <a:stretch>
-            <a:fillRect/>
-          </a:stretch>
-        </p:blipFill>
-        <p:spPr>
-          <a:xfrm>
-            <a:off x="2580641" y="1675227"/>
-            <a:ext cx="7030717" cy="4394199"/>
-          </a:xfrm>
-          <a:prstGeom prst="rect">
-            <a:avLst/>
-          </a:prstGeom>
-        </p:spPr>
-      </p:pic>
-      <p:sp>
-        <p:nvSpPr>
-          <p:cNvPr id="2" name="Título 1">
-            <a:extLst>
-              <a:ext uri="{FF2B5EF4-FFF2-40B4-BE49-F238E27FC236}">
-                <a16:creationId xmlns:a16="http://schemas.microsoft.com/office/drawing/2014/main" id="{E982D7A1-6368-4874-8A29-DA2822CE46D8}"/>
-              </a:ext>
-            </a:extLst>
-          </p:cNvPr>
-          <p:cNvSpPr>
-            <a:spLocks noGrp="1"/>
-          </p:cNvSpPr>
-          <p:nvPr>
-            <p:ph type="title"/>
-          </p:nvPr>
-        </p:nvSpPr>
-        <p:spPr>
-          <a:xfrm>
-            <a:off x="556532" y="643467"/>
-            <a:ext cx="11210925" cy="744836"/>
-          </a:xfrm>
-        </p:spPr>
-        <p:txBody>
-          <a:bodyPr vert="horz" lIns="91440" tIns="45720" rIns="91440" bIns="45720" rtlCol="0" anchor="ctr">
-            <a:normAutofit/>
-          </a:bodyPr>
-          <a:lstStyle/>
-          <a:p>
-            <a:pPr algn="ctr"/>
-            <a:r>
-              <a:rPr lang="en-US" sz="3200" kern="1200">
-                <a:solidFill>
-                  <a:schemeClr val="bg1"/>
-                </a:solidFill>
-                <a:latin typeface="+mj-lt"/>
-                <a:ea typeface="+mj-ea"/>
-                <a:cs typeface="+mj-cs"/>
-              </a:rPr>
-              <a:t>ESPACIO DE CONFIGURACIÓN</a:t>
-            </a:r>
-          </a:p>
-        </p:txBody>
-      </p:sp>
-    </p:spTree>
-    <p:extLst>
-      <p:ext uri="{BB962C8B-B14F-4D97-AF65-F5344CB8AC3E}">
-        <p14:creationId xmlns:p14="http://schemas.microsoft.com/office/powerpoint/2010/main" val="817872270"/>
-      </p:ext>
-    </p:extLst>
-  </p:cSld>
-  <p:clrMapOvr>
-    <a:masterClrMapping/>
-  </p:clrMapOvr>
-</p:sld>
-</file>
-
-<file path=ppt/slides/slide6.xml><?xml version="1.0" encoding="utf-8"?>
-<p:sld xmlns:a="http://schemas.openxmlformats.org/drawingml/2006/main" xmlns:r="http://schemas.openxmlformats.org/officeDocument/2006/relationships" xmlns:p="http://schemas.openxmlformats.org/presentationml/2006/main">
-  <p:cSld>
-    <p:bg>
-      <p:bgPr>
-        <a:solidFill>
-          <a:schemeClr val="bg1"/>
-        </a:solidFill>
-        <a:effectLst/>
-      </p:bgPr>
-    </p:bg>
-    <p:spTree>
-      <p:nvGrpSpPr>
-        <p:cNvPr id="1" name=""/>
-        <p:cNvGrpSpPr/>
-        <p:nvPr/>
-      </p:nvGrpSpPr>
-      <p:grpSpPr>
-        <a:xfrm>
-          <a:off x="0" y="0"/>
-          <a:ext cx="0" cy="0"/>
-          <a:chOff x="0" y="0"/>
-          <a:chExt cx="0" cy="0"/>
-        </a:xfrm>
-      </p:grpSpPr>
-      <p:sp>
-        <p:nvSpPr>
-          <p:cNvPr id="9" name="Rectangle 8">
-            <a:extLst>
-              <a:ext uri="{FF2B5EF4-FFF2-40B4-BE49-F238E27FC236}">
-                <a16:creationId xmlns:a16="http://schemas.microsoft.com/office/drawing/2014/main" id="{A4AC5506-6312-4701-8D3C-40187889A947}"/>
-              </a:ext>
-            </a:extLst>
-          </p:cNvPr>
-          <p:cNvSpPr>
-            <a:spLocks noGrp="1" noRot="1" noChangeAspect="1" noMove="1" noResize="1" noEditPoints="1" noAdjustHandles="1" noChangeArrowheads="1" noChangeShapeType="1" noTextEdit="1"/>
-          </p:cNvSpPr>
-          <p:nvPr>
-            <p:extLst>
-              <p:ext uri="{386F3935-93C4-4BCD-93E2-E3B085C9AB24}">
-                <p16:designElem xmlns:p16="http://schemas.microsoft.com/office/powerpoint/2015/main" val="1"/>
-              </p:ext>
-            </p:extLst>
-          </p:nvPr>
-        </p:nvSpPr>
-        <p:spPr>
-          <a:xfrm>
-            <a:off x="0" y="651752"/>
-            <a:ext cx="12192000" cy="736551"/>
-          </a:xfrm>
-          <a:prstGeom prst="rect">
-            <a:avLst/>
-          </a:prstGeom>
-          <a:solidFill>
-            <a:schemeClr val="tx1">
-              <a:alpha val="75000"/>
-            </a:schemeClr>
-          </a:solidFill>
-          <a:ln>
-            <a:noFill/>
-          </a:ln>
-        </p:spPr>
-        <p:style>
-          <a:lnRef idx="2">
-            <a:schemeClr val="accent1">
-              <a:shade val="50000"/>
-            </a:schemeClr>
-          </a:lnRef>
-          <a:fillRef idx="1">
-            <a:schemeClr val="accent1"/>
-          </a:fillRef>
-          <a:effectRef idx="0">
-            <a:schemeClr val="accent1"/>
-          </a:effectRef>
-          <a:fontRef idx="minor">
-            <a:schemeClr val="lt1"/>
-          </a:fontRef>
-        </p:style>
-        <p:txBody>
-          <a:bodyPr rtlCol="0" anchor="ctr"/>
-          <a:lstStyle/>
-          <a:p>
-            <a:pPr algn="ctr"/>
-            <a:endParaRPr lang="en-US"/>
-          </a:p>
-        </p:txBody>
-      </p:sp>
-      <p:sp>
-        <p:nvSpPr>
-          <p:cNvPr id="2" name="Título 1">
-            <a:extLst>
-              <a:ext uri="{FF2B5EF4-FFF2-40B4-BE49-F238E27FC236}">
-                <a16:creationId xmlns:a16="http://schemas.microsoft.com/office/drawing/2014/main" id="{4DA700F1-531B-436D-AFD7-3BFD3A7524CF}"/>
-              </a:ext>
-            </a:extLst>
-          </p:cNvPr>
-          <p:cNvSpPr>
-            <a:spLocks noGrp="1"/>
-          </p:cNvSpPr>
-          <p:nvPr>
-            <p:ph type="title"/>
-          </p:nvPr>
-        </p:nvSpPr>
-        <p:spPr>
-          <a:xfrm>
-            <a:off x="556532" y="643467"/>
-            <a:ext cx="11210925" cy="744836"/>
-          </a:xfrm>
-        </p:spPr>
-        <p:txBody>
-          <a:bodyPr vert="horz" lIns="91440" tIns="45720" rIns="91440" bIns="45720" rtlCol="0" anchor="ctr">
-            <a:normAutofit/>
-          </a:bodyPr>
-          <a:lstStyle/>
-          <a:p>
-            <a:pPr algn="ctr"/>
-            <a:r>
-              <a:rPr lang="en-US" sz="3200" kern="1200">
-                <a:solidFill>
-                  <a:schemeClr val="bg1"/>
-                </a:solidFill>
-                <a:latin typeface="+mj-lt"/>
-                <a:ea typeface="+mj-ea"/>
-                <a:cs typeface="+mj-cs"/>
-              </a:rPr>
-              <a:t>DESCOMPOSICIÓN EN CELDAS</a:t>
-            </a:r>
-          </a:p>
-        </p:txBody>
-      </p:sp>
-      <p:pic>
-        <p:nvPicPr>
-          <p:cNvPr id="7" name="Imagen 6" descr="Imagen que contiene shoji&#10;&#10;Descripción generada con confianza muy alta">
-            <a:extLst>
-              <a:ext uri="{FF2B5EF4-FFF2-40B4-BE49-F238E27FC236}">
-                <a16:creationId xmlns:a16="http://schemas.microsoft.com/office/drawing/2014/main" id="{C7BAD728-59B2-4BE3-BD63-52C3794C624F}"/>
-              </a:ext>
-            </a:extLst>
-          </p:cNvPr>
-          <p:cNvPicPr>
-            <a:picLocks noChangeAspect="1"/>
-          </p:cNvPicPr>
-          <p:nvPr/>
-        </p:nvPicPr>
-        <p:blipFill>
-          <a:blip r:embed="rId2">
-            <a:extLst>
-              <a:ext uri="{28A0092B-C50C-407E-A947-70E740481C1C}">
-                <a14:useLocalDpi xmlns:a14="http://schemas.microsoft.com/office/drawing/2010/main" val="0"/>
-              </a:ext>
-            </a:extLst>
-          </a:blip>
-          <a:stretch>
-            <a:fillRect/>
-          </a:stretch>
-        </p:blipFill>
-        <p:spPr>
-          <a:xfrm>
-            <a:off x="2580641" y="1657305"/>
-            <a:ext cx="7030717" cy="4394198"/>
-          </a:xfrm>
-          <a:prstGeom prst="rect">
-            <a:avLst/>
-          </a:prstGeom>
-        </p:spPr>
-      </p:pic>
-      <p:cxnSp>
-        <p:nvCxnSpPr>
-          <p:cNvPr id="15" name="Conector recto 14">
-            <a:extLst>
-              <a:ext uri="{FF2B5EF4-FFF2-40B4-BE49-F238E27FC236}">
-                <a16:creationId xmlns:a16="http://schemas.microsoft.com/office/drawing/2014/main" id="{982AE847-6028-4BF7-91DE-C5FCA57BDAF5}"/>
-              </a:ext>
-            </a:extLst>
-          </p:cNvPr>
-          <p:cNvCxnSpPr/>
-          <p:nvPr/>
-        </p:nvCxnSpPr>
-        <p:spPr>
-          <a:xfrm>
-            <a:off x="3771900" y="3365500"/>
-            <a:ext cx="190500" cy="190500"/>
-          </a:xfrm>
-          <a:prstGeom prst="line">
-            <a:avLst/>
-          </a:prstGeom>
-          <a:ln w="31750">
-            <a:solidFill>
-              <a:srgbClr val="FF0000"/>
-            </a:solidFill>
-          </a:ln>
-        </p:spPr>
-        <p:style>
-          <a:lnRef idx="1">
-            <a:schemeClr val="accent1"/>
-          </a:lnRef>
-          <a:fillRef idx="0">
-            <a:schemeClr val="accent1"/>
-          </a:fillRef>
-          <a:effectRef idx="0">
-            <a:schemeClr val="accent1"/>
-          </a:effectRef>
-          <a:fontRef idx="minor">
-            <a:schemeClr val="tx1"/>
-          </a:fontRef>
-        </p:style>
-      </p:cxnSp>
-      <p:cxnSp>
-        <p:nvCxnSpPr>
-          <p:cNvPr id="18" name="Conector recto 17">
-            <a:extLst>
-              <a:ext uri="{FF2B5EF4-FFF2-40B4-BE49-F238E27FC236}">
-                <a16:creationId xmlns:a16="http://schemas.microsoft.com/office/drawing/2014/main" id="{F1015802-1EB9-4C32-A6DD-720CEA598E12}"/>
-              </a:ext>
-            </a:extLst>
-          </p:cNvPr>
-          <p:cNvCxnSpPr>
-            <a:cxnSpLocks/>
-          </p:cNvCxnSpPr>
-          <p:nvPr/>
-        </p:nvCxnSpPr>
-        <p:spPr>
-          <a:xfrm>
-            <a:off x="3962400" y="3556000"/>
-            <a:ext cx="361950" cy="0"/>
-          </a:xfrm>
-          <a:prstGeom prst="line">
-            <a:avLst/>
-          </a:prstGeom>
-          <a:ln w="31750">
-            <a:solidFill>
-              <a:srgbClr val="FF0000"/>
-            </a:solidFill>
-          </a:ln>
-        </p:spPr>
-        <p:style>
-          <a:lnRef idx="1">
-            <a:schemeClr val="accent1"/>
-          </a:lnRef>
-          <a:fillRef idx="0">
-            <a:schemeClr val="accent1"/>
-          </a:fillRef>
-          <a:effectRef idx="0">
-            <a:schemeClr val="accent1"/>
-          </a:effectRef>
-          <a:fontRef idx="minor">
-            <a:schemeClr val="tx1"/>
-          </a:fontRef>
-        </p:style>
-      </p:cxnSp>
-      <p:cxnSp>
-        <p:nvCxnSpPr>
-          <p:cNvPr id="20" name="Conector recto 19">
-            <a:extLst>
-              <a:ext uri="{FF2B5EF4-FFF2-40B4-BE49-F238E27FC236}">
-                <a16:creationId xmlns:a16="http://schemas.microsoft.com/office/drawing/2014/main" id="{EDBE5986-1B36-47B5-9F93-D7BF7FFC2F13}"/>
-              </a:ext>
-            </a:extLst>
-          </p:cNvPr>
-          <p:cNvCxnSpPr>
-            <a:cxnSpLocks/>
-          </p:cNvCxnSpPr>
-          <p:nvPr/>
-        </p:nvCxnSpPr>
-        <p:spPr>
-          <a:xfrm>
-            <a:off x="4324350" y="3556001"/>
-            <a:ext cx="0" cy="1289049"/>
-          </a:xfrm>
-          <a:prstGeom prst="line">
-            <a:avLst/>
-          </a:prstGeom>
-          <a:ln w="31750">
-            <a:solidFill>
-              <a:srgbClr val="FF0000"/>
-            </a:solidFill>
-          </a:ln>
-        </p:spPr>
-        <p:style>
-          <a:lnRef idx="1">
-            <a:schemeClr val="accent1"/>
-          </a:lnRef>
-          <a:fillRef idx="0">
-            <a:schemeClr val="accent1"/>
-          </a:fillRef>
-          <a:effectRef idx="0">
-            <a:schemeClr val="accent1"/>
-          </a:effectRef>
-          <a:fontRef idx="minor">
-            <a:schemeClr val="tx1"/>
-          </a:fontRef>
-        </p:style>
-      </p:cxnSp>
-      <p:cxnSp>
-        <p:nvCxnSpPr>
-          <p:cNvPr id="23" name="Conector recto 22">
-            <a:extLst>
-              <a:ext uri="{FF2B5EF4-FFF2-40B4-BE49-F238E27FC236}">
-                <a16:creationId xmlns:a16="http://schemas.microsoft.com/office/drawing/2014/main" id="{61AACD8F-19B7-4A52-AFF5-BF84ACC9CE09}"/>
-              </a:ext>
-            </a:extLst>
-          </p:cNvPr>
-          <p:cNvCxnSpPr>
-            <a:cxnSpLocks/>
-          </p:cNvCxnSpPr>
-          <p:nvPr/>
-        </p:nvCxnSpPr>
-        <p:spPr>
-          <a:xfrm>
-            <a:off x="4324350" y="4845050"/>
-            <a:ext cx="361951" cy="0"/>
-          </a:xfrm>
-          <a:prstGeom prst="line">
-            <a:avLst/>
-          </a:prstGeom>
-          <a:ln w="31750">
-            <a:solidFill>
-              <a:srgbClr val="FF0000"/>
-            </a:solidFill>
-          </a:ln>
-        </p:spPr>
-        <p:style>
-          <a:lnRef idx="1">
-            <a:schemeClr val="accent1"/>
-          </a:lnRef>
-          <a:fillRef idx="0">
-            <a:schemeClr val="accent1"/>
-          </a:fillRef>
-          <a:effectRef idx="0">
-            <a:schemeClr val="accent1"/>
-          </a:effectRef>
-          <a:fontRef idx="minor">
-            <a:schemeClr val="tx1"/>
-          </a:fontRef>
-        </p:style>
-      </p:cxnSp>
-      <p:cxnSp>
-        <p:nvCxnSpPr>
-          <p:cNvPr id="25" name="Conector recto 24">
-            <a:extLst>
-              <a:ext uri="{FF2B5EF4-FFF2-40B4-BE49-F238E27FC236}">
-                <a16:creationId xmlns:a16="http://schemas.microsoft.com/office/drawing/2014/main" id="{9DA8746D-7B48-4A36-92C2-C6429E85B761}"/>
-              </a:ext>
-            </a:extLst>
-          </p:cNvPr>
-          <p:cNvCxnSpPr>
-            <a:cxnSpLocks/>
-          </p:cNvCxnSpPr>
-          <p:nvPr/>
-        </p:nvCxnSpPr>
-        <p:spPr>
-          <a:xfrm>
-            <a:off x="4686301" y="4845050"/>
-            <a:ext cx="0" cy="355644"/>
-          </a:xfrm>
-          <a:prstGeom prst="line">
-            <a:avLst/>
-          </a:prstGeom>
-          <a:ln w="31750">
-            <a:solidFill>
-              <a:srgbClr val="FF0000"/>
-            </a:solidFill>
-          </a:ln>
-        </p:spPr>
-        <p:style>
-          <a:lnRef idx="1">
-            <a:schemeClr val="accent1"/>
-          </a:lnRef>
-          <a:fillRef idx="0">
-            <a:schemeClr val="accent1"/>
-          </a:fillRef>
-          <a:effectRef idx="0">
-            <a:schemeClr val="accent1"/>
-          </a:effectRef>
-          <a:fontRef idx="minor">
-            <a:schemeClr val="tx1"/>
-          </a:fontRef>
-        </p:style>
-      </p:cxnSp>
-      <p:cxnSp>
-        <p:nvCxnSpPr>
-          <p:cNvPr id="27" name="Conector recto 26">
-            <a:extLst>
-              <a:ext uri="{FF2B5EF4-FFF2-40B4-BE49-F238E27FC236}">
-                <a16:creationId xmlns:a16="http://schemas.microsoft.com/office/drawing/2014/main" id="{4EC83230-3931-4A94-A3DA-95EB0AD9216B}"/>
-              </a:ext>
-            </a:extLst>
-          </p:cNvPr>
-          <p:cNvCxnSpPr>
-            <a:cxnSpLocks/>
-          </p:cNvCxnSpPr>
-          <p:nvPr/>
-        </p:nvCxnSpPr>
-        <p:spPr>
-          <a:xfrm>
-            <a:off x="4686301" y="5200694"/>
-            <a:ext cx="704849" cy="0"/>
-          </a:xfrm>
-          <a:prstGeom prst="line">
-            <a:avLst/>
-          </a:prstGeom>
-          <a:ln w="31750">
-            <a:solidFill>
-              <a:srgbClr val="FF0000"/>
-            </a:solidFill>
-          </a:ln>
-        </p:spPr>
-        <p:style>
-          <a:lnRef idx="1">
-            <a:schemeClr val="accent1"/>
-          </a:lnRef>
-          <a:fillRef idx="0">
-            <a:schemeClr val="accent1"/>
-          </a:fillRef>
-          <a:effectRef idx="0">
-            <a:schemeClr val="accent1"/>
-          </a:effectRef>
-          <a:fontRef idx="minor">
-            <a:schemeClr val="tx1"/>
-          </a:fontRef>
-        </p:style>
-      </p:cxnSp>
-      <p:cxnSp>
-        <p:nvCxnSpPr>
-          <p:cNvPr id="29" name="Conector recto 28">
-            <a:extLst>
-              <a:ext uri="{FF2B5EF4-FFF2-40B4-BE49-F238E27FC236}">
-                <a16:creationId xmlns:a16="http://schemas.microsoft.com/office/drawing/2014/main" id="{3F561AC9-6AE4-4C98-90ED-AE59D0ACB3C9}"/>
-              </a:ext>
-            </a:extLst>
-          </p:cNvPr>
-          <p:cNvCxnSpPr>
-            <a:cxnSpLocks/>
-          </p:cNvCxnSpPr>
-          <p:nvPr/>
-        </p:nvCxnSpPr>
-        <p:spPr>
-          <a:xfrm>
-            <a:off x="5391150" y="5200694"/>
-            <a:ext cx="0" cy="330155"/>
-          </a:xfrm>
-          <a:prstGeom prst="line">
-            <a:avLst/>
-          </a:prstGeom>
-          <a:ln w="31750">
-            <a:solidFill>
-              <a:srgbClr val="FF0000"/>
-            </a:solidFill>
-          </a:ln>
-        </p:spPr>
-        <p:style>
-          <a:lnRef idx="1">
-            <a:schemeClr val="accent1"/>
-          </a:lnRef>
-          <a:fillRef idx="0">
-            <a:schemeClr val="accent1"/>
-          </a:fillRef>
-          <a:effectRef idx="0">
-            <a:schemeClr val="accent1"/>
-          </a:effectRef>
-          <a:fontRef idx="minor">
-            <a:schemeClr val="tx1"/>
-          </a:fontRef>
-        </p:style>
-      </p:cxnSp>
-      <p:cxnSp>
-        <p:nvCxnSpPr>
-          <p:cNvPr id="31" name="Conector recto 30">
-            <a:extLst>
-              <a:ext uri="{FF2B5EF4-FFF2-40B4-BE49-F238E27FC236}">
-                <a16:creationId xmlns:a16="http://schemas.microsoft.com/office/drawing/2014/main" id="{8C1DBB38-74C1-4800-BBB1-32A714527254}"/>
-              </a:ext>
-            </a:extLst>
-          </p:cNvPr>
-          <p:cNvCxnSpPr>
-            <a:cxnSpLocks/>
-          </p:cNvCxnSpPr>
-          <p:nvPr/>
-        </p:nvCxnSpPr>
-        <p:spPr>
-          <a:xfrm>
-            <a:off x="5391150" y="5505426"/>
-            <a:ext cx="1727200" cy="0"/>
-          </a:xfrm>
-          <a:prstGeom prst="line">
-            <a:avLst/>
-          </a:prstGeom>
-          <a:ln w="31750">
-            <a:solidFill>
-              <a:srgbClr val="FF0000"/>
-            </a:solidFill>
-          </a:ln>
-        </p:spPr>
-        <p:style>
-          <a:lnRef idx="1">
-            <a:schemeClr val="accent1"/>
-          </a:lnRef>
-          <a:fillRef idx="0">
-            <a:schemeClr val="accent1"/>
-          </a:fillRef>
-          <a:effectRef idx="0">
-            <a:schemeClr val="accent1"/>
-          </a:effectRef>
-          <a:fontRef idx="minor">
-            <a:schemeClr val="tx1"/>
-          </a:fontRef>
-        </p:style>
-      </p:cxnSp>
-      <p:cxnSp>
-        <p:nvCxnSpPr>
-          <p:cNvPr id="33" name="Conector recto 32">
-            <a:extLst>
-              <a:ext uri="{FF2B5EF4-FFF2-40B4-BE49-F238E27FC236}">
-                <a16:creationId xmlns:a16="http://schemas.microsoft.com/office/drawing/2014/main" id="{94EE24E6-69F4-4702-B7C3-C08FBE4DF83A}"/>
-              </a:ext>
-            </a:extLst>
-          </p:cNvPr>
-          <p:cNvCxnSpPr>
-            <a:cxnSpLocks/>
-          </p:cNvCxnSpPr>
-          <p:nvPr/>
-        </p:nvCxnSpPr>
-        <p:spPr>
-          <a:xfrm flipV="1">
-            <a:off x="7118350" y="5200694"/>
-            <a:ext cx="381000" cy="304732"/>
-          </a:xfrm>
-          <a:prstGeom prst="line">
-            <a:avLst/>
-          </a:prstGeom>
-          <a:ln w="31750">
-            <a:solidFill>
-              <a:srgbClr val="FF0000"/>
-            </a:solidFill>
-          </a:ln>
-        </p:spPr>
-        <p:style>
-          <a:lnRef idx="1">
-            <a:schemeClr val="accent1"/>
-          </a:lnRef>
-          <a:fillRef idx="0">
-            <a:schemeClr val="accent1"/>
-          </a:fillRef>
-          <a:effectRef idx="0">
-            <a:schemeClr val="accent1"/>
-          </a:effectRef>
-          <a:fontRef idx="minor">
-            <a:schemeClr val="tx1"/>
-          </a:fontRef>
-        </p:style>
-      </p:cxnSp>
-      <p:cxnSp>
-        <p:nvCxnSpPr>
-          <p:cNvPr id="35" name="Conector recto 34">
-            <a:extLst>
-              <a:ext uri="{FF2B5EF4-FFF2-40B4-BE49-F238E27FC236}">
-                <a16:creationId xmlns:a16="http://schemas.microsoft.com/office/drawing/2014/main" id="{850FC8AA-A3BD-4E63-A7DB-8FDC29DA3FE1}"/>
-              </a:ext>
-            </a:extLst>
-          </p:cNvPr>
-          <p:cNvCxnSpPr>
-            <a:cxnSpLocks/>
-          </p:cNvCxnSpPr>
-          <p:nvPr/>
-        </p:nvCxnSpPr>
-        <p:spPr>
-          <a:xfrm>
-            <a:off x="7496810" y="4527550"/>
-            <a:ext cx="8890" cy="673143"/>
-          </a:xfrm>
-          <a:prstGeom prst="line">
-            <a:avLst/>
-          </a:prstGeom>
-          <a:ln w="31750">
-            <a:solidFill>
-              <a:srgbClr val="FF0000"/>
-            </a:solidFill>
-          </a:ln>
-        </p:spPr>
-        <p:style>
-          <a:lnRef idx="1">
-            <a:schemeClr val="accent1"/>
-          </a:lnRef>
-          <a:fillRef idx="0">
-            <a:schemeClr val="accent1"/>
-          </a:fillRef>
-          <a:effectRef idx="0">
-            <a:schemeClr val="accent1"/>
-          </a:effectRef>
-          <a:fontRef idx="minor">
-            <a:schemeClr val="tx1"/>
-          </a:fontRef>
-        </p:style>
-      </p:cxnSp>
-      <p:cxnSp>
-        <p:nvCxnSpPr>
-          <p:cNvPr id="37" name="Conector recto 36">
-            <a:extLst>
-              <a:ext uri="{FF2B5EF4-FFF2-40B4-BE49-F238E27FC236}">
-                <a16:creationId xmlns:a16="http://schemas.microsoft.com/office/drawing/2014/main" id="{DD424BAC-7CCB-4FC5-9E53-8570BF027F9E}"/>
-              </a:ext>
-            </a:extLst>
-          </p:cNvPr>
-          <p:cNvCxnSpPr>
-            <a:cxnSpLocks/>
-          </p:cNvCxnSpPr>
-          <p:nvPr/>
-        </p:nvCxnSpPr>
-        <p:spPr>
-          <a:xfrm flipH="1">
-            <a:off x="7505700" y="4152900"/>
-            <a:ext cx="361951" cy="374650"/>
-          </a:xfrm>
-          <a:prstGeom prst="line">
-            <a:avLst/>
-          </a:prstGeom>
-          <a:ln w="31750">
-            <a:solidFill>
-              <a:srgbClr val="FF0000"/>
-            </a:solidFill>
-          </a:ln>
-        </p:spPr>
-        <p:style>
-          <a:lnRef idx="1">
-            <a:schemeClr val="accent1"/>
-          </a:lnRef>
-          <a:fillRef idx="0">
-            <a:schemeClr val="accent1"/>
-          </a:fillRef>
-          <a:effectRef idx="0">
-            <a:schemeClr val="accent1"/>
-          </a:effectRef>
-          <a:fontRef idx="minor">
-            <a:schemeClr val="tx1"/>
-          </a:fontRef>
-        </p:style>
-      </p:cxnSp>
-      <p:cxnSp>
-        <p:nvCxnSpPr>
-          <p:cNvPr id="39" name="Conector recto 38">
-            <a:extLst>
-              <a:ext uri="{FF2B5EF4-FFF2-40B4-BE49-F238E27FC236}">
-                <a16:creationId xmlns:a16="http://schemas.microsoft.com/office/drawing/2014/main" id="{DE533821-9151-46D1-93EB-C251FA957776}"/>
-              </a:ext>
-            </a:extLst>
-          </p:cNvPr>
-          <p:cNvCxnSpPr>
-            <a:cxnSpLocks/>
-          </p:cNvCxnSpPr>
-          <p:nvPr/>
-        </p:nvCxnSpPr>
-        <p:spPr>
-          <a:xfrm>
-            <a:off x="7876541" y="4152900"/>
-            <a:ext cx="200659" cy="0"/>
-          </a:xfrm>
-          <a:prstGeom prst="line">
-            <a:avLst/>
-          </a:prstGeom>
-          <a:ln w="31750">
-            <a:solidFill>
-              <a:srgbClr val="FF0000"/>
-            </a:solidFill>
-          </a:ln>
-        </p:spPr>
-        <p:style>
-          <a:lnRef idx="1">
-            <a:schemeClr val="accent1"/>
-          </a:lnRef>
-          <a:fillRef idx="0">
-            <a:schemeClr val="accent1"/>
-          </a:fillRef>
-          <a:effectRef idx="0">
-            <a:schemeClr val="accent1"/>
-          </a:effectRef>
-          <a:fontRef idx="minor">
-            <a:schemeClr val="tx1"/>
-          </a:fontRef>
-        </p:style>
-      </p:cxnSp>
-      <p:cxnSp>
-        <p:nvCxnSpPr>
-          <p:cNvPr id="41" name="Conector recto 40">
-            <a:extLst>
-              <a:ext uri="{FF2B5EF4-FFF2-40B4-BE49-F238E27FC236}">
-                <a16:creationId xmlns:a16="http://schemas.microsoft.com/office/drawing/2014/main" id="{F7A24046-F843-4245-89D6-854FDA152D99}"/>
-              </a:ext>
-            </a:extLst>
-          </p:cNvPr>
-          <p:cNvCxnSpPr>
-            <a:cxnSpLocks/>
-          </p:cNvCxnSpPr>
-          <p:nvPr/>
-        </p:nvCxnSpPr>
-        <p:spPr>
-          <a:xfrm>
-            <a:off x="3606800" y="3251200"/>
-            <a:ext cx="165100" cy="114299"/>
-          </a:xfrm>
-          <a:prstGeom prst="line">
-            <a:avLst/>
-          </a:prstGeom>
-          <a:ln w="31750">
-            <a:solidFill>
-              <a:srgbClr val="FF0000"/>
-            </a:solidFill>
-          </a:ln>
-        </p:spPr>
-        <p:style>
-          <a:lnRef idx="1">
-            <a:schemeClr val="accent1"/>
-          </a:lnRef>
-          <a:fillRef idx="0">
-            <a:schemeClr val="accent1"/>
-          </a:fillRef>
-          <a:effectRef idx="0">
-            <a:schemeClr val="accent1"/>
-          </a:effectRef>
-          <a:fontRef idx="minor">
-            <a:schemeClr val="tx1"/>
-          </a:fontRef>
-        </p:style>
-      </p:cxnSp>
-    </p:spTree>
-    <p:extLst>
-      <p:ext uri="{BB962C8B-B14F-4D97-AF65-F5344CB8AC3E}">
-        <p14:creationId xmlns:p14="http://schemas.microsoft.com/office/powerpoint/2010/main" val="3541032526"/>
-      </p:ext>
-    </p:extLst>
-  </p:cSld>
-  <p:clrMapOvr>
-    <a:masterClrMapping/>
-  </p:clrMapOvr>
-</p:sld>
-</file>
-
-<file path=ppt/slides/slide7.xml><?xml version="1.0" encoding="utf-8"?>
-<p:sld xmlns:a="http://schemas.openxmlformats.org/drawingml/2006/main" xmlns:r="http://schemas.openxmlformats.org/officeDocument/2006/relationships" xmlns:p="http://schemas.openxmlformats.org/presentationml/2006/main">
-  <p:cSld>
-    <p:bg>
-      <p:bgPr>
-        <a:solidFill>
-          <a:schemeClr val="bg1"/>
-        </a:solidFill>
-        <a:effectLst/>
-      </p:bgPr>
-    </p:bg>
-    <p:spTree>
-      <p:nvGrpSpPr>
-        <p:cNvPr id="1" name=""/>
-        <p:cNvGrpSpPr/>
-        <p:nvPr/>
-      </p:nvGrpSpPr>
-      <p:grpSpPr>
-        <a:xfrm>
-          <a:off x="0" y="0"/>
-          <a:ext cx="0" cy="0"/>
-          <a:chOff x="0" y="0"/>
-          <a:chExt cx="0" cy="0"/>
-        </a:xfrm>
-      </p:grpSpPr>
       <p:sp>
         <p:nvSpPr>
           <p:cNvPr id="23" name="Rectangle 22">
@@ -6773,7 +5315,7 @@
 </p:sld>
 </file>
 
-<file path=ppt/slides/slide8.xml><?xml version="1.0" encoding="utf-8"?>
+<file path=ppt/slides/slide12.xml><?xml version="1.0" encoding="utf-8"?>
 <p:sld xmlns:a="http://schemas.openxmlformats.org/drawingml/2006/main" xmlns:r="http://schemas.openxmlformats.org/officeDocument/2006/relationships" xmlns:p="http://schemas.openxmlformats.org/presentationml/2006/main">
   <p:cSld>
     <p:bg>
@@ -7069,6 +5611,2610 @@
 </p:sld>
 </file>
 
+<file path=ppt/slides/slide13.xml><?xml version="1.0" encoding="utf-8"?>
+<p:sld xmlns:a="http://schemas.openxmlformats.org/drawingml/2006/main" xmlns:r="http://schemas.openxmlformats.org/officeDocument/2006/relationships" xmlns:p="http://schemas.openxmlformats.org/presentationml/2006/main">
+  <p:cSld>
+    <p:bg>
+      <p:bgPr>
+        <a:solidFill>
+          <a:schemeClr val="bg1"/>
+        </a:solidFill>
+        <a:effectLst/>
+      </p:bgPr>
+    </p:bg>
+    <p:spTree>
+      <p:nvGrpSpPr>
+        <p:cNvPr id="1" name=""/>
+        <p:cNvGrpSpPr/>
+        <p:nvPr/>
+      </p:nvGrpSpPr>
+      <p:grpSpPr>
+        <a:xfrm>
+          <a:off x="0" y="0"/>
+          <a:ext cx="0" cy="0"/>
+          <a:chOff x="0" y="0"/>
+          <a:chExt cx="0" cy="0"/>
+        </a:xfrm>
+      </p:grpSpPr>
+      <p:sp>
+        <p:nvSpPr>
+          <p:cNvPr id="71" name="Rectangle 70">
+            <a:extLst>
+              <a:ext uri="{FF2B5EF4-FFF2-40B4-BE49-F238E27FC236}">
+                <a16:creationId xmlns:a16="http://schemas.microsoft.com/office/drawing/2014/main" id="{A4AC5506-6312-4701-8D3C-40187889A947}"/>
+              </a:ext>
+            </a:extLst>
+          </p:cNvPr>
+          <p:cNvSpPr>
+            <a:spLocks noGrp="1" noRot="1" noChangeAspect="1" noMove="1" noResize="1" noEditPoints="1" noAdjustHandles="1" noChangeArrowheads="1" noChangeShapeType="1" noTextEdit="1"/>
+          </p:cNvSpPr>
+          <p:nvPr>
+            <p:extLst>
+              <p:ext uri="{386F3935-93C4-4BCD-93E2-E3B085C9AB24}">
+                <p16:designElem xmlns:p16="http://schemas.microsoft.com/office/powerpoint/2015/main" val="1"/>
+              </p:ext>
+            </p:extLst>
+          </p:nvPr>
+        </p:nvSpPr>
+        <p:spPr>
+          <a:xfrm>
+            <a:off x="0" y="651752"/>
+            <a:ext cx="12192000" cy="736551"/>
+          </a:xfrm>
+          <a:prstGeom prst="rect">
+            <a:avLst/>
+          </a:prstGeom>
+          <a:solidFill>
+            <a:schemeClr val="tx1">
+              <a:alpha val="75000"/>
+            </a:schemeClr>
+          </a:solidFill>
+          <a:ln>
+            <a:noFill/>
+          </a:ln>
+        </p:spPr>
+        <p:style>
+          <a:lnRef idx="2">
+            <a:schemeClr val="accent1">
+              <a:shade val="50000"/>
+            </a:schemeClr>
+          </a:lnRef>
+          <a:fillRef idx="1">
+            <a:schemeClr val="accent1"/>
+          </a:fillRef>
+          <a:effectRef idx="0">
+            <a:schemeClr val="accent1"/>
+          </a:effectRef>
+          <a:fontRef idx="minor">
+            <a:schemeClr val="lt1"/>
+          </a:fontRef>
+        </p:style>
+        <p:txBody>
+          <a:bodyPr rtlCol="0" anchor="ctr"/>
+          <a:lstStyle/>
+          <a:p>
+            <a:pPr algn="ctr"/>
+            <a:endParaRPr lang="en-US"/>
+          </a:p>
+        </p:txBody>
+      </p:sp>
+      <p:pic>
+        <p:nvPicPr>
+          <p:cNvPr id="2050" name="Picture 2" descr="Resultado de imagen de algoritmos roboticos">
+            <a:extLst>
+              <a:ext uri="{FF2B5EF4-FFF2-40B4-BE49-F238E27FC236}">
+                <a16:creationId xmlns:a16="http://schemas.microsoft.com/office/drawing/2014/main" id="{8E811937-3DD6-4EF2-99E9-17EE6B6D6B03}"/>
+              </a:ext>
+            </a:extLst>
+          </p:cNvPr>
+          <p:cNvPicPr>
+            <a:picLocks noChangeAspect="1" noChangeArrowheads="1"/>
+          </p:cNvPicPr>
+          <p:nvPr/>
+        </p:nvPicPr>
+        <p:blipFill>
+          <a:blip r:embed="rId2">
+            <a:extLst>
+              <a:ext uri="{28A0092B-C50C-407E-A947-70E740481C1C}">
+                <a14:useLocalDpi xmlns:a14="http://schemas.microsoft.com/office/drawing/2010/main" val="0"/>
+              </a:ext>
+            </a:extLst>
+          </a:blip>
+          <a:srcRect/>
+          <a:stretch>
+            <a:fillRect/>
+          </a:stretch>
+        </p:blipFill>
+        <p:spPr bwMode="auto">
+          <a:xfrm>
+            <a:off x="2258272" y="1675227"/>
+            <a:ext cx="7675456" cy="4394199"/>
+          </a:xfrm>
+          <a:prstGeom prst="rect">
+            <a:avLst/>
+          </a:prstGeom>
+          <a:noFill/>
+          <a:extLst>
+            <a:ext uri="{909E8E84-426E-40DD-AFC4-6F175D3DCCD1}">
+              <a14:hiddenFill xmlns:a14="http://schemas.microsoft.com/office/drawing/2010/main">
+                <a:solidFill>
+                  <a:srgbClr val="FFFFFF"/>
+                </a:solidFill>
+              </a14:hiddenFill>
+            </a:ext>
+          </a:extLst>
+        </p:spPr>
+      </p:pic>
+      <p:sp>
+        <p:nvSpPr>
+          <p:cNvPr id="2" name="Título 1">
+            <a:extLst>
+              <a:ext uri="{FF2B5EF4-FFF2-40B4-BE49-F238E27FC236}">
+                <a16:creationId xmlns:a16="http://schemas.microsoft.com/office/drawing/2014/main" id="{1E9D8BA6-FC9D-4A47-A1A8-288A37D57A05}"/>
+              </a:ext>
+            </a:extLst>
+          </p:cNvPr>
+          <p:cNvSpPr>
+            <a:spLocks noGrp="1"/>
+          </p:cNvSpPr>
+          <p:nvPr>
+            <p:ph type="title"/>
+          </p:nvPr>
+        </p:nvSpPr>
+        <p:spPr>
+          <a:xfrm>
+            <a:off x="556532" y="643467"/>
+            <a:ext cx="11210925" cy="744836"/>
+          </a:xfrm>
+        </p:spPr>
+        <p:txBody>
+          <a:bodyPr>
+            <a:normAutofit/>
+          </a:bodyPr>
+          <a:lstStyle/>
+          <a:p>
+            <a:pPr algn="ctr"/>
+            <a:r>
+              <a:rPr lang="es-ES" sz="3200" dirty="0">
+                <a:solidFill>
+                  <a:schemeClr val="bg1"/>
+                </a:solidFill>
+              </a:rPr>
+              <a:t>ALGORITMOS</a:t>
+            </a:r>
+          </a:p>
+        </p:txBody>
+      </p:sp>
+    </p:spTree>
+    <p:extLst>
+      <p:ext uri="{BB962C8B-B14F-4D97-AF65-F5344CB8AC3E}">
+        <p14:creationId xmlns:p14="http://schemas.microsoft.com/office/powerpoint/2010/main" val="1277691506"/>
+      </p:ext>
+    </p:extLst>
+  </p:cSld>
+  <p:clrMapOvr>
+    <a:masterClrMapping/>
+  </p:clrMapOvr>
+</p:sld>
+</file>
+
+<file path=ppt/slides/slide14.xml><?xml version="1.0" encoding="utf-8"?>
+<p:sld xmlns:a="http://schemas.openxmlformats.org/drawingml/2006/main" xmlns:r="http://schemas.openxmlformats.org/officeDocument/2006/relationships" xmlns:p="http://schemas.openxmlformats.org/presentationml/2006/main">
+  <p:cSld>
+    <p:spTree>
+      <p:nvGrpSpPr>
+        <p:cNvPr id="1" name=""/>
+        <p:cNvGrpSpPr/>
+        <p:nvPr/>
+      </p:nvGrpSpPr>
+      <p:grpSpPr>
+        <a:xfrm>
+          <a:off x="0" y="0"/>
+          <a:ext cx="0" cy="0"/>
+          <a:chOff x="0" y="0"/>
+          <a:chExt cx="0" cy="0"/>
+        </a:xfrm>
+      </p:grpSpPr>
+      <p:pic>
+        <p:nvPicPr>
+          <p:cNvPr id="3" name="Imagen 2"/>
+          <p:cNvPicPr>
+            <a:picLocks noChangeAspect="1"/>
+          </p:cNvPicPr>
+          <p:nvPr/>
+        </p:nvPicPr>
+        <p:blipFill>
+          <a:blip r:embed="rId2">
+            <a:extLst>
+              <a:ext uri="{28A0092B-C50C-407E-A947-70E740481C1C}">
+                <a14:useLocalDpi xmlns:a14="http://schemas.microsoft.com/office/drawing/2010/main" val="0"/>
+              </a:ext>
+            </a:extLst>
+          </a:blip>
+          <a:stretch>
+            <a:fillRect/>
+          </a:stretch>
+        </p:blipFill>
+        <p:spPr>
+          <a:xfrm>
+            <a:off x="4038600" y="1405625"/>
+            <a:ext cx="7188199" cy="4043361"/>
+          </a:xfrm>
+          <a:prstGeom prst="rect">
+            <a:avLst/>
+          </a:prstGeom>
+        </p:spPr>
+      </p:pic>
+      <p:sp>
+        <p:nvSpPr>
+          <p:cNvPr id="2" name="Título 1"/>
+          <p:cNvSpPr>
+            <a:spLocks noGrp="1"/>
+          </p:cNvSpPr>
+          <p:nvPr>
+            <p:ph type="title"/>
+          </p:nvPr>
+        </p:nvSpPr>
+        <p:spPr>
+          <a:xfrm>
+            <a:off x="640080" y="2074363"/>
+            <a:ext cx="2752354" cy="2709275"/>
+          </a:xfrm>
+          <a:prstGeom prst="ellipse">
+            <a:avLst/>
+          </a:prstGeom>
+          <a:solidFill>
+            <a:schemeClr val="tx1">
+              <a:lumMod val="85000"/>
+              <a:lumOff val="15000"/>
+            </a:schemeClr>
+          </a:solidFill>
+          <a:ln w="174625" cmpd="thinThick">
+            <a:solidFill>
+              <a:schemeClr val="tx1">
+                <a:lumMod val="85000"/>
+                <a:lumOff val="15000"/>
+              </a:schemeClr>
+            </a:solidFill>
+          </a:ln>
+        </p:spPr>
+        <p:txBody>
+          <a:bodyPr anchor="ctr">
+            <a:normAutofit/>
+          </a:bodyPr>
+          <a:lstStyle/>
+          <a:p>
+            <a:pPr algn="ctr"/>
+            <a:r>
+              <a:rPr lang="es-ES_tradnl" sz="2600" dirty="0">
+                <a:solidFill>
+                  <a:schemeClr val="bg1"/>
+                </a:solidFill>
+              </a:rPr>
+              <a:t>Movimiento</a:t>
+            </a:r>
+          </a:p>
+        </p:txBody>
+      </p:sp>
+    </p:spTree>
+    <p:extLst>
+      <p:ext uri="{BB962C8B-B14F-4D97-AF65-F5344CB8AC3E}">
+        <p14:creationId xmlns:p14="http://schemas.microsoft.com/office/powerpoint/2010/main" val="276633637"/>
+      </p:ext>
+    </p:extLst>
+  </p:cSld>
+  <p:clrMapOvr>
+    <a:masterClrMapping/>
+  </p:clrMapOvr>
+</p:sld>
+</file>
+
+<file path=ppt/slides/slide15.xml><?xml version="1.0" encoding="utf-8"?>
+<p:sld xmlns:a="http://schemas.openxmlformats.org/drawingml/2006/main" xmlns:r="http://schemas.openxmlformats.org/officeDocument/2006/relationships" xmlns:p="http://schemas.openxmlformats.org/presentationml/2006/main">
+  <p:cSld>
+    <p:spTree>
+      <p:nvGrpSpPr>
+        <p:cNvPr id="1" name=""/>
+        <p:cNvGrpSpPr/>
+        <p:nvPr/>
+      </p:nvGrpSpPr>
+      <p:grpSpPr>
+        <a:xfrm>
+          <a:off x="0" y="0"/>
+          <a:ext cx="0" cy="0"/>
+          <a:chOff x="0" y="0"/>
+          <a:chExt cx="0" cy="0"/>
+        </a:xfrm>
+      </p:grpSpPr>
+      <p:pic>
+        <p:nvPicPr>
+          <p:cNvPr id="3" name="Imagen 2"/>
+          <p:cNvPicPr>
+            <a:picLocks noChangeAspect="1"/>
+          </p:cNvPicPr>
+          <p:nvPr/>
+        </p:nvPicPr>
+        <p:blipFill rotWithShape="1">
+          <a:blip r:embed="rId2">
+            <a:extLst>
+              <a:ext uri="{28A0092B-C50C-407E-A947-70E740481C1C}">
+                <a14:useLocalDpi xmlns:a14="http://schemas.microsoft.com/office/drawing/2010/main" val="0"/>
+              </a:ext>
+            </a:extLst>
+          </a:blip>
+          <a:srcRect r="8444"/>
+          <a:stretch/>
+        </p:blipFill>
+        <p:spPr>
+          <a:xfrm>
+            <a:off x="5913123" y="10"/>
+            <a:ext cx="6278877" cy="6857990"/>
+          </a:xfrm>
+          <a:custGeom>
+            <a:avLst/>
+            <a:gdLst>
+              <a:gd name="connsiteX0" fmla="*/ 45571 w 6278877"/>
+              <a:gd name="connsiteY0" fmla="*/ 0 h 6858000"/>
+              <a:gd name="connsiteX1" fmla="*/ 6278877 w 6278877"/>
+              <a:gd name="connsiteY1" fmla="*/ 0 h 6858000"/>
+              <a:gd name="connsiteX2" fmla="*/ 6278877 w 6278877"/>
+              <a:gd name="connsiteY2" fmla="*/ 6858000 h 6858000"/>
+              <a:gd name="connsiteX3" fmla="*/ 3292307 w 6278877"/>
+              <a:gd name="connsiteY3" fmla="*/ 6858000 h 6858000"/>
+              <a:gd name="connsiteX4" fmla="*/ 3181525 w 6278877"/>
+              <a:gd name="connsiteY4" fmla="*/ 6786980 h 6858000"/>
+              <a:gd name="connsiteX5" fmla="*/ 0 w 6278877"/>
+              <a:gd name="connsiteY5" fmla="*/ 803252 h 6858000"/>
+              <a:gd name="connsiteX6" fmla="*/ 37255 w 6278877"/>
+              <a:gd name="connsiteY6" fmla="*/ 65445 h 6858000"/>
+            </a:gdLst>
+            <a:ahLst/>
+            <a:cxnLst>
+              <a:cxn ang="0">
+                <a:pos x="connsiteX0" y="connsiteY0"/>
+              </a:cxn>
+              <a:cxn ang="0">
+                <a:pos x="connsiteX1" y="connsiteY1"/>
+              </a:cxn>
+              <a:cxn ang="0">
+                <a:pos x="connsiteX2" y="connsiteY2"/>
+              </a:cxn>
+              <a:cxn ang="0">
+                <a:pos x="connsiteX3" y="connsiteY3"/>
+              </a:cxn>
+              <a:cxn ang="0">
+                <a:pos x="connsiteX4" y="connsiteY4"/>
+              </a:cxn>
+              <a:cxn ang="0">
+                <a:pos x="connsiteX5" y="connsiteY5"/>
+              </a:cxn>
+              <a:cxn ang="0">
+                <a:pos x="connsiteX6" y="connsiteY6"/>
+              </a:cxn>
+            </a:cxnLst>
+            <a:rect l="l" t="t" r="r" b="b"/>
+            <a:pathLst>
+              <a:path w="6278877" h="6858000">
+                <a:moveTo>
+                  <a:pt x="45571" y="0"/>
+                </a:moveTo>
+                <a:lnTo>
+                  <a:pt x="6278877" y="0"/>
+                </a:lnTo>
+                <a:lnTo>
+                  <a:pt x="6278877" y="6858000"/>
+                </a:lnTo>
+                <a:lnTo>
+                  <a:pt x="3292307" y="6858000"/>
+                </a:lnTo>
+                <a:lnTo>
+                  <a:pt x="3181525" y="6786980"/>
+                </a:lnTo>
+                <a:cubicBezTo>
+                  <a:pt x="1262020" y="5490189"/>
+                  <a:pt x="0" y="3294101"/>
+                  <a:pt x="0" y="803252"/>
+                </a:cubicBezTo>
+                <a:cubicBezTo>
+                  <a:pt x="0" y="554167"/>
+                  <a:pt x="12619" y="308030"/>
+                  <a:pt x="37255" y="65445"/>
+                </a:cubicBezTo>
+                <a:close/>
+              </a:path>
+            </a:pathLst>
+          </a:custGeom>
+        </p:spPr>
+      </p:pic>
+      <p:sp>
+        <p:nvSpPr>
+          <p:cNvPr id="2" name="Título 1"/>
+          <p:cNvSpPr>
+            <a:spLocks noGrp="1"/>
+          </p:cNvSpPr>
+          <p:nvPr>
+            <p:ph type="title"/>
+          </p:nvPr>
+        </p:nvSpPr>
+        <p:spPr>
+          <a:xfrm>
+            <a:off x="655320" y="2631125"/>
+            <a:ext cx="4983480" cy="2397443"/>
+          </a:xfrm>
+        </p:spPr>
+        <p:txBody>
+          <a:bodyPr vert="horz" lIns="91440" tIns="45720" rIns="91440" bIns="45720" rtlCol="0" anchor="t">
+            <a:normAutofit/>
+          </a:bodyPr>
+          <a:lstStyle/>
+          <a:p>
+            <a:r>
+              <a:rPr lang="en-US" sz="6000" dirty="0" err="1"/>
+              <a:t>Dinámica</a:t>
+            </a:r>
+            <a:r>
+              <a:rPr lang="en-US" sz="6000" dirty="0"/>
+              <a:t> y control</a:t>
+            </a:r>
+          </a:p>
+        </p:txBody>
+      </p:sp>
+    </p:spTree>
+    <p:extLst>
+      <p:ext uri="{BB962C8B-B14F-4D97-AF65-F5344CB8AC3E}">
+        <p14:creationId xmlns:p14="http://schemas.microsoft.com/office/powerpoint/2010/main" val="2165248305"/>
+      </p:ext>
+    </p:extLst>
+  </p:cSld>
+  <p:clrMapOvr>
+    <a:masterClrMapping/>
+  </p:clrMapOvr>
+</p:sld>
+</file>
+
+<file path=ppt/slides/slide16.xml><?xml version="1.0" encoding="utf-8"?>
+<p:sld xmlns:a="http://schemas.openxmlformats.org/drawingml/2006/main" xmlns:r="http://schemas.openxmlformats.org/officeDocument/2006/relationships" xmlns:p="http://schemas.openxmlformats.org/presentationml/2006/main">
+  <p:cSld>
+    <p:spTree>
+      <p:nvGrpSpPr>
+        <p:cNvPr id="1" name=""/>
+        <p:cNvGrpSpPr/>
+        <p:nvPr/>
+      </p:nvGrpSpPr>
+      <p:grpSpPr>
+        <a:xfrm>
+          <a:off x="0" y="0"/>
+          <a:ext cx="0" cy="0"/>
+          <a:chOff x="0" y="0"/>
+          <a:chExt cx="0" cy="0"/>
+        </a:xfrm>
+      </p:grpSpPr>
+      <p:pic>
+        <p:nvPicPr>
+          <p:cNvPr id="3" name="Imagen 2"/>
+          <p:cNvPicPr>
+            <a:picLocks noChangeAspect="1"/>
+          </p:cNvPicPr>
+          <p:nvPr/>
+        </p:nvPicPr>
+        <p:blipFill>
+          <a:blip r:embed="rId2"/>
+          <a:stretch>
+            <a:fillRect/>
+          </a:stretch>
+        </p:blipFill>
+        <p:spPr>
+          <a:xfrm>
+            <a:off x="4493972" y="961812"/>
+            <a:ext cx="6277455" cy="4930987"/>
+          </a:xfrm>
+          <a:prstGeom prst="rect">
+            <a:avLst/>
+          </a:prstGeom>
+        </p:spPr>
+      </p:pic>
+      <p:sp>
+        <p:nvSpPr>
+          <p:cNvPr id="2" name="Título 1"/>
+          <p:cNvSpPr>
+            <a:spLocks noGrp="1"/>
+          </p:cNvSpPr>
+          <p:nvPr>
+            <p:ph type="title"/>
+          </p:nvPr>
+        </p:nvSpPr>
+        <p:spPr>
+          <a:xfrm>
+            <a:off x="640080" y="2074363"/>
+            <a:ext cx="2752354" cy="2709275"/>
+          </a:xfrm>
+          <a:prstGeom prst="ellipse">
+            <a:avLst/>
+          </a:prstGeom>
+          <a:solidFill>
+            <a:schemeClr val="tx1">
+              <a:lumMod val="85000"/>
+              <a:lumOff val="15000"/>
+            </a:schemeClr>
+          </a:solidFill>
+          <a:ln w="174625" cmpd="thinThick">
+            <a:solidFill>
+              <a:schemeClr val="tx1">
+                <a:lumMod val="85000"/>
+                <a:lumOff val="15000"/>
+              </a:schemeClr>
+            </a:solidFill>
+          </a:ln>
+        </p:spPr>
+        <p:txBody>
+          <a:bodyPr anchor="ctr">
+            <a:normAutofit/>
+          </a:bodyPr>
+          <a:lstStyle/>
+          <a:p>
+            <a:pPr algn="ctr"/>
+            <a:r>
+              <a:rPr lang="es-ES_tradnl" sz="2600" dirty="0">
+                <a:solidFill>
+                  <a:schemeClr val="bg1"/>
+                </a:solidFill>
+              </a:rPr>
+              <a:t>Control del campo de potencial</a:t>
+            </a:r>
+          </a:p>
+        </p:txBody>
+      </p:sp>
+    </p:spTree>
+    <p:extLst>
+      <p:ext uri="{BB962C8B-B14F-4D97-AF65-F5344CB8AC3E}">
+        <p14:creationId xmlns:p14="http://schemas.microsoft.com/office/powerpoint/2010/main" val="3407713401"/>
+      </p:ext>
+    </p:extLst>
+  </p:cSld>
+  <p:clrMapOvr>
+    <a:masterClrMapping/>
+  </p:clrMapOvr>
+</p:sld>
+</file>
+
+<file path=ppt/slides/slide17.xml><?xml version="1.0" encoding="utf-8"?>
+<p:sld xmlns:a="http://schemas.openxmlformats.org/drawingml/2006/main" xmlns:r="http://schemas.openxmlformats.org/officeDocument/2006/relationships" xmlns:p="http://schemas.openxmlformats.org/presentationml/2006/main">
+  <p:cSld>
+    <p:spTree>
+      <p:nvGrpSpPr>
+        <p:cNvPr id="1" name=""/>
+        <p:cNvGrpSpPr/>
+        <p:nvPr/>
+      </p:nvGrpSpPr>
+      <p:grpSpPr>
+        <a:xfrm>
+          <a:off x="0" y="0"/>
+          <a:ext cx="0" cy="0"/>
+          <a:chOff x="0" y="0"/>
+          <a:chExt cx="0" cy="0"/>
+        </a:xfrm>
+      </p:grpSpPr>
+      <p:pic>
+        <p:nvPicPr>
+          <p:cNvPr id="3" name="Imagen 2"/>
+          <p:cNvPicPr>
+            <a:picLocks noChangeAspect="1"/>
+          </p:cNvPicPr>
+          <p:nvPr/>
+        </p:nvPicPr>
+        <p:blipFill rotWithShape="1">
+          <a:blip r:embed="rId2">
+            <a:extLst>
+              <a:ext uri="{28A0092B-C50C-407E-A947-70E740481C1C}">
+                <a14:useLocalDpi xmlns:a14="http://schemas.microsoft.com/office/drawing/2010/main" val="0"/>
+              </a:ext>
+            </a:extLst>
+          </a:blip>
+          <a:srcRect t="3344" b="12701"/>
+          <a:stretch/>
+        </p:blipFill>
+        <p:spPr>
+          <a:xfrm>
+            <a:off x="20" y="262657"/>
+            <a:ext cx="12191980" cy="6857990"/>
+          </a:xfrm>
+          <a:prstGeom prst="rect">
+            <a:avLst/>
+          </a:prstGeom>
+        </p:spPr>
+      </p:pic>
+      <p:sp>
+        <p:nvSpPr>
+          <p:cNvPr id="2" name="Título 1"/>
+          <p:cNvSpPr>
+            <a:spLocks noGrp="1"/>
+          </p:cNvSpPr>
+          <p:nvPr>
+            <p:ph type="title"/>
+          </p:nvPr>
+        </p:nvSpPr>
+        <p:spPr>
+          <a:xfrm>
+            <a:off x="8022021" y="3231931"/>
+            <a:ext cx="3852041" cy="1834056"/>
+          </a:xfrm>
+        </p:spPr>
+        <p:txBody>
+          <a:bodyPr vert="horz" lIns="91440" tIns="45720" rIns="91440" bIns="45720" rtlCol="0" anchor="b">
+            <a:normAutofit/>
+          </a:bodyPr>
+          <a:lstStyle/>
+          <a:p>
+            <a:pPr algn="ctr"/>
+            <a:r>
+              <a:rPr lang="en-US" sz="4000" dirty="0"/>
+              <a:t>Control </a:t>
+            </a:r>
+            <a:r>
+              <a:rPr lang="en-US" sz="4000" dirty="0" err="1"/>
+              <a:t>reactivo</a:t>
+            </a:r>
+            <a:endParaRPr lang="en-US" sz="4000" dirty="0"/>
+          </a:p>
+        </p:txBody>
+      </p:sp>
+    </p:spTree>
+    <p:extLst>
+      <p:ext uri="{BB962C8B-B14F-4D97-AF65-F5344CB8AC3E}">
+        <p14:creationId xmlns:p14="http://schemas.microsoft.com/office/powerpoint/2010/main" val="1909252247"/>
+      </p:ext>
+    </p:extLst>
+  </p:cSld>
+  <p:clrMapOvr>
+    <a:masterClrMapping/>
+  </p:clrMapOvr>
+</p:sld>
+</file>
+
+<file path=ppt/slides/slide18.xml><?xml version="1.0" encoding="utf-8"?>
+<p:sld xmlns:a="http://schemas.openxmlformats.org/drawingml/2006/main" xmlns:r="http://schemas.openxmlformats.org/officeDocument/2006/relationships" xmlns:p="http://schemas.openxmlformats.org/presentationml/2006/main">
+  <p:cSld>
+    <p:bg>
+      <p:bgPr>
+        <a:solidFill>
+          <a:schemeClr val="bg1"/>
+        </a:solidFill>
+        <a:effectLst/>
+      </p:bgPr>
+    </p:bg>
+    <p:spTree>
+      <p:nvGrpSpPr>
+        <p:cNvPr id="1" name=""/>
+        <p:cNvGrpSpPr/>
+        <p:nvPr/>
+      </p:nvGrpSpPr>
+      <p:grpSpPr>
+        <a:xfrm>
+          <a:off x="0" y="0"/>
+          <a:ext cx="0" cy="0"/>
+          <a:chOff x="0" y="0"/>
+          <a:chExt cx="0" cy="0"/>
+        </a:xfrm>
+      </p:grpSpPr>
+      <p:sp>
+        <p:nvSpPr>
+          <p:cNvPr id="71" name="Rectangle 70">
+            <a:extLst>
+              <a:ext uri="{FF2B5EF4-FFF2-40B4-BE49-F238E27FC236}">
+                <a16:creationId xmlns:a16="http://schemas.microsoft.com/office/drawing/2014/main" id="{047C8CCB-F95D-4249-92DD-651249D3535A}"/>
+              </a:ext>
+            </a:extLst>
+          </p:cNvPr>
+          <p:cNvSpPr>
+            <a:spLocks noGrp="1" noRot="1" noChangeAspect="1" noMove="1" noResize="1" noEditPoints="1" noAdjustHandles="1" noChangeArrowheads="1" noChangeShapeType="1" noTextEdit="1"/>
+          </p:cNvSpPr>
+          <p:nvPr>
+            <p:extLst>
+              <p:ext uri="{386F3935-93C4-4BCD-93E2-E3B085C9AB24}">
+                <p16:designElem xmlns:p16="http://schemas.microsoft.com/office/powerpoint/2015/main" val="1"/>
+              </p:ext>
+            </p:extLst>
+          </p:nvPr>
+        </p:nvSpPr>
+        <p:spPr>
+          <a:xfrm>
+            <a:off x="0" y="0"/>
+            <a:ext cx="2013557" cy="6858000"/>
+          </a:xfrm>
+          <a:prstGeom prst="rect">
+            <a:avLst/>
+          </a:prstGeom>
+          <a:solidFill>
+            <a:schemeClr val="tx1">
+              <a:lumMod val="50000"/>
+              <a:lumOff val="50000"/>
+            </a:schemeClr>
+          </a:solidFill>
+          <a:ln>
+            <a:noFill/>
+          </a:ln>
+        </p:spPr>
+        <p:style>
+          <a:lnRef idx="2">
+            <a:schemeClr val="accent1">
+              <a:shade val="50000"/>
+            </a:schemeClr>
+          </a:lnRef>
+          <a:fillRef idx="1">
+            <a:schemeClr val="accent1"/>
+          </a:fillRef>
+          <a:effectRef idx="0">
+            <a:schemeClr val="accent1"/>
+          </a:effectRef>
+          <a:fontRef idx="minor">
+            <a:schemeClr val="lt1"/>
+          </a:fontRef>
+        </p:style>
+        <p:txBody>
+          <a:bodyPr rtlCol="0" anchor="ctr"/>
+          <a:lstStyle/>
+          <a:p>
+            <a:pPr algn="ctr"/>
+            <a:endParaRPr lang="en-US"/>
+          </a:p>
+        </p:txBody>
+      </p:sp>
+      <p:pic>
+        <p:nvPicPr>
+          <p:cNvPr id="3074" name="Picture 2" descr="Resultado de imagen de ARQUITECTURA EN ROBOTS">
+            <a:extLst>
+              <a:ext uri="{FF2B5EF4-FFF2-40B4-BE49-F238E27FC236}">
+                <a16:creationId xmlns:a16="http://schemas.microsoft.com/office/drawing/2014/main" id="{18F9EE4F-445A-451F-A856-23BA9FD90459}"/>
+              </a:ext>
+            </a:extLst>
+          </p:cNvPr>
+          <p:cNvPicPr>
+            <a:picLocks noChangeAspect="1" noChangeArrowheads="1"/>
+          </p:cNvPicPr>
+          <p:nvPr/>
+        </p:nvPicPr>
+        <p:blipFill>
+          <a:blip r:embed="rId2">
+            <a:extLst>
+              <a:ext uri="{28A0092B-C50C-407E-A947-70E740481C1C}">
+                <a14:useLocalDpi xmlns:a14="http://schemas.microsoft.com/office/drawing/2010/main" val="0"/>
+              </a:ext>
+            </a:extLst>
+          </a:blip>
+          <a:srcRect/>
+          <a:stretch>
+            <a:fillRect/>
+          </a:stretch>
+        </p:blipFill>
+        <p:spPr bwMode="auto">
+          <a:xfrm>
+            <a:off x="5167206" y="961812"/>
+            <a:ext cx="4930987" cy="4930987"/>
+          </a:xfrm>
+          <a:prstGeom prst="rect">
+            <a:avLst/>
+          </a:prstGeom>
+          <a:noFill/>
+          <a:extLst>
+            <a:ext uri="{909E8E84-426E-40DD-AFC4-6F175D3DCCD1}">
+              <a14:hiddenFill xmlns:a14="http://schemas.microsoft.com/office/drawing/2010/main">
+                <a:solidFill>
+                  <a:srgbClr val="FFFFFF"/>
+                </a:solidFill>
+              </a14:hiddenFill>
+            </a:ext>
+          </a:extLst>
+        </p:spPr>
+      </p:pic>
+      <p:sp>
+        <p:nvSpPr>
+          <p:cNvPr id="2" name="Título 1">
+            <a:extLst>
+              <a:ext uri="{FF2B5EF4-FFF2-40B4-BE49-F238E27FC236}">
+                <a16:creationId xmlns:a16="http://schemas.microsoft.com/office/drawing/2014/main" id="{F8615DBD-1AAE-48B9-AB4C-A60335779EE9}"/>
+              </a:ext>
+            </a:extLst>
+          </p:cNvPr>
+          <p:cNvSpPr>
+            <a:spLocks noGrp="1"/>
+          </p:cNvSpPr>
+          <p:nvPr>
+            <p:ph type="title"/>
+          </p:nvPr>
+        </p:nvSpPr>
+        <p:spPr>
+          <a:xfrm>
+            <a:off x="640080" y="2074363"/>
+            <a:ext cx="2752354" cy="2709275"/>
+          </a:xfrm>
+          <a:prstGeom prst="ellipse">
+            <a:avLst/>
+          </a:prstGeom>
+          <a:solidFill>
+            <a:schemeClr val="tx1">
+              <a:lumMod val="85000"/>
+              <a:lumOff val="15000"/>
+            </a:schemeClr>
+          </a:solidFill>
+          <a:ln w="174625" cmpd="thinThick">
+            <a:solidFill>
+              <a:schemeClr val="tx1">
+                <a:lumMod val="85000"/>
+                <a:lumOff val="15000"/>
+              </a:schemeClr>
+            </a:solidFill>
+          </a:ln>
+        </p:spPr>
+        <p:txBody>
+          <a:bodyPr anchor="ctr">
+            <a:normAutofit/>
+          </a:bodyPr>
+          <a:lstStyle/>
+          <a:p>
+            <a:pPr algn="ctr"/>
+            <a:r>
+              <a:rPr lang="es-ES" sz="2000" dirty="0">
+                <a:solidFill>
+                  <a:schemeClr val="bg1"/>
+                </a:solidFill>
+              </a:rPr>
+              <a:t>ARQUITECTURA DE HADWARE ROBÓTICO</a:t>
+            </a:r>
+          </a:p>
+        </p:txBody>
+      </p:sp>
+    </p:spTree>
+    <p:extLst>
+      <p:ext uri="{BB962C8B-B14F-4D97-AF65-F5344CB8AC3E}">
+        <p14:creationId xmlns:p14="http://schemas.microsoft.com/office/powerpoint/2010/main" val="3208848096"/>
+      </p:ext>
+    </p:extLst>
+  </p:cSld>
+  <p:clrMapOvr>
+    <a:masterClrMapping/>
+  </p:clrMapOvr>
+</p:sld>
+</file>
+
+<file path=ppt/slides/slide19.xml><?xml version="1.0" encoding="utf-8"?>
+<p:sld xmlns:a="http://schemas.openxmlformats.org/drawingml/2006/main" xmlns:r="http://schemas.openxmlformats.org/officeDocument/2006/relationships" xmlns:p="http://schemas.openxmlformats.org/presentationml/2006/main">
+  <p:cSld>
+    <p:bg>
+      <p:bgPr>
+        <a:solidFill>
+          <a:schemeClr val="bg1"/>
+        </a:solidFill>
+        <a:effectLst/>
+      </p:bgPr>
+    </p:bg>
+    <p:spTree>
+      <p:nvGrpSpPr>
+        <p:cNvPr id="1" name=""/>
+        <p:cNvGrpSpPr/>
+        <p:nvPr/>
+      </p:nvGrpSpPr>
+      <p:grpSpPr>
+        <a:xfrm>
+          <a:off x="0" y="0"/>
+          <a:ext cx="0" cy="0"/>
+          <a:chOff x="0" y="0"/>
+          <a:chExt cx="0" cy="0"/>
+        </a:xfrm>
+      </p:grpSpPr>
+      <p:pic>
+        <p:nvPicPr>
+          <p:cNvPr id="4" name="Imagen 3">
+            <a:extLst>
+              <a:ext uri="{FF2B5EF4-FFF2-40B4-BE49-F238E27FC236}">
+                <a16:creationId xmlns:a16="http://schemas.microsoft.com/office/drawing/2014/main" id="{05E0A8DA-9CDD-4732-9B36-BEA073C55F1B}"/>
+              </a:ext>
+            </a:extLst>
+          </p:cNvPr>
+          <p:cNvPicPr>
+            <a:picLocks noChangeAspect="1"/>
+          </p:cNvPicPr>
+          <p:nvPr/>
+        </p:nvPicPr>
+        <p:blipFill>
+          <a:blip r:embed="rId2">
+            <a:extLst>
+              <a:ext uri="{28A0092B-C50C-407E-A947-70E740481C1C}">
+                <a14:useLocalDpi xmlns:a14="http://schemas.microsoft.com/office/drawing/2010/main" val="0"/>
+              </a:ext>
+            </a:extLst>
+          </a:blip>
+          <a:stretch>
+            <a:fillRect/>
+          </a:stretch>
+        </p:blipFill>
+        <p:spPr>
+          <a:xfrm>
+            <a:off x="5750935" y="1205947"/>
+            <a:ext cx="4972193" cy="4068157"/>
+          </a:xfrm>
+          <a:prstGeom prst="rect">
+            <a:avLst/>
+          </a:prstGeom>
+        </p:spPr>
+      </p:pic>
+      <p:sp>
+        <p:nvSpPr>
+          <p:cNvPr id="9" name="Down Arrow 7">
+            <a:extLst>
+              <a:ext uri="{FF2B5EF4-FFF2-40B4-BE49-F238E27FC236}">
+                <a16:creationId xmlns:a16="http://schemas.microsoft.com/office/drawing/2014/main" id="{D4771268-CB57-404A-9271-370EB28F6090}"/>
+              </a:ext>
+            </a:extLst>
+          </p:cNvPr>
+          <p:cNvSpPr>
+            <a:spLocks noGrp="1" noRot="1" noChangeAspect="1" noMove="1" noResize="1" noEditPoints="1" noAdjustHandles="1" noChangeArrowheads="1" noChangeShapeType="1" noTextEdit="1"/>
+          </p:cNvSpPr>
+          <p:nvPr>
+            <p:extLst>
+              <p:ext uri="{386F3935-93C4-4BCD-93E2-E3B085C9AB24}">
+                <p16:designElem xmlns:p16="http://schemas.microsoft.com/office/powerpoint/2015/main" val="1"/>
+              </p:ext>
+            </p:extLst>
+          </p:nvPr>
+        </p:nvSpPr>
+        <p:spPr>
+          <a:xfrm rot="16200000">
+            <a:off x="800100" y="1491343"/>
+            <a:ext cx="3333749" cy="3499103"/>
+          </a:xfrm>
+          <a:prstGeom prst="downArrow">
+            <a:avLst>
+              <a:gd name="adj1" fmla="val 100000"/>
+              <a:gd name="adj2" fmla="val 15788"/>
+            </a:avLst>
+          </a:prstGeom>
+          <a:solidFill>
+            <a:schemeClr val="tx1">
+              <a:lumMod val="85000"/>
+              <a:lumOff val="15000"/>
+            </a:schemeClr>
+          </a:solidFill>
+          <a:ln w="53975">
+            <a:noFill/>
+          </a:ln>
+        </p:spPr>
+        <p:style>
+          <a:lnRef idx="2">
+            <a:schemeClr val="accent1">
+              <a:shade val="50000"/>
+            </a:schemeClr>
+          </a:lnRef>
+          <a:fillRef idx="1">
+            <a:schemeClr val="accent1"/>
+          </a:fillRef>
+          <a:effectRef idx="0">
+            <a:schemeClr val="accent1"/>
+          </a:effectRef>
+          <a:fontRef idx="minor">
+            <a:schemeClr val="lt1"/>
+          </a:fontRef>
+        </p:style>
+        <p:txBody>
+          <a:bodyPr rtlCol="0" anchor="ctr"/>
+          <a:lstStyle/>
+          <a:p>
+            <a:pPr algn="ctr"/>
+            <a:endParaRPr lang="en-US"/>
+          </a:p>
+        </p:txBody>
+      </p:sp>
+      <p:sp>
+        <p:nvSpPr>
+          <p:cNvPr id="2" name="Título 1">
+            <a:extLst>
+              <a:ext uri="{FF2B5EF4-FFF2-40B4-BE49-F238E27FC236}">
+                <a16:creationId xmlns:a16="http://schemas.microsoft.com/office/drawing/2014/main" id="{109CCB25-B1EE-42B8-AD1B-5A5AE2415DF0}"/>
+              </a:ext>
+            </a:extLst>
+          </p:cNvPr>
+          <p:cNvSpPr>
+            <a:spLocks noGrp="1"/>
+          </p:cNvSpPr>
+          <p:nvPr>
+            <p:ph type="title"/>
+          </p:nvPr>
+        </p:nvSpPr>
+        <p:spPr>
+          <a:xfrm>
+            <a:off x="1028700" y="1967266"/>
+            <a:ext cx="2628900" cy="2547257"/>
+          </a:xfrm>
+          <a:noFill/>
+        </p:spPr>
+        <p:txBody>
+          <a:bodyPr anchor="ctr">
+            <a:normAutofit/>
+          </a:bodyPr>
+          <a:lstStyle/>
+          <a:p>
+            <a:pPr algn="ctr"/>
+            <a:r>
+              <a:rPr lang="es-ES" sz="2800" dirty="0">
+                <a:solidFill>
+                  <a:schemeClr val="bg1"/>
+                </a:solidFill>
+              </a:rPr>
+              <a:t>ARQUITECTURA EN TRES CAPAS</a:t>
+            </a:r>
+          </a:p>
+        </p:txBody>
+      </p:sp>
+    </p:spTree>
+    <p:extLst>
+      <p:ext uri="{BB962C8B-B14F-4D97-AF65-F5344CB8AC3E}">
+        <p14:creationId xmlns:p14="http://schemas.microsoft.com/office/powerpoint/2010/main" val="2091675274"/>
+      </p:ext>
+    </p:extLst>
+  </p:cSld>
+  <p:clrMapOvr>
+    <a:masterClrMapping/>
+  </p:clrMapOvr>
+</p:sld>
+</file>
+
+<file path=ppt/slides/slide2.xml><?xml version="1.0" encoding="utf-8"?>
+<p:sld xmlns:a="http://schemas.openxmlformats.org/drawingml/2006/main" xmlns:r="http://schemas.openxmlformats.org/officeDocument/2006/relationships" xmlns:p="http://schemas.openxmlformats.org/presentationml/2006/main">
+  <p:cSld>
+    <p:bg>
+      <p:bgPr>
+        <a:solidFill>
+          <a:schemeClr val="bg1">
+            <a:lumMod val="95000"/>
+            <a:lumOff val="5000"/>
+          </a:schemeClr>
+        </a:solidFill>
+        <a:effectLst/>
+      </p:bgPr>
+    </p:bg>
+    <p:spTree>
+      <p:nvGrpSpPr>
+        <p:cNvPr id="1" name=""/>
+        <p:cNvGrpSpPr/>
+        <p:nvPr/>
+      </p:nvGrpSpPr>
+      <p:grpSpPr>
+        <a:xfrm>
+          <a:off x="0" y="0"/>
+          <a:ext cx="0" cy="0"/>
+          <a:chOff x="0" y="0"/>
+          <a:chExt cx="0" cy="0"/>
+        </a:xfrm>
+      </p:grpSpPr>
+      <p:pic>
+        <p:nvPicPr>
+          <p:cNvPr id="9" name="Imagen 8" descr="Imagen que contiene motocicleta&#10;&#10;Descripción generada con confianza muy alta">
+            <a:extLst>
+              <a:ext uri="{FF2B5EF4-FFF2-40B4-BE49-F238E27FC236}">
+                <a16:creationId xmlns:a16="http://schemas.microsoft.com/office/drawing/2014/main" id="{72B0DEC3-420D-4D58-B276-444773D2F561}"/>
+              </a:ext>
+            </a:extLst>
+          </p:cNvPr>
+          <p:cNvPicPr>
+            <a:picLocks noChangeAspect="1"/>
+          </p:cNvPicPr>
+          <p:nvPr/>
+        </p:nvPicPr>
+        <p:blipFill rotWithShape="1">
+          <a:blip r:embed="rId2">
+            <a:extLst>
+              <a:ext uri="{28A0092B-C50C-407E-A947-70E740481C1C}">
+                <a14:useLocalDpi xmlns:a14="http://schemas.microsoft.com/office/drawing/2010/main" val="0"/>
+              </a:ext>
+            </a:extLst>
+          </a:blip>
+          <a:srcRect t="18059" b="4221"/>
+          <a:stretch/>
+        </p:blipFill>
+        <p:spPr>
+          <a:xfrm>
+            <a:off x="20" y="10"/>
+            <a:ext cx="12191980" cy="4571990"/>
+          </a:xfrm>
+          <a:prstGeom prst="rect">
+            <a:avLst/>
+          </a:prstGeom>
+        </p:spPr>
+      </p:pic>
+      <p:cxnSp>
+        <p:nvCxnSpPr>
+          <p:cNvPr id="17" name="Straight Connector 16">
+            <a:extLst>
+              <a:ext uri="{FF2B5EF4-FFF2-40B4-BE49-F238E27FC236}">
+                <a16:creationId xmlns:a16="http://schemas.microsoft.com/office/drawing/2014/main" id="{E126E481-B945-4179-BD79-05E96E9B29E1}"/>
+              </a:ext>
+            </a:extLst>
+          </p:cNvPr>
+          <p:cNvCxnSpPr>
+            <a:cxnSpLocks noGrp="1" noRot="1" noChangeAspect="1" noMove="1" noResize="1" noEditPoints="1" noAdjustHandles="1" noChangeArrowheads="1" noChangeShapeType="1"/>
+          </p:cNvCxnSpPr>
+          <p:nvPr>
+            <p:extLst>
+              <p:ext uri="{386F3935-93C4-4BCD-93E2-E3B085C9AB24}">
+                <p16:designElem xmlns:p16="http://schemas.microsoft.com/office/powerpoint/2015/main" val="1"/>
+              </p:ext>
+            </p:extLst>
+          </p:nvPr>
+        </p:nvCxnSpPr>
+        <p:spPr>
+          <a:xfrm flipV="1">
+            <a:off x="8386843" y="5264106"/>
+            <a:ext cx="0" cy="914400"/>
+          </a:xfrm>
+          <a:prstGeom prst="line">
+            <a:avLst/>
+          </a:prstGeom>
+          <a:ln w="19050">
+            <a:solidFill>
+              <a:srgbClr val="FFFFFF">
+                <a:alpha val="80000"/>
+              </a:srgbClr>
+            </a:solidFill>
+          </a:ln>
+        </p:spPr>
+        <p:style>
+          <a:lnRef idx="1">
+            <a:schemeClr val="accent1"/>
+          </a:lnRef>
+          <a:fillRef idx="0">
+            <a:schemeClr val="accent1"/>
+          </a:fillRef>
+          <a:effectRef idx="0">
+            <a:schemeClr val="accent1"/>
+          </a:effectRef>
+          <a:fontRef idx="minor">
+            <a:schemeClr val="tx1"/>
+          </a:fontRef>
+        </p:style>
+      </p:cxnSp>
+      <p:sp>
+        <p:nvSpPr>
+          <p:cNvPr id="2" name="Título 1">
+            <a:extLst>
+              <a:ext uri="{FF2B5EF4-FFF2-40B4-BE49-F238E27FC236}">
+                <a16:creationId xmlns:a16="http://schemas.microsoft.com/office/drawing/2014/main" id="{52A11A14-38A8-4ECF-96DD-0A5F634C101F}"/>
+              </a:ext>
+            </a:extLst>
+          </p:cNvPr>
+          <p:cNvSpPr>
+            <a:spLocks noGrp="1"/>
+          </p:cNvSpPr>
+          <p:nvPr>
+            <p:ph type="ctrTitle"/>
+          </p:nvPr>
+        </p:nvSpPr>
+        <p:spPr>
+          <a:xfrm>
+            <a:off x="433136" y="5091762"/>
+            <a:ext cx="7834193" cy="1264588"/>
+          </a:xfrm>
+        </p:spPr>
+        <p:txBody>
+          <a:bodyPr anchor="ctr">
+            <a:normAutofit/>
+          </a:bodyPr>
+          <a:lstStyle/>
+          <a:p>
+            <a:pPr algn="r"/>
+            <a:r>
+              <a:rPr lang="es-ES" sz="5100">
+                <a:latin typeface="Verdana" panose="020B0604030504040204" pitchFamily="34" charset="0"/>
+                <a:ea typeface="Verdana" panose="020B0604030504040204" pitchFamily="34" charset="0"/>
+                <a:cs typeface="Verdana" panose="020B0604030504040204" pitchFamily="34" charset="0"/>
+              </a:rPr>
+              <a:t>HARDWARE ROBÓTICO</a:t>
+            </a:r>
+          </a:p>
+        </p:txBody>
+      </p:sp>
+    </p:spTree>
+    <p:extLst>
+      <p:ext uri="{BB962C8B-B14F-4D97-AF65-F5344CB8AC3E}">
+        <p14:creationId xmlns:p14="http://schemas.microsoft.com/office/powerpoint/2010/main" val="77803160"/>
+      </p:ext>
+    </p:extLst>
+  </p:cSld>
+  <p:clrMapOvr>
+    <a:overrideClrMapping bg1="dk1" tx1="lt1" bg2="dk2" tx2="lt2" accent1="accent1" accent2="accent2" accent3="accent3" accent4="accent4" accent5="accent5" accent6="accent6" hlink="hlink" folHlink="folHlink"/>
+  </p:clrMapOvr>
+</p:sld>
+</file>
+
+<file path=ppt/slides/slide20.xml><?xml version="1.0" encoding="utf-8"?>
+<p:sld xmlns:a="http://schemas.openxmlformats.org/drawingml/2006/main" xmlns:r="http://schemas.openxmlformats.org/officeDocument/2006/relationships" xmlns:p="http://schemas.openxmlformats.org/presentationml/2006/main">
+  <p:cSld>
+    <p:bg>
+      <p:bgPr>
+        <a:solidFill>
+          <a:schemeClr val="bg1"/>
+        </a:solidFill>
+        <a:effectLst/>
+      </p:bgPr>
+    </p:bg>
+    <p:spTree>
+      <p:nvGrpSpPr>
+        <p:cNvPr id="1" name=""/>
+        <p:cNvGrpSpPr/>
+        <p:nvPr/>
+      </p:nvGrpSpPr>
+      <p:grpSpPr>
+        <a:xfrm>
+          <a:off x="0" y="0"/>
+          <a:ext cx="0" cy="0"/>
+          <a:chOff x="0" y="0"/>
+          <a:chExt cx="0" cy="0"/>
+        </a:xfrm>
+      </p:grpSpPr>
+      <p:pic>
+        <p:nvPicPr>
+          <p:cNvPr id="4098" name="Picture 2" descr="Resultado de imagen de LENGUAJES DE PROGRAMACION">
+            <a:extLst>
+              <a:ext uri="{FF2B5EF4-FFF2-40B4-BE49-F238E27FC236}">
+                <a16:creationId xmlns:a16="http://schemas.microsoft.com/office/drawing/2014/main" id="{F7B26CE2-5AE2-488E-BB8F-BD1FD179435D}"/>
+              </a:ext>
+            </a:extLst>
+          </p:cNvPr>
+          <p:cNvPicPr>
+            <a:picLocks noChangeAspect="1" noChangeArrowheads="1"/>
+          </p:cNvPicPr>
+          <p:nvPr/>
+        </p:nvPicPr>
+        <p:blipFill rotWithShape="1">
+          <a:blip r:embed="rId2">
+            <a:extLst>
+              <a:ext uri="{28A0092B-C50C-407E-A947-70E740481C1C}">
+                <a14:useLocalDpi xmlns:a14="http://schemas.microsoft.com/office/drawing/2010/main" val="0"/>
+              </a:ext>
+            </a:extLst>
+          </a:blip>
+          <a:srcRect t="9288" b="12587"/>
+          <a:stretch/>
+        </p:blipFill>
+        <p:spPr bwMode="auto">
+          <a:xfrm>
+            <a:off x="20" y="10"/>
+            <a:ext cx="12191980" cy="6857990"/>
+          </a:xfrm>
+          <a:prstGeom prst="rect">
+            <a:avLst/>
+          </a:prstGeom>
+          <a:noFill/>
+          <a:extLst>
+            <a:ext uri="{909E8E84-426E-40DD-AFC4-6F175D3DCCD1}">
+              <a14:hiddenFill xmlns:a14="http://schemas.microsoft.com/office/drawing/2010/main">
+                <a:solidFill>
+                  <a:srgbClr val="FFFFFF"/>
+                </a:solidFill>
+              </a14:hiddenFill>
+            </a:ext>
+          </a:extLst>
+        </p:spPr>
+      </p:pic>
+      <p:sp>
+        <p:nvSpPr>
+          <p:cNvPr id="71" name="Freeform 5">
+            <a:extLst>
+              <a:ext uri="{FF2B5EF4-FFF2-40B4-BE49-F238E27FC236}">
+                <a16:creationId xmlns:a16="http://schemas.microsoft.com/office/drawing/2014/main" id="{87CC2527-562A-4F69-B487-4371E5B243E7}"/>
+              </a:ext>
+            </a:extLst>
+          </p:cNvPr>
+          <p:cNvSpPr>
+            <a:spLocks noGrp="1" noRot="1" noChangeAspect="1" noMove="1" noResize="1" noEditPoints="1" noAdjustHandles="1" noChangeArrowheads="1" noChangeShapeType="1" noTextEdit="1"/>
+          </p:cNvSpPr>
+          <p:nvPr>
+            <p:extLst>
+              <p:ext uri="{386F3935-93C4-4BCD-93E2-E3B085C9AB24}">
+                <p16:designElem xmlns:p16="http://schemas.microsoft.com/office/powerpoint/2015/main" val="1"/>
+              </p:ext>
+            </p:extLst>
+          </p:nvPr>
+        </p:nvSpPr>
+        <p:spPr bwMode="grayWhite">
+          <a:xfrm>
+            <a:off x="7488621" y="2277613"/>
+            <a:ext cx="4703379" cy="4580387"/>
+          </a:xfrm>
+          <a:custGeom>
+            <a:avLst/>
+            <a:gdLst>
+              <a:gd name="T0" fmla="*/ 1333 w 1333"/>
+              <a:gd name="T1" fmla="*/ 1031 h 1298"/>
+              <a:gd name="T2" fmla="*/ 1333 w 1333"/>
+              <a:gd name="T3" fmla="*/ 380 h 1298"/>
+              <a:gd name="T4" fmla="*/ 706 w 1333"/>
+              <a:gd name="T5" fmla="*/ 0 h 1298"/>
+              <a:gd name="T6" fmla="*/ 0 w 1333"/>
+              <a:gd name="T7" fmla="*/ 706 h 1298"/>
+              <a:gd name="T8" fmla="*/ 323 w 1333"/>
+              <a:gd name="T9" fmla="*/ 1298 h 1298"/>
+              <a:gd name="T10" fmla="*/ 1090 w 1333"/>
+              <a:gd name="T11" fmla="*/ 1298 h 1298"/>
+              <a:gd name="T12" fmla="*/ 1333 w 1333"/>
+              <a:gd name="T13" fmla="*/ 1031 h 1298"/>
+            </a:gdLst>
+            <a:ahLst/>
+            <a:cxnLst>
+              <a:cxn ang="0">
+                <a:pos x="T0" y="T1"/>
+              </a:cxn>
+              <a:cxn ang="0">
+                <a:pos x="T2" y="T3"/>
+              </a:cxn>
+              <a:cxn ang="0">
+                <a:pos x="T4" y="T5"/>
+              </a:cxn>
+              <a:cxn ang="0">
+                <a:pos x="T6" y="T7"/>
+              </a:cxn>
+              <a:cxn ang="0">
+                <a:pos x="T8" y="T9"/>
+              </a:cxn>
+              <a:cxn ang="0">
+                <a:pos x="T10" y="T11"/>
+              </a:cxn>
+              <a:cxn ang="0">
+                <a:pos x="T12" y="T13"/>
+              </a:cxn>
+            </a:cxnLst>
+            <a:rect l="0" t="0" r="r" b="b"/>
+            <a:pathLst>
+              <a:path w="1333" h="1298">
+                <a:moveTo>
+                  <a:pt x="1333" y="1031"/>
+                </a:moveTo>
+                <a:cubicBezTo>
+                  <a:pt x="1333" y="380"/>
+                  <a:pt x="1333" y="380"/>
+                  <a:pt x="1333" y="380"/>
+                </a:cubicBezTo>
+                <a:cubicBezTo>
+                  <a:pt x="1215" y="154"/>
+                  <a:pt x="979" y="0"/>
+                  <a:pt x="706" y="0"/>
+                </a:cubicBezTo>
+                <a:cubicBezTo>
+                  <a:pt x="317" y="0"/>
+                  <a:pt x="0" y="316"/>
+                  <a:pt x="0" y="706"/>
+                </a:cubicBezTo>
+                <a:cubicBezTo>
+                  <a:pt x="0" y="954"/>
+                  <a:pt x="129" y="1172"/>
+                  <a:pt x="323" y="1298"/>
+                </a:cubicBezTo>
+                <a:cubicBezTo>
+                  <a:pt x="1090" y="1298"/>
+                  <a:pt x="1090" y="1298"/>
+                  <a:pt x="1090" y="1298"/>
+                </a:cubicBezTo>
+                <a:cubicBezTo>
+                  <a:pt x="1193" y="1232"/>
+                  <a:pt x="1276" y="1140"/>
+                  <a:pt x="1333" y="1031"/>
+                </a:cubicBezTo>
+                <a:close/>
+              </a:path>
+            </a:pathLst>
+          </a:custGeom>
+          <a:solidFill>
+            <a:schemeClr val="bg1">
+              <a:alpha val="70000"/>
+            </a:schemeClr>
+          </a:solidFill>
+          <a:ln w="50800" cap="sq" cmpd="dbl">
+            <a:noFill/>
+            <a:miter lim="800000"/>
+          </a:ln>
+          <a:effectLst/>
+          <a:extLst/>
+        </p:spPr>
+        <p:txBody>
+          <a:bodyPr vert="horz" lIns="91440" tIns="45720" rIns="91440" bIns="45720" rtlCol="0" anchor="t">
+            <a:normAutofit/>
+          </a:bodyPr>
+          <a:lstStyle/>
+          <a:p>
+            <a:pPr algn="ctr">
+              <a:spcAft>
+                <a:spcPts val="1000"/>
+              </a:spcAft>
+              <a:buClr>
+                <a:schemeClr val="tx1"/>
+              </a:buClr>
+              <a:buSzPct val="100000"/>
+              <a:buFont typeface="Arial"/>
+              <a:buNone/>
+            </a:pPr>
+            <a:endParaRPr lang="en-US" sz="1600" cap="all"/>
+          </a:p>
+        </p:txBody>
+      </p:sp>
+      <p:cxnSp>
+        <p:nvCxnSpPr>
+          <p:cNvPr id="73" name="Straight Connector 72">
+            <a:extLst>
+              <a:ext uri="{FF2B5EF4-FFF2-40B4-BE49-F238E27FC236}">
+                <a16:creationId xmlns:a16="http://schemas.microsoft.com/office/drawing/2014/main" id="{BCDAEC91-5BCE-4B55-9CC0-43EF94CB734B}"/>
+              </a:ext>
+            </a:extLst>
+          </p:cNvPr>
+          <p:cNvCxnSpPr>
+            <a:cxnSpLocks noGrp="1" noRot="1" noChangeAspect="1" noMove="1" noResize="1" noEditPoints="1" noAdjustHandles="1" noChangeArrowheads="1" noChangeShapeType="1"/>
+          </p:cNvCxnSpPr>
+          <p:nvPr>
+            <p:extLst>
+              <p:ext uri="{386F3935-93C4-4BCD-93E2-E3B085C9AB24}">
+                <p16:designElem xmlns:p16="http://schemas.microsoft.com/office/powerpoint/2015/main" val="1"/>
+              </p:ext>
+            </p:extLst>
+          </p:nvPr>
+        </p:nvCxnSpPr>
+        <p:spPr>
+          <a:xfrm>
+            <a:off x="9480331" y="5123793"/>
+            <a:ext cx="935420" cy="0"/>
+          </a:xfrm>
+          <a:prstGeom prst="line">
+            <a:avLst/>
+          </a:prstGeom>
+          <a:ln w="25400" cap="sq">
+            <a:solidFill>
+              <a:schemeClr val="tx1">
+                <a:lumMod val="85000"/>
+                <a:lumOff val="15000"/>
+              </a:schemeClr>
+            </a:solidFill>
+            <a:bevel/>
+          </a:ln>
+        </p:spPr>
+        <p:style>
+          <a:lnRef idx="1">
+            <a:schemeClr val="accent1"/>
+          </a:lnRef>
+          <a:fillRef idx="0">
+            <a:schemeClr val="accent1"/>
+          </a:fillRef>
+          <a:effectRef idx="0">
+            <a:schemeClr val="accent1"/>
+          </a:effectRef>
+          <a:fontRef idx="minor">
+            <a:schemeClr val="tx1"/>
+          </a:fontRef>
+        </p:style>
+      </p:cxnSp>
+      <p:sp>
+        <p:nvSpPr>
+          <p:cNvPr id="2" name="Título 1">
+            <a:extLst>
+              <a:ext uri="{FF2B5EF4-FFF2-40B4-BE49-F238E27FC236}">
+                <a16:creationId xmlns:a16="http://schemas.microsoft.com/office/drawing/2014/main" id="{33EC1C03-892C-4B77-8AE7-49AE50C9247B}"/>
+              </a:ext>
+            </a:extLst>
+          </p:cNvPr>
+          <p:cNvSpPr>
+            <a:spLocks noGrp="1"/>
+          </p:cNvSpPr>
+          <p:nvPr>
+            <p:ph type="title"/>
+          </p:nvPr>
+        </p:nvSpPr>
+        <p:spPr>
+          <a:xfrm>
+            <a:off x="8022021" y="3231931"/>
+            <a:ext cx="3852041" cy="1834056"/>
+          </a:xfrm>
+        </p:spPr>
+        <p:txBody>
+          <a:bodyPr vert="horz" lIns="91440" tIns="45720" rIns="91440" bIns="45720" rtlCol="0" anchor="b">
+            <a:normAutofit/>
+          </a:bodyPr>
+          <a:lstStyle/>
+          <a:p>
+            <a:pPr algn="ctr"/>
+            <a:r>
+              <a:rPr lang="en-US" sz="4000" dirty="0"/>
+              <a:t>LENGUAJES DE PROGRAMACIÓN ROBÓTICA</a:t>
+            </a:r>
+          </a:p>
+        </p:txBody>
+      </p:sp>
+    </p:spTree>
+    <p:extLst>
+      <p:ext uri="{BB962C8B-B14F-4D97-AF65-F5344CB8AC3E}">
+        <p14:creationId xmlns:p14="http://schemas.microsoft.com/office/powerpoint/2010/main" val="1555195338"/>
+      </p:ext>
+    </p:extLst>
+  </p:cSld>
+  <p:clrMapOvr>
+    <a:masterClrMapping/>
+  </p:clrMapOvr>
+</p:sld>
+</file>
+
+<file path=ppt/slides/slide3.xml><?xml version="1.0" encoding="utf-8"?>
+<p:sld xmlns:a="http://schemas.openxmlformats.org/drawingml/2006/main" xmlns:r="http://schemas.openxmlformats.org/officeDocument/2006/relationships" xmlns:p="http://schemas.openxmlformats.org/presentationml/2006/main">
+  <p:cSld>
+    <p:bg>
+      <p:bgPr>
+        <a:solidFill>
+          <a:schemeClr val="bg1"/>
+        </a:solidFill>
+        <a:effectLst/>
+      </p:bgPr>
+    </p:bg>
+    <p:spTree>
+      <p:nvGrpSpPr>
+        <p:cNvPr id="1" name=""/>
+        <p:cNvGrpSpPr/>
+        <p:nvPr/>
+      </p:nvGrpSpPr>
+      <p:grpSpPr>
+        <a:xfrm>
+          <a:off x="0" y="0"/>
+          <a:ext cx="0" cy="0"/>
+          <a:chOff x="0" y="0"/>
+          <a:chExt cx="0" cy="0"/>
+        </a:xfrm>
+      </p:grpSpPr>
+      <p:pic>
+        <p:nvPicPr>
+          <p:cNvPr id="5" name="Imagen 4">
+            <a:extLst>
+              <a:ext uri="{FF2B5EF4-FFF2-40B4-BE49-F238E27FC236}">
+                <a16:creationId xmlns:a16="http://schemas.microsoft.com/office/drawing/2014/main" id="{EE85B17B-A19E-48E9-8FEF-F377DFCC98F6}"/>
+              </a:ext>
+            </a:extLst>
+          </p:cNvPr>
+          <p:cNvPicPr>
+            <a:picLocks noChangeAspect="1"/>
+          </p:cNvPicPr>
+          <p:nvPr/>
+        </p:nvPicPr>
+        <p:blipFill rotWithShape="1">
+          <a:blip r:embed="rId2">
+            <a:extLst>
+              <a:ext uri="{28A0092B-C50C-407E-A947-70E740481C1C}">
+                <a14:useLocalDpi xmlns:a14="http://schemas.microsoft.com/office/drawing/2010/main" val="0"/>
+              </a:ext>
+            </a:extLst>
+          </a:blip>
+          <a:srcRect t="3676" b="2574"/>
+          <a:stretch/>
+        </p:blipFill>
+        <p:spPr>
+          <a:xfrm>
+            <a:off x="20" y="10"/>
+            <a:ext cx="12191980" cy="6857990"/>
+          </a:xfrm>
+          <a:prstGeom prst="rect">
+            <a:avLst/>
+          </a:prstGeom>
+        </p:spPr>
+      </p:pic>
+      <p:sp>
+        <p:nvSpPr>
+          <p:cNvPr id="17" name="Rectangle 16">
+            <a:extLst>
+              <a:ext uri="{FF2B5EF4-FFF2-40B4-BE49-F238E27FC236}">
+                <a16:creationId xmlns:a16="http://schemas.microsoft.com/office/drawing/2014/main" id="{5FE860FF-6214-458C-B8B6-840D3D4BD8AE}"/>
+              </a:ext>
+            </a:extLst>
+          </p:cNvPr>
+          <p:cNvSpPr>
+            <a:spLocks noGrp="1" noRot="1" noChangeAspect="1" noMove="1" noResize="1" noEditPoints="1" noAdjustHandles="1" noChangeArrowheads="1" noChangeShapeType="1" noTextEdit="1"/>
+          </p:cNvSpPr>
+          <p:nvPr>
+            <p:extLst>
+              <p:ext uri="{386F3935-93C4-4BCD-93E2-E3B085C9AB24}">
+                <p16:designElem xmlns:p16="http://schemas.microsoft.com/office/powerpoint/2015/main" val="1"/>
+              </p:ext>
+            </p:extLst>
+          </p:nvPr>
+        </p:nvSpPr>
+        <p:spPr>
+          <a:xfrm>
+            <a:off x="0" y="5320142"/>
+            <a:ext cx="12192000" cy="736551"/>
+          </a:xfrm>
+          <a:prstGeom prst="rect">
+            <a:avLst/>
+          </a:prstGeom>
+          <a:solidFill>
+            <a:schemeClr val="tx1">
+              <a:alpha val="75000"/>
+            </a:schemeClr>
+          </a:solidFill>
+          <a:ln>
+            <a:noFill/>
+          </a:ln>
+        </p:spPr>
+        <p:style>
+          <a:lnRef idx="2">
+            <a:schemeClr val="accent1">
+              <a:shade val="50000"/>
+            </a:schemeClr>
+          </a:lnRef>
+          <a:fillRef idx="1">
+            <a:schemeClr val="accent1"/>
+          </a:fillRef>
+          <a:effectRef idx="0">
+            <a:schemeClr val="accent1"/>
+          </a:effectRef>
+          <a:fontRef idx="minor">
+            <a:schemeClr val="lt1"/>
+          </a:fontRef>
+        </p:style>
+        <p:txBody>
+          <a:bodyPr rtlCol="0" anchor="ctr"/>
+          <a:lstStyle/>
+          <a:p>
+            <a:pPr algn="ctr"/>
+            <a:endParaRPr lang="en-US"/>
+          </a:p>
+        </p:txBody>
+      </p:sp>
+      <p:cxnSp>
+        <p:nvCxnSpPr>
+          <p:cNvPr id="19" name="Straight Connector 18">
+            <a:extLst>
+              <a:ext uri="{FF2B5EF4-FFF2-40B4-BE49-F238E27FC236}">
+                <a16:creationId xmlns:a16="http://schemas.microsoft.com/office/drawing/2014/main" id="{6079A69E-2DBC-4FA4-8495-9B37C56A910E}"/>
+              </a:ext>
+            </a:extLst>
+          </p:cNvPr>
+          <p:cNvCxnSpPr>
+            <a:cxnSpLocks noGrp="1" noRot="1" noChangeAspect="1" noMove="1" noResize="1" noEditPoints="1" noAdjustHandles="1" noChangeArrowheads="1" noChangeShapeType="1"/>
+          </p:cNvCxnSpPr>
+          <p:nvPr>
+            <p:extLst>
+              <p:ext uri="{386F3935-93C4-4BCD-93E2-E3B085C9AB24}">
+                <p16:designElem xmlns:p16="http://schemas.microsoft.com/office/powerpoint/2015/main" val="1"/>
+              </p:ext>
+            </p:extLst>
+          </p:nvPr>
+        </p:nvCxnSpPr>
+        <p:spPr>
+          <a:xfrm>
+            <a:off x="0" y="5241983"/>
+            <a:ext cx="12192000" cy="0"/>
+          </a:xfrm>
+          <a:prstGeom prst="line">
+            <a:avLst/>
+          </a:prstGeom>
+          <a:ln w="41275">
+            <a:solidFill>
+              <a:schemeClr val="bg1">
+                <a:alpha val="90000"/>
+              </a:schemeClr>
+            </a:solidFill>
+          </a:ln>
+        </p:spPr>
+        <p:style>
+          <a:lnRef idx="1">
+            <a:schemeClr val="accent1"/>
+          </a:lnRef>
+          <a:fillRef idx="0">
+            <a:schemeClr val="accent1"/>
+          </a:fillRef>
+          <a:effectRef idx="0">
+            <a:schemeClr val="accent1"/>
+          </a:effectRef>
+          <a:fontRef idx="minor">
+            <a:schemeClr val="tx1"/>
+          </a:fontRef>
+        </p:style>
+      </p:cxnSp>
+      <p:cxnSp>
+        <p:nvCxnSpPr>
+          <p:cNvPr id="21" name="Straight Connector 20">
+            <a:extLst>
+              <a:ext uri="{FF2B5EF4-FFF2-40B4-BE49-F238E27FC236}">
+                <a16:creationId xmlns:a16="http://schemas.microsoft.com/office/drawing/2014/main" id="{0F80B1E9-A8C1-4802-BFFD-7FC81CD2112C}"/>
+              </a:ext>
+            </a:extLst>
+          </p:cNvPr>
+          <p:cNvCxnSpPr>
+            <a:cxnSpLocks noGrp="1" noRot="1" noChangeAspect="1" noMove="1" noResize="1" noEditPoints="1" noAdjustHandles="1" noChangeArrowheads="1" noChangeShapeType="1"/>
+          </p:cNvCxnSpPr>
+          <p:nvPr>
+            <p:extLst>
+              <p:ext uri="{386F3935-93C4-4BCD-93E2-E3B085C9AB24}">
+                <p16:designElem xmlns:p16="http://schemas.microsoft.com/office/powerpoint/2015/main" val="1"/>
+              </p:ext>
+            </p:extLst>
+          </p:nvPr>
+        </p:nvCxnSpPr>
+        <p:spPr>
+          <a:xfrm>
+            <a:off x="0" y="6134852"/>
+            <a:ext cx="12192000" cy="0"/>
+          </a:xfrm>
+          <a:prstGeom prst="line">
+            <a:avLst/>
+          </a:prstGeom>
+          <a:ln w="41275">
+            <a:solidFill>
+              <a:schemeClr val="bg1">
+                <a:alpha val="90000"/>
+              </a:schemeClr>
+            </a:solidFill>
+          </a:ln>
+        </p:spPr>
+        <p:style>
+          <a:lnRef idx="1">
+            <a:schemeClr val="accent1"/>
+          </a:lnRef>
+          <a:fillRef idx="0">
+            <a:schemeClr val="accent1"/>
+          </a:fillRef>
+          <a:effectRef idx="0">
+            <a:schemeClr val="accent1"/>
+          </a:effectRef>
+          <a:fontRef idx="minor">
+            <a:schemeClr val="tx1"/>
+          </a:fontRef>
+        </p:style>
+      </p:cxnSp>
+      <p:sp>
+        <p:nvSpPr>
+          <p:cNvPr id="2" name="Título 1">
+            <a:extLst>
+              <a:ext uri="{FF2B5EF4-FFF2-40B4-BE49-F238E27FC236}">
+                <a16:creationId xmlns:a16="http://schemas.microsoft.com/office/drawing/2014/main" id="{878CF466-61E6-4856-82B4-98C3BF53761F}"/>
+              </a:ext>
+            </a:extLst>
+          </p:cNvPr>
+          <p:cNvSpPr>
+            <a:spLocks noGrp="1"/>
+          </p:cNvSpPr>
+          <p:nvPr>
+            <p:ph type="title"/>
+          </p:nvPr>
+        </p:nvSpPr>
+        <p:spPr>
+          <a:xfrm>
+            <a:off x="523875" y="5317240"/>
+            <a:ext cx="11210925" cy="744836"/>
+          </a:xfrm>
+        </p:spPr>
+        <p:txBody>
+          <a:bodyPr vert="horz" lIns="91440" tIns="45720" rIns="91440" bIns="45720" rtlCol="0" anchor="ctr">
+            <a:normAutofit/>
+          </a:bodyPr>
+          <a:lstStyle/>
+          <a:p>
+            <a:pPr algn="ctr"/>
+            <a:r>
+              <a:rPr lang="en-US" sz="3600">
+                <a:solidFill>
+                  <a:schemeClr val="bg1"/>
+                </a:solidFill>
+              </a:rPr>
+              <a:t>SENSORES</a:t>
+            </a:r>
+          </a:p>
+        </p:txBody>
+      </p:sp>
+    </p:spTree>
+    <p:extLst>
+      <p:ext uri="{BB962C8B-B14F-4D97-AF65-F5344CB8AC3E}">
+        <p14:creationId xmlns:p14="http://schemas.microsoft.com/office/powerpoint/2010/main" val="4082904582"/>
+      </p:ext>
+    </p:extLst>
+  </p:cSld>
+  <p:clrMapOvr>
+    <a:masterClrMapping/>
+  </p:clrMapOvr>
+</p:sld>
+</file>
+
+<file path=ppt/slides/slide4.xml><?xml version="1.0" encoding="utf-8"?>
+<p:sld xmlns:a="http://schemas.openxmlformats.org/drawingml/2006/main" xmlns:r="http://schemas.openxmlformats.org/officeDocument/2006/relationships" xmlns:p="http://schemas.openxmlformats.org/presentationml/2006/main">
+  <p:cSld>
+    <p:bg>
+      <p:bgPr>
+        <a:solidFill>
+          <a:schemeClr val="bg1"/>
+        </a:solidFill>
+        <a:effectLst/>
+      </p:bgPr>
+    </p:bg>
+    <p:spTree>
+      <p:nvGrpSpPr>
+        <p:cNvPr id="1" name=""/>
+        <p:cNvGrpSpPr/>
+        <p:nvPr/>
+      </p:nvGrpSpPr>
+      <p:grpSpPr>
+        <a:xfrm>
+          <a:off x="0" y="0"/>
+          <a:ext cx="0" cy="0"/>
+          <a:chOff x="0" y="0"/>
+          <a:chExt cx="0" cy="0"/>
+        </a:xfrm>
+      </p:grpSpPr>
+      <p:sp useBgFill="1">
+        <p:nvSpPr>
+          <p:cNvPr id="58" name="Rectangle 57">
+            <a:extLst>
+              <a:ext uri="{FF2B5EF4-FFF2-40B4-BE49-F238E27FC236}">
+                <a16:creationId xmlns:a16="http://schemas.microsoft.com/office/drawing/2014/main" id="{B558F58E-93BA-44A3-BCDA-585AFF2E4F3F}"/>
+              </a:ext>
+            </a:extLst>
+          </p:cNvPr>
+          <p:cNvSpPr>
+            <a:spLocks noGrp="1" noRot="1" noChangeAspect="1" noMove="1" noResize="1" noEditPoints="1" noAdjustHandles="1" noChangeArrowheads="1" noChangeShapeType="1" noTextEdit="1"/>
+          </p:cNvSpPr>
+          <p:nvPr>
+            <p:extLst>
+              <p:ext uri="{386F3935-93C4-4BCD-93E2-E3B085C9AB24}">
+                <p16:designElem xmlns:p16="http://schemas.microsoft.com/office/powerpoint/2015/main" val="1"/>
+              </p:ext>
+            </p:extLst>
+          </p:nvPr>
+        </p:nvSpPr>
+        <p:spPr>
+          <a:xfrm>
+            <a:off x="0" y="0"/>
+            <a:ext cx="12192000" cy="6858000"/>
+          </a:xfrm>
+          <a:prstGeom prst="rect">
+            <a:avLst/>
+          </a:prstGeom>
+          <a:ln>
+            <a:noFill/>
+          </a:ln>
+        </p:spPr>
+        <p:style>
+          <a:lnRef idx="2">
+            <a:schemeClr val="accent1">
+              <a:shade val="50000"/>
+            </a:schemeClr>
+          </a:lnRef>
+          <a:fillRef idx="1">
+            <a:schemeClr val="accent1"/>
+          </a:fillRef>
+          <a:effectRef idx="0">
+            <a:schemeClr val="accent1"/>
+          </a:effectRef>
+          <a:fontRef idx="minor">
+            <a:schemeClr val="lt1"/>
+          </a:fontRef>
+        </p:style>
+        <p:txBody>
+          <a:bodyPr rtlCol="0" anchor="ctr"/>
+          <a:lstStyle/>
+          <a:p>
+            <a:pPr algn="ctr"/>
+            <a:endParaRPr lang="en-US"/>
+          </a:p>
+        </p:txBody>
+      </p:sp>
+      <p:pic>
+        <p:nvPicPr>
+          <p:cNvPr id="9" name="Imagen 8" descr="Imagen que contiene persona&#10;&#10;Descripción generada con confianza alta">
+            <a:extLst>
+              <a:ext uri="{FF2B5EF4-FFF2-40B4-BE49-F238E27FC236}">
+                <a16:creationId xmlns:a16="http://schemas.microsoft.com/office/drawing/2014/main" id="{9A1B4B94-5E7D-4C77-AEC1-06DD1E01115C}"/>
+              </a:ext>
+            </a:extLst>
+          </p:cNvPr>
+          <p:cNvPicPr>
+            <a:picLocks noChangeAspect="1"/>
+          </p:cNvPicPr>
+          <p:nvPr/>
+        </p:nvPicPr>
+        <p:blipFill rotWithShape="1">
+          <a:blip r:embed="rId2">
+            <a:extLst>
+              <a:ext uri="{28A0092B-C50C-407E-A947-70E740481C1C}">
+                <a14:useLocalDpi xmlns:a14="http://schemas.microsoft.com/office/drawing/2010/main" val="0"/>
+              </a:ext>
+            </a:extLst>
+          </a:blip>
+          <a:srcRect l="19431"/>
+          <a:stretch/>
+        </p:blipFill>
+        <p:spPr>
+          <a:xfrm>
+            <a:off x="5913123" y="10"/>
+            <a:ext cx="6278877" cy="6857990"/>
+          </a:xfrm>
+          <a:custGeom>
+            <a:avLst/>
+            <a:gdLst>
+              <a:gd name="connsiteX0" fmla="*/ 45571 w 6278877"/>
+              <a:gd name="connsiteY0" fmla="*/ 0 h 6858000"/>
+              <a:gd name="connsiteX1" fmla="*/ 6278877 w 6278877"/>
+              <a:gd name="connsiteY1" fmla="*/ 0 h 6858000"/>
+              <a:gd name="connsiteX2" fmla="*/ 6278877 w 6278877"/>
+              <a:gd name="connsiteY2" fmla="*/ 6858000 h 6858000"/>
+              <a:gd name="connsiteX3" fmla="*/ 3292307 w 6278877"/>
+              <a:gd name="connsiteY3" fmla="*/ 6858000 h 6858000"/>
+              <a:gd name="connsiteX4" fmla="*/ 3181525 w 6278877"/>
+              <a:gd name="connsiteY4" fmla="*/ 6786980 h 6858000"/>
+              <a:gd name="connsiteX5" fmla="*/ 0 w 6278877"/>
+              <a:gd name="connsiteY5" fmla="*/ 803252 h 6858000"/>
+              <a:gd name="connsiteX6" fmla="*/ 37255 w 6278877"/>
+              <a:gd name="connsiteY6" fmla="*/ 65445 h 6858000"/>
+            </a:gdLst>
+            <a:ahLst/>
+            <a:cxnLst>
+              <a:cxn ang="0">
+                <a:pos x="connsiteX0" y="connsiteY0"/>
+              </a:cxn>
+              <a:cxn ang="0">
+                <a:pos x="connsiteX1" y="connsiteY1"/>
+              </a:cxn>
+              <a:cxn ang="0">
+                <a:pos x="connsiteX2" y="connsiteY2"/>
+              </a:cxn>
+              <a:cxn ang="0">
+                <a:pos x="connsiteX3" y="connsiteY3"/>
+              </a:cxn>
+              <a:cxn ang="0">
+                <a:pos x="connsiteX4" y="connsiteY4"/>
+              </a:cxn>
+              <a:cxn ang="0">
+                <a:pos x="connsiteX5" y="connsiteY5"/>
+              </a:cxn>
+              <a:cxn ang="0">
+                <a:pos x="connsiteX6" y="connsiteY6"/>
+              </a:cxn>
+            </a:cxnLst>
+            <a:rect l="l" t="t" r="r" b="b"/>
+            <a:pathLst>
+              <a:path w="6278877" h="6858000">
+                <a:moveTo>
+                  <a:pt x="45571" y="0"/>
+                </a:moveTo>
+                <a:lnTo>
+                  <a:pt x="6278877" y="0"/>
+                </a:lnTo>
+                <a:lnTo>
+                  <a:pt x="6278877" y="6858000"/>
+                </a:lnTo>
+                <a:lnTo>
+                  <a:pt x="3292307" y="6858000"/>
+                </a:lnTo>
+                <a:lnTo>
+                  <a:pt x="3181525" y="6786980"/>
+                </a:lnTo>
+                <a:cubicBezTo>
+                  <a:pt x="1262020" y="5490189"/>
+                  <a:pt x="0" y="3294101"/>
+                  <a:pt x="0" y="803252"/>
+                </a:cubicBezTo>
+                <a:cubicBezTo>
+                  <a:pt x="0" y="554167"/>
+                  <a:pt x="12619" y="308030"/>
+                  <a:pt x="37255" y="65445"/>
+                </a:cubicBezTo>
+                <a:close/>
+              </a:path>
+            </a:pathLst>
+          </a:custGeom>
+        </p:spPr>
+      </p:pic>
+      <p:cxnSp>
+        <p:nvCxnSpPr>
+          <p:cNvPr id="60" name="Straight Arrow Connector 59">
+            <a:extLst>
+              <a:ext uri="{FF2B5EF4-FFF2-40B4-BE49-F238E27FC236}">
+                <a16:creationId xmlns:a16="http://schemas.microsoft.com/office/drawing/2014/main" id="{BCD0BBC1-A7D4-445D-98AC-95A6A45D8EBB}"/>
+              </a:ext>
+            </a:extLst>
+          </p:cNvPr>
+          <p:cNvCxnSpPr>
+            <a:cxnSpLocks noGrp="1" noRot="1" noChangeAspect="1" noMove="1" noResize="1" noEditPoints="1" noAdjustHandles="1" noChangeArrowheads="1" noChangeShapeType="1"/>
+          </p:cNvCxnSpPr>
+          <p:nvPr>
+            <p:extLst>
+              <p:ext uri="{386F3935-93C4-4BCD-93E2-E3B085C9AB24}">
+                <p16:designElem xmlns:p16="http://schemas.microsoft.com/office/powerpoint/2015/main" val="1"/>
+              </p:ext>
+            </p:extLst>
+          </p:nvPr>
+        </p:nvCxnSpPr>
+        <p:spPr>
+          <a:xfrm>
+            <a:off x="655320" y="2316480"/>
+            <a:ext cx="4937760" cy="0"/>
+          </a:xfrm>
+          <a:prstGeom prst="straightConnector1">
+            <a:avLst/>
+          </a:prstGeom>
+          <a:ln w="19050" cap="sq">
+            <a:solidFill>
+              <a:schemeClr val="tx1"/>
+            </a:solidFill>
+            <a:tailEnd type="none"/>
+          </a:ln>
+        </p:spPr>
+        <p:style>
+          <a:lnRef idx="1">
+            <a:schemeClr val="accent1"/>
+          </a:lnRef>
+          <a:fillRef idx="0">
+            <a:schemeClr val="accent1"/>
+          </a:fillRef>
+          <a:effectRef idx="0">
+            <a:schemeClr val="accent1"/>
+          </a:effectRef>
+          <a:fontRef idx="minor">
+            <a:schemeClr val="tx1"/>
+          </a:fontRef>
+        </p:style>
+      </p:cxnSp>
+      <p:sp>
+        <p:nvSpPr>
+          <p:cNvPr id="2" name="Título 1">
+            <a:extLst>
+              <a:ext uri="{FF2B5EF4-FFF2-40B4-BE49-F238E27FC236}">
+                <a16:creationId xmlns:a16="http://schemas.microsoft.com/office/drawing/2014/main" id="{E78735FC-5437-4B97-B913-271152E9C635}"/>
+              </a:ext>
+            </a:extLst>
+          </p:cNvPr>
+          <p:cNvSpPr>
+            <a:spLocks noGrp="1"/>
+          </p:cNvSpPr>
+          <p:nvPr>
+            <p:ph type="title"/>
+          </p:nvPr>
+        </p:nvSpPr>
+        <p:spPr>
+          <a:xfrm>
+            <a:off x="655320" y="2631125"/>
+            <a:ext cx="4983480" cy="2397443"/>
+          </a:xfrm>
+        </p:spPr>
+        <p:txBody>
+          <a:bodyPr vert="horz" lIns="91440" tIns="45720" rIns="91440" bIns="45720" rtlCol="0" anchor="t">
+            <a:normAutofit/>
+          </a:bodyPr>
+          <a:lstStyle/>
+          <a:p>
+            <a:r>
+              <a:rPr lang="en-US" sz="6000"/>
+              <a:t>EFECTORES</a:t>
+            </a:r>
+          </a:p>
+        </p:txBody>
+      </p:sp>
+    </p:spTree>
+    <p:extLst>
+      <p:ext uri="{BB962C8B-B14F-4D97-AF65-F5344CB8AC3E}">
+        <p14:creationId xmlns:p14="http://schemas.microsoft.com/office/powerpoint/2010/main" val="2467875651"/>
+      </p:ext>
+    </p:extLst>
+  </p:cSld>
+  <p:clrMapOvr>
+    <a:masterClrMapping/>
+  </p:clrMapOvr>
+</p:sld>
+</file>
+
+<file path=ppt/slides/slide5.xml><?xml version="1.0" encoding="utf-8"?>
+<p:sld xmlns:a="http://schemas.openxmlformats.org/drawingml/2006/main" xmlns:r="http://schemas.openxmlformats.org/officeDocument/2006/relationships" xmlns:p="http://schemas.openxmlformats.org/presentationml/2006/main">
+  <p:cSld>
+    <p:spTree>
+      <p:nvGrpSpPr>
+        <p:cNvPr id="1" name=""/>
+        <p:cNvGrpSpPr/>
+        <p:nvPr/>
+      </p:nvGrpSpPr>
+      <p:grpSpPr>
+        <a:xfrm>
+          <a:off x="0" y="0"/>
+          <a:ext cx="0" cy="0"/>
+          <a:chOff x="0" y="0"/>
+          <a:chExt cx="0" cy="0"/>
+        </a:xfrm>
+      </p:grpSpPr>
+      <p:pic>
+        <p:nvPicPr>
+          <p:cNvPr id="3" name="Imagen 2"/>
+          <p:cNvPicPr>
+            <a:picLocks noChangeAspect="1"/>
+          </p:cNvPicPr>
+          <p:nvPr/>
+        </p:nvPicPr>
+        <p:blipFill>
+          <a:blip r:embed="rId2">
+            <a:extLst>
+              <a:ext uri="{28A0092B-C50C-407E-A947-70E740481C1C}">
+                <a14:useLocalDpi xmlns:a14="http://schemas.microsoft.com/office/drawing/2010/main" val="0"/>
+              </a:ext>
+            </a:extLst>
+          </a:blip>
+          <a:stretch>
+            <a:fillRect/>
+          </a:stretch>
+        </p:blipFill>
+        <p:spPr>
+          <a:xfrm>
+            <a:off x="4038600" y="1073170"/>
+            <a:ext cx="7188199" cy="4708270"/>
+          </a:xfrm>
+          <a:prstGeom prst="rect">
+            <a:avLst/>
+          </a:prstGeom>
+        </p:spPr>
+      </p:pic>
+      <p:sp>
+        <p:nvSpPr>
+          <p:cNvPr id="2" name="Título 1"/>
+          <p:cNvSpPr>
+            <a:spLocks noGrp="1"/>
+          </p:cNvSpPr>
+          <p:nvPr>
+            <p:ph type="title"/>
+          </p:nvPr>
+        </p:nvSpPr>
+        <p:spPr>
+          <a:xfrm>
+            <a:off x="640080" y="2074363"/>
+            <a:ext cx="2752354" cy="2709275"/>
+          </a:xfrm>
+          <a:prstGeom prst="ellipse">
+            <a:avLst/>
+          </a:prstGeom>
+          <a:solidFill>
+            <a:schemeClr val="tx1">
+              <a:lumMod val="85000"/>
+              <a:lumOff val="15000"/>
+            </a:schemeClr>
+          </a:solidFill>
+          <a:ln w="174625" cmpd="thinThick">
+            <a:solidFill>
+              <a:schemeClr val="tx1">
+                <a:lumMod val="85000"/>
+                <a:lumOff val="15000"/>
+              </a:schemeClr>
+            </a:solidFill>
+          </a:ln>
+        </p:spPr>
+        <p:txBody>
+          <a:bodyPr anchor="ctr">
+            <a:normAutofit/>
+          </a:bodyPr>
+          <a:lstStyle/>
+          <a:p>
+            <a:pPr algn="ctr"/>
+            <a:r>
+              <a:rPr lang="es-ES_tradnl" sz="2600" dirty="0">
+                <a:solidFill>
+                  <a:schemeClr val="bg1"/>
+                </a:solidFill>
+              </a:rPr>
+              <a:t>Percepción robótica </a:t>
+            </a:r>
+          </a:p>
+        </p:txBody>
+      </p:sp>
+    </p:spTree>
+    <p:extLst>
+      <p:ext uri="{BB962C8B-B14F-4D97-AF65-F5344CB8AC3E}">
+        <p14:creationId xmlns:p14="http://schemas.microsoft.com/office/powerpoint/2010/main" val="948308585"/>
+      </p:ext>
+    </p:extLst>
+  </p:cSld>
+  <p:clrMapOvr>
+    <a:masterClrMapping/>
+  </p:clrMapOvr>
+</p:sld>
+</file>
+
+<file path=ppt/slides/slide6.xml><?xml version="1.0" encoding="utf-8"?>
+<p:sld xmlns:a="http://schemas.openxmlformats.org/drawingml/2006/main" xmlns:r="http://schemas.openxmlformats.org/officeDocument/2006/relationships" xmlns:p="http://schemas.openxmlformats.org/presentationml/2006/main">
+  <p:cSld>
+    <p:spTree>
+      <p:nvGrpSpPr>
+        <p:cNvPr id="1" name=""/>
+        <p:cNvGrpSpPr/>
+        <p:nvPr/>
+      </p:nvGrpSpPr>
+      <p:grpSpPr>
+        <a:xfrm>
+          <a:off x="0" y="0"/>
+          <a:ext cx="0" cy="0"/>
+          <a:chOff x="0" y="0"/>
+          <a:chExt cx="0" cy="0"/>
+        </a:xfrm>
+      </p:grpSpPr>
+      <p:pic>
+        <p:nvPicPr>
+          <p:cNvPr id="3" name="Imagen 2"/>
+          <p:cNvPicPr>
+            <a:picLocks noChangeAspect="1"/>
+          </p:cNvPicPr>
+          <p:nvPr/>
+        </p:nvPicPr>
+        <p:blipFill rotWithShape="1">
+          <a:blip r:embed="rId2">
+            <a:extLst>
+              <a:ext uri="{28A0092B-C50C-407E-A947-70E740481C1C}">
+                <a14:useLocalDpi xmlns:a14="http://schemas.microsoft.com/office/drawing/2010/main" val="0"/>
+              </a:ext>
+            </a:extLst>
+          </a:blip>
+          <a:srcRect/>
+          <a:stretch/>
+        </p:blipFill>
+        <p:spPr>
+          <a:xfrm>
+            <a:off x="20" y="10"/>
+            <a:ext cx="12191980" cy="6857990"/>
+          </a:xfrm>
+          <a:prstGeom prst="rect">
+            <a:avLst/>
+          </a:prstGeom>
+        </p:spPr>
+      </p:pic>
+      <p:sp>
+        <p:nvSpPr>
+          <p:cNvPr id="2" name="Título 1"/>
+          <p:cNvSpPr>
+            <a:spLocks noGrp="1"/>
+          </p:cNvSpPr>
+          <p:nvPr>
+            <p:ph type="title"/>
+          </p:nvPr>
+        </p:nvSpPr>
+        <p:spPr>
+          <a:xfrm>
+            <a:off x="838200" y="630875"/>
+            <a:ext cx="10515600" cy="794064"/>
+          </a:xfrm>
+          <a:solidFill>
+            <a:schemeClr val="tx1">
+              <a:alpha val="60000"/>
+            </a:schemeClr>
+          </a:solidFill>
+        </p:spPr>
+        <p:txBody>
+          <a:bodyPr>
+            <a:normAutofit/>
+          </a:bodyPr>
+          <a:lstStyle/>
+          <a:p>
+            <a:r>
+              <a:rPr lang="es-ES_tradnl" dirty="0">
+                <a:solidFill>
+                  <a:schemeClr val="bg1"/>
+                </a:solidFill>
+              </a:rPr>
+              <a:t>Localización</a:t>
+            </a:r>
+          </a:p>
+        </p:txBody>
+      </p:sp>
+    </p:spTree>
+    <p:extLst>
+      <p:ext uri="{BB962C8B-B14F-4D97-AF65-F5344CB8AC3E}">
+        <p14:creationId xmlns:p14="http://schemas.microsoft.com/office/powerpoint/2010/main" val="2406230715"/>
+      </p:ext>
+    </p:extLst>
+  </p:cSld>
+  <p:clrMapOvr>
+    <a:masterClrMapping/>
+  </p:clrMapOvr>
+</p:sld>
+</file>
+
+<file path=ppt/slides/slide7.xml><?xml version="1.0" encoding="utf-8"?>
+<p:sld xmlns:a="http://schemas.openxmlformats.org/drawingml/2006/main" xmlns:r="http://schemas.openxmlformats.org/officeDocument/2006/relationships" xmlns:p="http://schemas.openxmlformats.org/presentationml/2006/main">
+  <p:cSld>
+    <p:spTree>
+      <p:nvGrpSpPr>
+        <p:cNvPr id="1" name=""/>
+        <p:cNvGrpSpPr/>
+        <p:nvPr/>
+      </p:nvGrpSpPr>
+      <p:grpSpPr>
+        <a:xfrm>
+          <a:off x="0" y="0"/>
+          <a:ext cx="0" cy="0"/>
+          <a:chOff x="0" y="0"/>
+          <a:chExt cx="0" cy="0"/>
+        </a:xfrm>
+      </p:grpSpPr>
+      <p:pic>
+        <p:nvPicPr>
+          <p:cNvPr id="3" name="Imagen 2"/>
+          <p:cNvPicPr>
+            <a:picLocks noChangeAspect="1"/>
+          </p:cNvPicPr>
+          <p:nvPr/>
+        </p:nvPicPr>
+        <p:blipFill>
+          <a:blip r:embed="rId2">
+            <a:extLst>
+              <a:ext uri="{28A0092B-C50C-407E-A947-70E740481C1C}">
+                <a14:useLocalDpi xmlns:a14="http://schemas.microsoft.com/office/drawing/2010/main" val="0"/>
+              </a:ext>
+            </a:extLst>
+          </a:blip>
+          <a:stretch>
+            <a:fillRect/>
+          </a:stretch>
+        </p:blipFill>
+        <p:spPr>
+          <a:xfrm>
+            <a:off x="4481909" y="961812"/>
+            <a:ext cx="6301580" cy="4930987"/>
+          </a:xfrm>
+          <a:prstGeom prst="rect">
+            <a:avLst/>
+          </a:prstGeom>
+        </p:spPr>
+      </p:pic>
+      <p:sp>
+        <p:nvSpPr>
+          <p:cNvPr id="2" name="Título 1"/>
+          <p:cNvSpPr>
+            <a:spLocks noGrp="1"/>
+          </p:cNvSpPr>
+          <p:nvPr>
+            <p:ph type="title"/>
+          </p:nvPr>
+        </p:nvSpPr>
+        <p:spPr>
+          <a:xfrm>
+            <a:off x="640080" y="2074363"/>
+            <a:ext cx="2752354" cy="2709275"/>
+          </a:xfrm>
+          <a:prstGeom prst="ellipse">
+            <a:avLst/>
+          </a:prstGeom>
+          <a:solidFill>
+            <a:schemeClr val="tx1">
+              <a:lumMod val="85000"/>
+              <a:lumOff val="15000"/>
+            </a:schemeClr>
+          </a:solidFill>
+          <a:ln w="174625" cmpd="thinThick">
+            <a:solidFill>
+              <a:schemeClr val="tx1">
+                <a:lumMod val="85000"/>
+                <a:lumOff val="15000"/>
+              </a:schemeClr>
+            </a:solidFill>
+          </a:ln>
+        </p:spPr>
+        <p:txBody>
+          <a:bodyPr anchor="ctr">
+            <a:normAutofit/>
+          </a:bodyPr>
+          <a:lstStyle/>
+          <a:p>
+            <a:pPr algn="ctr"/>
+            <a:r>
+              <a:rPr lang="es-ES_tradnl" sz="2600" dirty="0">
+                <a:solidFill>
+                  <a:schemeClr val="bg1"/>
+                </a:solidFill>
+              </a:rPr>
+              <a:t>Generación de mapas </a:t>
+            </a:r>
+          </a:p>
+        </p:txBody>
+      </p:sp>
+    </p:spTree>
+    <p:extLst>
+      <p:ext uri="{BB962C8B-B14F-4D97-AF65-F5344CB8AC3E}">
+        <p14:creationId xmlns:p14="http://schemas.microsoft.com/office/powerpoint/2010/main" val="162813625"/>
+      </p:ext>
+    </p:extLst>
+  </p:cSld>
+  <p:clrMapOvr>
+    <a:masterClrMapping/>
+  </p:clrMapOvr>
+</p:sld>
+</file>
+
+<file path=ppt/slides/slide8.xml><?xml version="1.0" encoding="utf-8"?>
+<p:sld xmlns:a="http://schemas.openxmlformats.org/drawingml/2006/main" xmlns:r="http://schemas.openxmlformats.org/officeDocument/2006/relationships" xmlns:p="http://schemas.openxmlformats.org/presentationml/2006/main">
+  <p:cSld>
+    <p:bg>
+      <p:bgPr>
+        <a:solidFill>
+          <a:schemeClr val="bg1"/>
+        </a:solidFill>
+        <a:effectLst/>
+      </p:bgPr>
+    </p:bg>
+    <p:spTree>
+      <p:nvGrpSpPr>
+        <p:cNvPr id="1" name=""/>
+        <p:cNvGrpSpPr/>
+        <p:nvPr/>
+      </p:nvGrpSpPr>
+      <p:grpSpPr>
+        <a:xfrm>
+          <a:off x="0" y="0"/>
+          <a:ext cx="0" cy="0"/>
+          <a:chOff x="0" y="0"/>
+          <a:chExt cx="0" cy="0"/>
+        </a:xfrm>
+      </p:grpSpPr>
+      <p:sp>
+        <p:nvSpPr>
+          <p:cNvPr id="12" name="Rectangle 9">
+            <a:extLst>
+              <a:ext uri="{FF2B5EF4-FFF2-40B4-BE49-F238E27FC236}">
+                <a16:creationId xmlns:a16="http://schemas.microsoft.com/office/drawing/2014/main" id="{047C8CCB-F95D-4249-92DD-651249D3535A}"/>
+              </a:ext>
+            </a:extLst>
+          </p:cNvPr>
+          <p:cNvSpPr>
+            <a:spLocks noGrp="1" noRot="1" noChangeAspect="1" noMove="1" noResize="1" noEditPoints="1" noAdjustHandles="1" noChangeArrowheads="1" noChangeShapeType="1" noTextEdit="1"/>
+          </p:cNvSpPr>
+          <p:nvPr>
+            <p:extLst>
+              <p:ext uri="{386F3935-93C4-4BCD-93E2-E3B085C9AB24}">
+                <p16:designElem xmlns:p16="http://schemas.microsoft.com/office/powerpoint/2015/main" val="1"/>
+              </p:ext>
+            </p:extLst>
+          </p:nvPr>
+        </p:nvSpPr>
+        <p:spPr>
+          <a:xfrm>
+            <a:off x="0" y="0"/>
+            <a:ext cx="2013557" cy="6858000"/>
+          </a:xfrm>
+          <a:prstGeom prst="rect">
+            <a:avLst/>
+          </a:prstGeom>
+          <a:solidFill>
+            <a:schemeClr val="tx1">
+              <a:lumMod val="50000"/>
+              <a:lumOff val="50000"/>
+            </a:schemeClr>
+          </a:solidFill>
+          <a:ln>
+            <a:noFill/>
+          </a:ln>
+        </p:spPr>
+        <p:style>
+          <a:lnRef idx="2">
+            <a:schemeClr val="accent1">
+              <a:shade val="50000"/>
+            </a:schemeClr>
+          </a:lnRef>
+          <a:fillRef idx="1">
+            <a:schemeClr val="accent1"/>
+          </a:fillRef>
+          <a:effectRef idx="0">
+            <a:schemeClr val="accent1"/>
+          </a:effectRef>
+          <a:fontRef idx="minor">
+            <a:schemeClr val="lt1"/>
+          </a:fontRef>
+        </p:style>
+        <p:txBody>
+          <a:bodyPr rtlCol="0" anchor="ctr"/>
+          <a:lstStyle/>
+          <a:p>
+            <a:pPr algn="ctr"/>
+            <a:endParaRPr lang="en-US"/>
+          </a:p>
+        </p:txBody>
+      </p:sp>
+      <p:pic>
+        <p:nvPicPr>
+          <p:cNvPr id="5" name="Imagen 4" descr="Imagen que contiene interior, edificio&#10;&#10;Descripción generada con confianza muy alta">
+            <a:extLst>
+              <a:ext uri="{FF2B5EF4-FFF2-40B4-BE49-F238E27FC236}">
+                <a16:creationId xmlns:a16="http://schemas.microsoft.com/office/drawing/2014/main" id="{E55109DE-AD8B-4F4D-A47E-E65765F07141}"/>
+              </a:ext>
+            </a:extLst>
+          </p:cNvPr>
+          <p:cNvPicPr>
+            <a:picLocks noChangeAspect="1"/>
+          </p:cNvPicPr>
+          <p:nvPr/>
+        </p:nvPicPr>
+        <p:blipFill>
+          <a:blip r:embed="rId2">
+            <a:extLst>
+              <a:ext uri="{28A0092B-C50C-407E-A947-70E740481C1C}">
+                <a14:useLocalDpi xmlns:a14="http://schemas.microsoft.com/office/drawing/2010/main" val="0"/>
+              </a:ext>
+            </a:extLst>
+          </a:blip>
+          <a:stretch>
+            <a:fillRect/>
+          </a:stretch>
+        </p:blipFill>
+        <p:spPr>
+          <a:xfrm>
+            <a:off x="4182122" y="961812"/>
+            <a:ext cx="6901155" cy="4930987"/>
+          </a:xfrm>
+          <a:prstGeom prst="rect">
+            <a:avLst/>
+          </a:prstGeom>
+        </p:spPr>
+      </p:pic>
+      <p:sp>
+        <p:nvSpPr>
+          <p:cNvPr id="2" name="Título 1">
+            <a:extLst>
+              <a:ext uri="{FF2B5EF4-FFF2-40B4-BE49-F238E27FC236}">
+                <a16:creationId xmlns:a16="http://schemas.microsoft.com/office/drawing/2014/main" id="{512A2610-FCEE-4560-B987-D373453D54BA}"/>
+              </a:ext>
+            </a:extLst>
+          </p:cNvPr>
+          <p:cNvSpPr>
+            <a:spLocks noGrp="1"/>
+          </p:cNvSpPr>
+          <p:nvPr>
+            <p:ph type="title"/>
+          </p:nvPr>
+        </p:nvSpPr>
+        <p:spPr>
+          <a:xfrm>
+            <a:off x="640080" y="2074363"/>
+            <a:ext cx="2752354" cy="2709275"/>
+          </a:xfrm>
+          <a:prstGeom prst="ellipse">
+            <a:avLst/>
+          </a:prstGeom>
+          <a:solidFill>
+            <a:schemeClr val="tx1">
+              <a:lumMod val="85000"/>
+              <a:lumOff val="15000"/>
+            </a:schemeClr>
+          </a:solidFill>
+          <a:ln w="174625" cmpd="thinThick">
+            <a:solidFill>
+              <a:schemeClr val="tx1">
+                <a:lumMod val="85000"/>
+                <a:lumOff val="15000"/>
+              </a:schemeClr>
+            </a:solidFill>
+          </a:ln>
+        </p:spPr>
+        <p:txBody>
+          <a:bodyPr vert="horz" lIns="91440" tIns="45720" rIns="91440" bIns="45720" rtlCol="0" anchor="ctr">
+            <a:normAutofit/>
+          </a:bodyPr>
+          <a:lstStyle/>
+          <a:p>
+            <a:pPr algn="ctr"/>
+            <a:r>
+              <a:rPr lang="en-US" sz="2400" kern="1200">
+                <a:solidFill>
+                  <a:schemeClr val="bg1"/>
+                </a:solidFill>
+                <a:latin typeface="+mj-lt"/>
+                <a:ea typeface="+mj-ea"/>
+                <a:cs typeface="+mj-cs"/>
+              </a:rPr>
+              <a:t>PLANEAR EL MOVIMIENTO</a:t>
+            </a:r>
+          </a:p>
+        </p:txBody>
+      </p:sp>
+    </p:spTree>
+    <p:extLst>
+      <p:ext uri="{BB962C8B-B14F-4D97-AF65-F5344CB8AC3E}">
+        <p14:creationId xmlns:p14="http://schemas.microsoft.com/office/powerpoint/2010/main" val="620877959"/>
+      </p:ext>
+    </p:extLst>
+  </p:cSld>
+  <p:clrMapOvr>
+    <a:masterClrMapping/>
+  </p:clrMapOvr>
+</p:sld>
+</file>
+
 <file path=ppt/slides/slide9.xml><?xml version="1.0" encoding="utf-8"?>
 <p:sld xmlns:a="http://schemas.openxmlformats.org/drawingml/2006/main" xmlns:r="http://schemas.openxmlformats.org/officeDocument/2006/relationships" xmlns:p="http://schemas.openxmlformats.org/presentationml/2006/main">
   <p:cSld>
@@ -7096,7 +8242,7 @@
       </p:grpSpPr>
       <p:sp>
         <p:nvSpPr>
-          <p:cNvPr id="71" name="Rectangle 70">
+          <p:cNvPr id="10" name="Rectangle 9">
             <a:extLst>
               <a:ext uri="{FF2B5EF4-FFF2-40B4-BE49-F238E27FC236}">
                 <a16:creationId xmlns:a16="http://schemas.microsoft.com/office/drawing/2014/main" id="{A4AC5506-6312-4701-8D3C-40187889A947}"/>
@@ -7158,15 +8304,15 @@
       </p:sp>
       <p:pic>
         <p:nvPicPr>
-          <p:cNvPr id="2050" name="Picture 2" descr="Resultado de imagen de algoritmos roboticos">
-            <a:extLst>
-              <a:ext uri="{FF2B5EF4-FFF2-40B4-BE49-F238E27FC236}">
-                <a16:creationId xmlns:a16="http://schemas.microsoft.com/office/drawing/2014/main" id="{8E811937-3DD6-4EF2-99E9-17EE6B6D6B03}"/>
+          <p:cNvPr id="5" name="Imagen 4">
+            <a:extLst>
+              <a:ext uri="{FF2B5EF4-FFF2-40B4-BE49-F238E27FC236}">
+                <a16:creationId xmlns:a16="http://schemas.microsoft.com/office/drawing/2014/main" id="{1658C8F5-DCA2-4297-8E5E-D7B45E76BA28}"/>
               </a:ext>
             </a:extLst>
           </p:cNvPr>
           <p:cNvPicPr>
-            <a:picLocks noChangeAspect="1" noChangeArrowheads="1"/>
+            <a:picLocks noChangeAspect="1"/>
           </p:cNvPicPr>
           <p:nvPr/>
         </p:nvPicPr>
@@ -7178,29 +8324,18 @@
               </a:ext>
             </a:extLst>
           </a:blip>
-          <a:srcRect/>
           <a:stretch>
             <a:fillRect/>
           </a:stretch>
         </p:blipFill>
-        <p:spPr bwMode="auto">
-          <a:xfrm>
-            <a:off x="2258272" y="1675227"/>
-            <a:ext cx="7675456" cy="4394199"/>
+        <p:spPr>
+          <a:xfrm>
+            <a:off x="2580641" y="1675227"/>
+            <a:ext cx="7030717" cy="4394199"/>
           </a:xfrm>
           <a:prstGeom prst="rect">
             <a:avLst/>
           </a:prstGeom>
-          <a:noFill/>
-          <a:extLst>
-            <a:ext uri="{909E8E84-426E-40DD-AFC4-6F175D3DCCD1}">
-              <a14:hiddenFill xmlns:a14="http://schemas.microsoft.com/office/drawing/2010/main">
-                <a:solidFill>
-                  <a:srgbClr val="FFFFFF"/>
-                </a:solidFill>
-              </a14:hiddenFill>
-            </a:ext>
-          </a:extLst>
         </p:spPr>
       </p:pic>
       <p:sp>
@@ -7208,7 +8343,7 @@
           <p:cNvPr id="2" name="Título 1">
             <a:extLst>
               <a:ext uri="{FF2B5EF4-FFF2-40B4-BE49-F238E27FC236}">
-                <a16:creationId xmlns:a16="http://schemas.microsoft.com/office/drawing/2014/main" id="{1E9D8BA6-FC9D-4A47-A1A8-288A37D57A05}"/>
+                <a16:creationId xmlns:a16="http://schemas.microsoft.com/office/drawing/2014/main" id="{E982D7A1-6368-4874-8A29-DA2822CE46D8}"/>
               </a:ext>
             </a:extLst>
           </p:cNvPr>
@@ -7226,19 +8361,22 @@
           </a:xfrm>
         </p:spPr>
         <p:txBody>
-          <a:bodyPr>
+          <a:bodyPr vert="horz" lIns="91440" tIns="45720" rIns="91440" bIns="45720" rtlCol="0" anchor="ctr">
             <a:normAutofit/>
           </a:bodyPr>
           <a:lstStyle/>
           <a:p>
             <a:pPr algn="ctr"/>
             <a:r>
-              <a:rPr lang="es-ES" sz="3200" dirty="0">
+              <a:rPr lang="en-US" sz="3200" kern="1200">
                 <a:solidFill>
                   <a:schemeClr val="bg1"/>
                 </a:solidFill>
+                <a:latin typeface="+mj-lt"/>
+                <a:ea typeface="+mj-ea"/>
+                <a:cs typeface="+mj-cs"/>
               </a:rPr>
-              <a:t>ALGORITMOS</a:t>
+              <a:t>ESPACIO DE CONFIGURACIÓN</a:t>
             </a:r>
           </a:p>
         </p:txBody>
@@ -7246,7 +8384,7 @@
     </p:spTree>
     <p:extLst>
       <p:ext uri="{BB962C8B-B14F-4D97-AF65-F5344CB8AC3E}">
-        <p14:creationId xmlns:p14="http://schemas.microsoft.com/office/powerpoint/2010/main" val="1277691506"/>
+        <p14:creationId xmlns:p14="http://schemas.microsoft.com/office/powerpoint/2010/main" val="817872270"/>
       </p:ext>
     </p:extLst>
   </p:cSld>
